--- a/lectures/DJ-12-Owned-Rows.pptx
+++ b/lectures/DJ-12-Owned-Rows.pptx
@@ -5,7 +5,7 @@
     <p:sldMasterId id="2147483660" r:id="rId1"/>
   </p:sldMasterIdLst>
   <p:notesMasterIdLst>
-    <p:notesMasterId r:id="rId24"/>
+    <p:notesMasterId r:id="rId25"/>
   </p:notesMasterIdLst>
   <p:sldIdLst>
     <p:sldId id="258" r:id="rId2"/>
@@ -15,21 +15,22 @@
     <p:sldId id="398" r:id="rId6"/>
     <p:sldId id="400" r:id="rId7"/>
     <p:sldId id="401" r:id="rId8"/>
-    <p:sldId id="406" r:id="rId9"/>
-    <p:sldId id="389" r:id="rId10"/>
-    <p:sldId id="407" r:id="rId11"/>
-    <p:sldId id="388" r:id="rId12"/>
-    <p:sldId id="403" r:id="rId13"/>
-    <p:sldId id="404" r:id="rId14"/>
-    <p:sldId id="405" r:id="rId15"/>
-    <p:sldId id="409" r:id="rId16"/>
-    <p:sldId id="411" r:id="rId17"/>
-    <p:sldId id="412" r:id="rId18"/>
-    <p:sldId id="410" r:id="rId19"/>
-    <p:sldId id="413" r:id="rId20"/>
-    <p:sldId id="380" r:id="rId21"/>
-    <p:sldId id="273" r:id="rId22"/>
-    <p:sldId id="402" r:id="rId23"/>
+    <p:sldId id="414" r:id="rId9"/>
+    <p:sldId id="406" r:id="rId10"/>
+    <p:sldId id="389" r:id="rId11"/>
+    <p:sldId id="407" r:id="rId12"/>
+    <p:sldId id="388" r:id="rId13"/>
+    <p:sldId id="403" r:id="rId14"/>
+    <p:sldId id="404" r:id="rId15"/>
+    <p:sldId id="405" r:id="rId16"/>
+    <p:sldId id="409" r:id="rId17"/>
+    <p:sldId id="411" r:id="rId18"/>
+    <p:sldId id="412" r:id="rId19"/>
+    <p:sldId id="415" r:id="rId20"/>
+    <p:sldId id="413" r:id="rId21"/>
+    <p:sldId id="380" r:id="rId22"/>
+    <p:sldId id="273" r:id="rId23"/>
+    <p:sldId id="402" r:id="rId24"/>
   </p:sldIdLst>
   <p:sldSz cx="12192000" cy="6858000"/>
   <p:notesSz cx="6858000" cy="9144000"/>
@@ -3666,10 +3667,10 @@
           <p:cNvPr id="10" name="Rectangle 9">
             <a:extLst>
               <a:ext uri="{FF2B5EF4-FFF2-40B4-BE49-F238E27FC236}">
-                <a16:creationId xmlns:a16="http://schemas.microsoft.com/office/drawing/2014/main" xmlns="" id="{E20EB187-900F-4AF5-813B-101456D9FD39}"/>
+                <a16:creationId xmlns="" xmlns:a16="http://schemas.microsoft.com/office/drawing/2014/main" id="{E20EB187-900F-4AF5-813B-101456D9FD39}"/>
               </a:ext>
               <a:ext uri="{C183D7F6-B498-43B3-948B-1728B52AA6E4}">
-                <adec:decorative xmlns:adec="http://schemas.microsoft.com/office/drawing/2017/decorative" xmlns="" val="1"/>
+                <adec:decorative xmlns="" xmlns:adec="http://schemas.microsoft.com/office/drawing/2017/decorative" val="1"/>
               </a:ext>
             </a:extLst>
           </p:cNvPr>
@@ -3813,10 +3814,10 @@
           <p:cNvPr id="12" name="Straight Connector 11">
             <a:extLst>
               <a:ext uri="{FF2B5EF4-FFF2-40B4-BE49-F238E27FC236}">
-                <a16:creationId xmlns:a16="http://schemas.microsoft.com/office/drawing/2014/main" xmlns="" id="{624D17C8-E9C2-48A4-AA36-D7048A6CCC41}"/>
+                <a16:creationId xmlns="" xmlns:a16="http://schemas.microsoft.com/office/drawing/2014/main" id="{624D17C8-E9C2-48A4-AA36-D7048A6CCC41}"/>
               </a:ext>
               <a:ext uri="{C183D7F6-B498-43B3-948B-1728B52AA6E4}">
-                <adec:decorative xmlns:adec="http://schemas.microsoft.com/office/drawing/2017/decorative" xmlns="" val="1"/>
+                <adec:decorative xmlns="" xmlns:adec="http://schemas.microsoft.com/office/drawing/2017/decorative" val="1"/>
               </a:ext>
             </a:extLst>
           </p:cNvPr>
@@ -4028,6 +4029,405 @@
       </p:grpSpPr>
       <p:sp>
         <p:nvSpPr>
+          <p:cNvPr id="4" name="Rectangle 3"/>
+          <p:cNvSpPr/>
+          <p:nvPr/>
+        </p:nvSpPr>
+        <p:spPr>
+          <a:xfrm>
+            <a:off x="609600" y="5821363"/>
+            <a:ext cx="11192931" cy="369332"/>
+          </a:xfrm>
+          <a:prstGeom prst="rect">
+            <a:avLst/>
+          </a:prstGeom>
+        </p:spPr>
+        <p:txBody>
+          <a:bodyPr wrap="square">
+            <a:spAutoFit/>
+          </a:bodyPr>
+          <a:lstStyle/>
+          <a:p>
+            <a:r>
+              <a:rPr lang="en-US" dirty="0"/>
+              <a:t>https://</a:t>
+            </a:r>
+            <a:r>
+              <a:rPr lang="en-US" dirty="0" err="1"/>
+              <a:t>docs.djangoproject.com</a:t>
+            </a:r>
+            <a:r>
+              <a:rPr lang="en-US" dirty="0"/>
+              <a:t>/</a:t>
+            </a:r>
+            <a:r>
+              <a:rPr lang="en-US" dirty="0" err="1"/>
+              <a:t>en</a:t>
+            </a:r>
+            <a:r>
+              <a:rPr lang="en-US" dirty="0"/>
+              <a:t>/3.0/ref/class-based-views/generic-display/#</a:t>
+            </a:r>
+            <a:r>
+              <a:rPr lang="en-US" dirty="0" err="1"/>
+              <a:t>django.views.generic.list.ListView</a:t>
+            </a:r>
+            <a:endParaRPr lang="en-US" dirty="0"/>
+          </a:p>
+        </p:txBody>
+      </p:sp>
+      <p:sp>
+        <p:nvSpPr>
+          <p:cNvPr id="7" name="TextBox 6"/>
+          <p:cNvSpPr txBox="1"/>
+          <p:nvPr/>
+        </p:nvSpPr>
+        <p:spPr>
+          <a:xfrm>
+            <a:off x="609601" y="711197"/>
+            <a:ext cx="11192931" cy="4708981"/>
+          </a:xfrm>
+          <a:prstGeom prst="rect">
+            <a:avLst/>
+          </a:prstGeom>
+          <a:solidFill>
+            <a:schemeClr val="tx1"/>
+          </a:solidFill>
+        </p:spPr>
+        <p:txBody>
+          <a:bodyPr wrap="square" rtlCol="0">
+            <a:spAutoFit/>
+          </a:bodyPr>
+          <a:lstStyle/>
+          <a:p>
+            <a:r>
+              <a:rPr lang="en-US" sz="2000" b="1" dirty="0" smtClean="0">
+                <a:solidFill>
+                  <a:srgbClr val="0C4B33"/>
+                </a:solidFill>
+              </a:rPr>
+              <a:t>class </a:t>
+            </a:r>
+            <a:r>
+              <a:rPr lang="en-US" sz="2000" b="1" dirty="0" err="1" smtClean="0">
+                <a:solidFill>
+                  <a:srgbClr val="0C4B33"/>
+                </a:solidFill>
+              </a:rPr>
+              <a:t>django.views.generic.list.ListView</a:t>
+            </a:r>
+            <a:endParaRPr lang="en-US" sz="2000" b="1" dirty="0" smtClean="0">
+              <a:solidFill>
+                <a:srgbClr val="0C4B33"/>
+              </a:solidFill>
+            </a:endParaRPr>
+          </a:p>
+          <a:p>
+            <a:endParaRPr lang="en-US" sz="2000" b="1" dirty="0" smtClean="0">
+              <a:solidFill>
+                <a:srgbClr val="0C4B33"/>
+              </a:solidFill>
+            </a:endParaRPr>
+          </a:p>
+          <a:p>
+            <a:r>
+              <a:rPr lang="en-US" sz="2000" dirty="0" smtClean="0">
+                <a:solidFill>
+                  <a:srgbClr val="0C4B33"/>
+                </a:solidFill>
+              </a:rPr>
+              <a:t>A page representing a list of objects. While this view is executing, </a:t>
+            </a:r>
+            <a:r>
+              <a:rPr lang="en-US" sz="2000" dirty="0" err="1" smtClean="0">
+                <a:solidFill>
+                  <a:srgbClr val="0C4B33"/>
+                </a:solidFill>
+              </a:rPr>
+              <a:t>self.object_list</a:t>
+            </a:r>
+            <a:r>
+              <a:rPr lang="en-US" sz="2000" dirty="0" smtClean="0">
+                <a:solidFill>
+                  <a:srgbClr val="0C4B33"/>
+                </a:solidFill>
+              </a:rPr>
+              <a:t> will contain the list of objects (usually, but not necessarily a </a:t>
+            </a:r>
+            <a:r>
+              <a:rPr lang="en-US" sz="2000" dirty="0" err="1" smtClean="0">
+                <a:solidFill>
+                  <a:srgbClr val="0C4B33"/>
+                </a:solidFill>
+              </a:rPr>
+              <a:t>queryset</a:t>
+            </a:r>
+            <a:r>
+              <a:rPr lang="en-US" sz="2000" dirty="0" smtClean="0">
+                <a:solidFill>
+                  <a:srgbClr val="0C4B33"/>
+                </a:solidFill>
+              </a:rPr>
+              <a:t>) that the view is operating upon.</a:t>
+            </a:r>
+          </a:p>
+          <a:p>
+            <a:endParaRPr lang="en-US" sz="2000" dirty="0">
+              <a:solidFill>
+                <a:srgbClr val="0C4B33"/>
+              </a:solidFill>
+            </a:endParaRPr>
+          </a:p>
+          <a:p>
+            <a:r>
+              <a:rPr lang="en-US" sz="2000" b="1" dirty="0" smtClean="0">
+                <a:solidFill>
+                  <a:srgbClr val="0C4B33"/>
+                </a:solidFill>
+              </a:rPr>
+              <a:t>Method Flowchart</a:t>
+            </a:r>
+            <a:endParaRPr lang="en-US" sz="2000" b="1" dirty="0">
+              <a:solidFill>
+                <a:srgbClr val="0C4B33"/>
+              </a:solidFill>
+            </a:endParaRPr>
+          </a:p>
+          <a:p>
+            <a:pPr marL="457200" indent="-457200">
+              <a:buFont typeface="+mj-lt"/>
+              <a:buAutoNum type="arabicPeriod"/>
+            </a:pPr>
+            <a:r>
+              <a:rPr lang="en-US" sz="2000" dirty="0" smtClean="0">
+                <a:solidFill>
+                  <a:srgbClr val="0C4B33"/>
+                </a:solidFill>
+              </a:rPr>
+              <a:t>setup()</a:t>
+            </a:r>
+          </a:p>
+          <a:p>
+            <a:pPr marL="457200" indent="-457200">
+              <a:buFont typeface="+mj-lt"/>
+              <a:buAutoNum type="arabicPeriod"/>
+            </a:pPr>
+            <a:r>
+              <a:rPr lang="en-US" sz="2000" dirty="0" smtClean="0">
+                <a:solidFill>
+                  <a:srgbClr val="0C4B33"/>
+                </a:solidFill>
+              </a:rPr>
+              <a:t>dispatch()</a:t>
+            </a:r>
+          </a:p>
+          <a:p>
+            <a:pPr marL="457200" indent="-457200">
+              <a:buFont typeface="+mj-lt"/>
+              <a:buAutoNum type="arabicPeriod"/>
+            </a:pPr>
+            <a:r>
+              <a:rPr lang="en-US" sz="2000" dirty="0" err="1" smtClean="0">
+                <a:solidFill>
+                  <a:srgbClr val="0C4B33"/>
+                </a:solidFill>
+              </a:rPr>
+              <a:t>http_method_not_allowed</a:t>
+            </a:r>
+            <a:r>
+              <a:rPr lang="en-US" sz="2000" dirty="0" smtClean="0">
+                <a:solidFill>
+                  <a:srgbClr val="0C4B33"/>
+                </a:solidFill>
+              </a:rPr>
+              <a:t>()</a:t>
+            </a:r>
+            <a:endParaRPr lang="en-US" sz="2000" dirty="0">
+              <a:solidFill>
+                <a:srgbClr val="0C4B33"/>
+              </a:solidFill>
+            </a:endParaRPr>
+          </a:p>
+          <a:p>
+            <a:pPr marL="457200" indent="-457200">
+              <a:buFont typeface="+mj-lt"/>
+              <a:buAutoNum type="arabicPeriod"/>
+            </a:pPr>
+            <a:r>
+              <a:rPr lang="en-US" sz="2000" dirty="0" err="1" smtClean="0">
+                <a:solidFill>
+                  <a:srgbClr val="0C4B33"/>
+                </a:solidFill>
+              </a:rPr>
+              <a:t>get_template_names</a:t>
+            </a:r>
+            <a:r>
+              <a:rPr lang="en-US" sz="2000" dirty="0" smtClean="0">
+                <a:solidFill>
+                  <a:srgbClr val="0C4B33"/>
+                </a:solidFill>
+              </a:rPr>
+              <a:t>()</a:t>
+            </a:r>
+            <a:endParaRPr lang="en-US" sz="2000" dirty="0">
+              <a:solidFill>
+                <a:srgbClr val="0C4B33"/>
+              </a:solidFill>
+            </a:endParaRPr>
+          </a:p>
+          <a:p>
+            <a:pPr marL="457200" indent="-457200">
+              <a:buFont typeface="+mj-lt"/>
+              <a:buAutoNum type="arabicPeriod"/>
+            </a:pPr>
+            <a:r>
+              <a:rPr lang="en-US" sz="2000" dirty="0" err="1" smtClean="0">
+                <a:solidFill>
+                  <a:srgbClr val="0C4B33"/>
+                </a:solidFill>
+              </a:rPr>
+              <a:t>get_queryset</a:t>
+            </a:r>
+            <a:r>
+              <a:rPr lang="en-US" sz="2000" dirty="0" smtClean="0">
+                <a:solidFill>
+                  <a:srgbClr val="0C4B33"/>
+                </a:solidFill>
+              </a:rPr>
+              <a:t>()</a:t>
+            </a:r>
+            <a:endParaRPr lang="en-US" sz="2000" dirty="0">
+              <a:solidFill>
+                <a:srgbClr val="0C4B33"/>
+              </a:solidFill>
+            </a:endParaRPr>
+          </a:p>
+          <a:p>
+            <a:pPr marL="457200" indent="-457200">
+              <a:buFont typeface="+mj-lt"/>
+              <a:buAutoNum type="arabicPeriod"/>
+            </a:pPr>
+            <a:r>
+              <a:rPr lang="en-US" sz="2000" dirty="0" err="1" smtClean="0">
+                <a:solidFill>
+                  <a:srgbClr val="0C4B33"/>
+                </a:solidFill>
+              </a:rPr>
+              <a:t>get_context_object_name</a:t>
+            </a:r>
+            <a:r>
+              <a:rPr lang="en-US" sz="2000" dirty="0" smtClean="0">
+                <a:solidFill>
+                  <a:srgbClr val="0C4B33"/>
+                </a:solidFill>
+              </a:rPr>
+              <a:t>()</a:t>
+            </a:r>
+          </a:p>
+          <a:p>
+            <a:pPr marL="457200" indent="-457200">
+              <a:buFont typeface="+mj-lt"/>
+              <a:buAutoNum type="arabicPeriod"/>
+            </a:pPr>
+            <a:r>
+              <a:rPr lang="en-US" sz="2000" dirty="0" err="1" smtClean="0">
+                <a:solidFill>
+                  <a:srgbClr val="0C4B33"/>
+                </a:solidFill>
+              </a:rPr>
+              <a:t>get_context_data</a:t>
+            </a:r>
+            <a:r>
+              <a:rPr lang="en-US" sz="2000" dirty="0" smtClean="0">
+                <a:solidFill>
+                  <a:srgbClr val="0C4B33"/>
+                </a:solidFill>
+              </a:rPr>
+              <a:t>()	</a:t>
+            </a:r>
+          </a:p>
+          <a:p>
+            <a:pPr marL="457200" indent="-457200">
+              <a:buFont typeface="+mj-lt"/>
+              <a:buAutoNum type="arabicPeriod"/>
+            </a:pPr>
+            <a:r>
+              <a:rPr lang="en-US" sz="2000" dirty="0" smtClean="0">
+                <a:solidFill>
+                  <a:srgbClr val="0C4B33"/>
+                </a:solidFill>
+              </a:rPr>
+              <a:t>get()</a:t>
+            </a:r>
+          </a:p>
+          <a:p>
+            <a:pPr marL="457200" indent="-457200">
+              <a:buFont typeface="+mj-lt"/>
+              <a:buAutoNum type="arabicPeriod"/>
+            </a:pPr>
+            <a:r>
+              <a:rPr lang="en-US" sz="2000" dirty="0" err="1" smtClean="0">
+                <a:solidFill>
+                  <a:srgbClr val="0C4B33"/>
+                </a:solidFill>
+              </a:rPr>
+              <a:t>render_to_response</a:t>
+            </a:r>
+            <a:r>
+              <a:rPr lang="en-US" sz="2000" dirty="0" smtClean="0">
+                <a:solidFill>
+                  <a:srgbClr val="0C4B33"/>
+                </a:solidFill>
+              </a:rPr>
+              <a:t>()</a:t>
+            </a:r>
+            <a:endParaRPr lang="en-US" sz="2000" dirty="0">
+              <a:solidFill>
+                <a:srgbClr val="0C4B33"/>
+              </a:solidFill>
+            </a:endParaRPr>
+          </a:p>
+        </p:txBody>
+      </p:sp>
+    </p:spTree>
+    <p:extLst>
+      <p:ext uri="{BB962C8B-B14F-4D97-AF65-F5344CB8AC3E}">
+        <p14:creationId xmlns:p14="http://schemas.microsoft.com/office/powerpoint/2010/main" val="82595374"/>
+      </p:ext>
+    </p:extLst>
+  </p:cSld>
+  <p:clrMapOvr>
+    <a:masterClrMapping/>
+  </p:clrMapOvr>
+  <p:timing>
+    <p:tnLst>
+      <p:par>
+        <p:cTn id="1" dur="indefinite" restart="never" nodeType="tmRoot"/>
+      </p:par>
+    </p:tnLst>
+  </p:timing>
+</p:sld>
+</file>
+
+<file path=ppt/slides/slide11.xml><?xml version="1.0" encoding="utf-8"?>
+<p:sld xmlns:a="http://schemas.openxmlformats.org/drawingml/2006/main" xmlns:r="http://schemas.openxmlformats.org/officeDocument/2006/relationships" xmlns:p="http://schemas.openxmlformats.org/presentationml/2006/main">
+  <p:cSld>
+    <p:spTree>
+      <p:nvGrpSpPr>
+        <p:cNvPr id="1" name=""/>
+        <p:cNvGrpSpPr/>
+        <p:nvPr/>
+      </p:nvGrpSpPr>
+      <p:grpSpPr>
+        <a:xfrm>
+          <a:off x="0" y="0"/>
+          <a:ext cx="0" cy="0"/>
+          <a:chOff x="0" y="0"/>
+          <a:chExt cx="0" cy="0"/>
+        </a:xfrm>
+      </p:grpSpPr>
+      <p:sp>
+        <p:nvSpPr>
           <p:cNvPr id="4" name="Title 3"/>
           <p:cNvSpPr>
             <a:spLocks noGrp="1"/>
@@ -4264,11 +4664,6 @@
               </a:rPr>
               <a:t>()</a:t>
             </a:r>
-            <a:endParaRPr lang="en-US" dirty="0" smtClean="0">
-              <a:solidFill>
-                <a:srgbClr val="0500FF"/>
-              </a:solidFill>
-            </a:endParaRPr>
           </a:p>
         </p:txBody>
       </p:sp>
@@ -4342,11 +4737,6 @@
               </a:rPr>
               <a:t>()</a:t>
             </a:r>
-            <a:endParaRPr lang="en-US" dirty="0" smtClean="0">
-              <a:solidFill>
-                <a:srgbClr val="0500FF"/>
-              </a:solidFill>
-            </a:endParaRPr>
           </a:p>
         </p:txBody>
       </p:sp>
@@ -5815,7 +6205,7 @@
 </p:sld>
 </file>
 
-<file path=ppt/slides/slide11.xml><?xml version="1.0" encoding="utf-8"?>
+<file path=ppt/slides/slide12.xml><?xml version="1.0" encoding="utf-8"?>
 <p:sld xmlns:a="http://schemas.openxmlformats.org/drawingml/2006/main" xmlns:r="http://schemas.openxmlformats.org/officeDocument/2006/relationships" xmlns:p="http://schemas.openxmlformats.org/presentationml/2006/main">
   <p:cSld>
     <p:spTree>
@@ -7561,7 +7951,7 @@
 </p:sld>
 </file>
 
-<file path=ppt/slides/slide12.xml><?xml version="1.0" encoding="utf-8"?>
+<file path=ppt/slides/slide13.xml><?xml version="1.0" encoding="utf-8"?>
 <p:sld xmlns:a="http://schemas.openxmlformats.org/drawingml/2006/main" xmlns:r="http://schemas.openxmlformats.org/officeDocument/2006/relationships" xmlns:p="http://schemas.openxmlformats.org/presentationml/2006/main">
   <p:cSld>
     <p:spTree>
@@ -7678,232 +8068,6 @@
           </a:p>
         </p:txBody>
       </p:sp>
-      <p:sp>
-        <p:nvSpPr>
-          <p:cNvPr id="5" name="Rectangle 4"/>
-          <p:cNvSpPr/>
-          <p:nvPr/>
-        </p:nvSpPr>
-        <p:spPr>
-          <a:xfrm>
-            <a:off x="7343774" y="958104"/>
-            <a:ext cx="4114801" cy="4629896"/>
-          </a:xfrm>
-          <a:prstGeom prst="rect">
-            <a:avLst/>
-          </a:prstGeom>
-          <a:solidFill>
-            <a:srgbClr val="002060"/>
-          </a:solidFill>
-        </p:spPr>
-        <p:style>
-          <a:lnRef idx="2">
-            <a:schemeClr val="accent1">
-              <a:shade val="50000"/>
-            </a:schemeClr>
-          </a:lnRef>
-          <a:fillRef idx="1">
-            <a:schemeClr val="accent1"/>
-          </a:fillRef>
-          <a:effectRef idx="0">
-            <a:schemeClr val="accent1"/>
-          </a:effectRef>
-          <a:fontRef idx="minor">
-            <a:schemeClr val="lt1"/>
-          </a:fontRef>
-        </p:style>
-        <p:txBody>
-          <a:bodyPr rtlCol="0" anchor="t"/>
-          <a:lstStyle/>
-          <a:p>
-            <a:pPr algn="ctr"/>
-            <a:r>
-              <a:rPr lang="en-US" dirty="0" err="1" smtClean="0"/>
-              <a:t>myarts.views.ArticleListView</a:t>
-            </a:r>
-            <a:endParaRPr lang="en-US" dirty="0" smtClean="0"/>
-          </a:p>
-          <a:p>
-            <a:pPr algn="ctr"/>
-            <a:endParaRPr lang="en-US" dirty="0" smtClean="0"/>
-          </a:p>
-          <a:p>
-            <a:pPr algn="ctr"/>
-            <a:r>
-              <a:rPr lang="en-US" dirty="0" smtClean="0"/>
-              <a:t>model = </a:t>
-            </a:r>
-            <a:r>
-              <a:rPr lang="en-US" dirty="0" err="1" smtClean="0"/>
-              <a:t>myarts.models.Article</a:t>
-            </a:r>
-            <a:endParaRPr lang="en-US" dirty="0"/>
-          </a:p>
-        </p:txBody>
-      </p:sp>
-      <p:sp>
-        <p:nvSpPr>
-          <p:cNvPr id="6" name="Rectangle 5"/>
-          <p:cNvSpPr/>
-          <p:nvPr/>
-        </p:nvSpPr>
-        <p:spPr>
-          <a:xfrm>
-            <a:off x="7729537" y="2414594"/>
-            <a:ext cx="3343275" cy="1000125"/>
-          </a:xfrm>
-          <a:prstGeom prst="rect">
-            <a:avLst/>
-          </a:prstGeom>
-          <a:solidFill>
-            <a:srgbClr val="0070C0"/>
-          </a:solidFill>
-        </p:spPr>
-        <p:style>
-          <a:lnRef idx="2">
-            <a:schemeClr val="accent1">
-              <a:shade val="50000"/>
-            </a:schemeClr>
-          </a:lnRef>
-          <a:fillRef idx="1">
-            <a:schemeClr val="accent1"/>
-          </a:fillRef>
-          <a:effectRef idx="0">
-            <a:schemeClr val="accent1"/>
-          </a:effectRef>
-          <a:fontRef idx="minor">
-            <a:schemeClr val="lt1"/>
-          </a:fontRef>
-        </p:style>
-        <p:txBody>
-          <a:bodyPr rtlCol="0" anchor="t"/>
-          <a:lstStyle/>
-          <a:p>
-            <a:pPr algn="ctr"/>
-            <a:r>
-              <a:rPr lang="en-US" dirty="0" err="1" smtClean="0"/>
-              <a:t>myarts.owner.ListView</a:t>
-            </a:r>
-            <a:endParaRPr lang="en-US" dirty="0"/>
-          </a:p>
-        </p:txBody>
-      </p:sp>
-      <p:cxnSp>
-        <p:nvCxnSpPr>
-          <p:cNvPr id="7" name="Straight Arrow Connector 6"/>
-          <p:cNvCxnSpPr/>
-          <p:nvPr/>
-        </p:nvCxnSpPr>
-        <p:spPr>
-          <a:xfrm>
-            <a:off x="9401175" y="1828800"/>
-            <a:ext cx="0" cy="585794"/>
-          </a:xfrm>
-          <a:prstGeom prst="straightConnector1">
-            <a:avLst/>
-          </a:prstGeom>
-          <a:ln w="38100">
-            <a:solidFill>
-              <a:schemeClr val="tx1"/>
-            </a:solidFill>
-            <a:tailEnd type="triangle"/>
-          </a:ln>
-        </p:spPr>
-        <p:style>
-          <a:lnRef idx="1">
-            <a:schemeClr val="accent1"/>
-          </a:lnRef>
-          <a:fillRef idx="0">
-            <a:schemeClr val="accent1"/>
-          </a:fillRef>
-          <a:effectRef idx="0">
-            <a:schemeClr val="accent1"/>
-          </a:effectRef>
-          <a:fontRef idx="minor">
-            <a:schemeClr val="tx1"/>
-          </a:fontRef>
-        </p:style>
-      </p:cxnSp>
-      <p:sp>
-        <p:nvSpPr>
-          <p:cNvPr id="8" name="Rectangle 7"/>
-          <p:cNvSpPr/>
-          <p:nvPr/>
-        </p:nvSpPr>
-        <p:spPr>
-          <a:xfrm>
-            <a:off x="7729537" y="4013162"/>
-            <a:ext cx="3343275" cy="1000125"/>
-          </a:xfrm>
-          <a:prstGeom prst="rect">
-            <a:avLst/>
-          </a:prstGeom>
-        </p:spPr>
-        <p:style>
-          <a:lnRef idx="2">
-            <a:schemeClr val="accent1">
-              <a:shade val="50000"/>
-            </a:schemeClr>
-          </a:lnRef>
-          <a:fillRef idx="1">
-            <a:schemeClr val="accent1"/>
-          </a:fillRef>
-          <a:effectRef idx="0">
-            <a:schemeClr val="accent1"/>
-          </a:effectRef>
-          <a:fontRef idx="minor">
-            <a:schemeClr val="lt1"/>
-          </a:fontRef>
-        </p:style>
-        <p:txBody>
-          <a:bodyPr rtlCol="0" anchor="t"/>
-          <a:lstStyle/>
-          <a:p>
-            <a:pPr algn="ctr"/>
-            <a:r>
-              <a:rPr lang="en-US" dirty="0" err="1" smtClean="0"/>
-              <a:t>django.views.generic.ListView</a:t>
-            </a:r>
-            <a:endParaRPr lang="en-US" dirty="0"/>
-          </a:p>
-        </p:txBody>
-      </p:sp>
-      <p:cxnSp>
-        <p:nvCxnSpPr>
-          <p:cNvPr id="9" name="Straight Arrow Connector 8"/>
-          <p:cNvCxnSpPr/>
-          <p:nvPr/>
-        </p:nvCxnSpPr>
-        <p:spPr>
-          <a:xfrm>
-            <a:off x="9401175" y="3414719"/>
-            <a:ext cx="0" cy="598443"/>
-          </a:xfrm>
-          <a:prstGeom prst="straightConnector1">
-            <a:avLst/>
-          </a:prstGeom>
-          <a:ln w="38100">
-            <a:solidFill>
-              <a:schemeClr val="tx1"/>
-            </a:solidFill>
-            <a:tailEnd type="triangle"/>
-          </a:ln>
-        </p:spPr>
-        <p:style>
-          <a:lnRef idx="1">
-            <a:schemeClr val="accent1"/>
-          </a:lnRef>
-          <a:fillRef idx="0">
-            <a:schemeClr val="accent1"/>
-          </a:fillRef>
-          <a:effectRef idx="0">
-            <a:schemeClr val="accent1"/>
-          </a:effectRef>
-          <a:fontRef idx="minor">
-            <a:schemeClr val="tx1"/>
-          </a:fontRef>
-        </p:style>
-      </p:cxnSp>
     </p:spTree>
     <p:extLst>
       <p:ext uri="{BB962C8B-B14F-4D97-AF65-F5344CB8AC3E}">
@@ -7914,10 +8078,17 @@
   <p:clrMapOvr>
     <a:masterClrMapping/>
   </p:clrMapOvr>
+  <p:timing>
+    <p:tnLst>
+      <p:par>
+        <p:cTn id="1" dur="indefinite" restart="never" nodeType="tmRoot"/>
+      </p:par>
+    </p:tnLst>
+  </p:timing>
 </p:sld>
 </file>
 
-<file path=ppt/slides/slide13.xml><?xml version="1.0" encoding="utf-8"?>
+<file path=ppt/slides/slide14.xml><?xml version="1.0" encoding="utf-8"?>
 <p:sld xmlns:a="http://schemas.openxmlformats.org/drawingml/2006/main" xmlns:r="http://schemas.openxmlformats.org/officeDocument/2006/relationships" xmlns:p="http://schemas.openxmlformats.org/presentationml/2006/main">
   <p:cSld>
     <p:spTree>
@@ -9704,7 +9875,7 @@
             <a:pPr algn="ctr"/>
             <a:r>
               <a:rPr lang="en-US" dirty="0" err="1" smtClean="0"/>
-              <a:t>myarts.owner.ListView</a:t>
+              <a:t>myarts.owner.OwnerListView</a:t>
             </a:r>
             <a:endParaRPr lang="en-US" dirty="0"/>
           </a:p>
@@ -9851,7 +10022,7 @@
 </p:sld>
 </file>
 
-<file path=ppt/slides/slide14.xml><?xml version="1.0" encoding="utf-8"?>
+<file path=ppt/slides/slide15.xml><?xml version="1.0" encoding="utf-8"?>
 <p:sld xmlns:a="http://schemas.openxmlformats.org/drawingml/2006/main" xmlns:r="http://schemas.openxmlformats.org/officeDocument/2006/relationships" xmlns:p="http://schemas.openxmlformats.org/presentationml/2006/main">
   <p:cSld>
     <p:spTree>
@@ -11010,15 +11181,7 @@
                   <a:srgbClr val="FFFF00"/>
                 </a:solidFill>
               </a:rPr>
-              <a:t>models</a:t>
-            </a:r>
-            <a:r>
-              <a:rPr lang="en-US" dirty="0" err="1" smtClean="0">
-                <a:solidFill>
-                  <a:srgbClr val="FFFF00"/>
-                </a:solidFill>
-              </a:rPr>
-              <a:t>.py</a:t>
+              <a:t>models.py</a:t>
             </a:r>
             <a:endParaRPr lang="en-US" dirty="0">
               <a:solidFill>
@@ -11102,10 +11265,17 @@
   <p:clrMapOvr>
     <a:masterClrMapping/>
   </p:clrMapOvr>
+  <p:timing>
+    <p:tnLst>
+      <p:par>
+        <p:cTn id="1" dur="indefinite" restart="never" nodeType="tmRoot"/>
+      </p:par>
+    </p:tnLst>
+  </p:timing>
 </p:sld>
 </file>
 
-<file path=ppt/slides/slide15.xml><?xml version="1.0" encoding="utf-8"?>
+<file path=ppt/slides/slide16.xml><?xml version="1.0" encoding="utf-8"?>
 <p:sld xmlns:a="http://schemas.openxmlformats.org/drawingml/2006/main" xmlns:r="http://schemas.openxmlformats.org/officeDocument/2006/relationships" xmlns:p="http://schemas.openxmlformats.org/presentationml/2006/main">
   <p:cSld>
     <p:spTree>
@@ -12215,10 +12385,17 @@
   <p:clrMapOvr>
     <a:masterClrMapping/>
   </p:clrMapOvr>
+  <p:timing>
+    <p:tnLst>
+      <p:par>
+        <p:cTn id="1" dur="indefinite" restart="never" nodeType="tmRoot"/>
+      </p:par>
+    </p:tnLst>
+  </p:timing>
 </p:sld>
 </file>
 
-<file path=ppt/slides/slide16.xml><?xml version="1.0" encoding="utf-8"?>
+<file path=ppt/slides/slide17.xml><?xml version="1.0" encoding="utf-8"?>
 <p:sld xmlns:a="http://schemas.openxmlformats.org/drawingml/2006/main" xmlns:r="http://schemas.openxmlformats.org/officeDocument/2006/relationships" xmlns:p="http://schemas.openxmlformats.org/presentationml/2006/main">
   <p:cSld>
     <p:spTree>
@@ -13211,10 +13388,17 @@
   <p:clrMapOvr>
     <a:masterClrMapping/>
   </p:clrMapOvr>
+  <p:timing>
+    <p:tnLst>
+      <p:par>
+        <p:cTn id="1" dur="indefinite" restart="never" nodeType="tmRoot"/>
+      </p:par>
+    </p:tnLst>
+  </p:timing>
 </p:sld>
 </file>
 
-<file path=ppt/slides/slide17.xml><?xml version="1.0" encoding="utf-8"?>
+<file path=ppt/slides/slide18.xml><?xml version="1.0" encoding="utf-8"?>
 <p:sld xmlns:a="http://schemas.openxmlformats.org/drawingml/2006/main" xmlns:r="http://schemas.openxmlformats.org/officeDocument/2006/relationships" xmlns:p="http://schemas.openxmlformats.org/presentationml/2006/main">
   <p:cSld>
     <p:spTree>
@@ -13469,11 +13653,6 @@
               </a:rPr>
               <a:t>()</a:t>
             </a:r>
-            <a:endParaRPr lang="en-US" dirty="0" smtClean="0">
-              <a:solidFill>
-                <a:srgbClr val="0500FF"/>
-              </a:solidFill>
-            </a:endParaRPr>
           </a:p>
         </p:txBody>
       </p:sp>
@@ -13547,11 +13726,6 @@
               </a:rPr>
               <a:t>()</a:t>
             </a:r>
-            <a:endParaRPr lang="en-US" dirty="0" smtClean="0">
-              <a:solidFill>
-                <a:srgbClr val="0500FF"/>
-              </a:solidFill>
-            </a:endParaRPr>
           </a:p>
         </p:txBody>
       </p:sp>
@@ -15020,1344 +15194,6 @@
 </p:sld>
 </file>
 
-<file path=ppt/slides/slide18.xml><?xml version="1.0" encoding="utf-8"?>
-<p:sld xmlns:a="http://schemas.openxmlformats.org/drawingml/2006/main" xmlns:r="http://schemas.openxmlformats.org/officeDocument/2006/relationships" xmlns:p="http://schemas.openxmlformats.org/presentationml/2006/main">
-  <p:cSld>
-    <p:spTree>
-      <p:nvGrpSpPr>
-        <p:cNvPr id="1" name=""/>
-        <p:cNvGrpSpPr/>
-        <p:nvPr/>
-      </p:nvGrpSpPr>
-      <p:grpSpPr>
-        <a:xfrm>
-          <a:off x="0" y="0"/>
-          <a:ext cx="0" cy="0"/>
-          <a:chOff x="0" y="0"/>
-          <a:chExt cx="0" cy="0"/>
-        </a:xfrm>
-      </p:grpSpPr>
-      <p:sp>
-        <p:nvSpPr>
-          <p:cNvPr id="2" name="Rectangle 1"/>
-          <p:cNvSpPr/>
-          <p:nvPr/>
-        </p:nvSpPr>
-        <p:spPr>
-          <a:xfrm>
-            <a:off x="604825" y="1001227"/>
-            <a:ext cx="10339400" cy="2462213"/>
-          </a:xfrm>
-          <a:prstGeom prst="rect">
-            <a:avLst/>
-          </a:prstGeom>
-          <a:solidFill>
-            <a:schemeClr val="tx1"/>
-          </a:solidFill>
-        </p:spPr>
-        <p:txBody>
-          <a:bodyPr wrap="square">
-            <a:spAutoFit/>
-          </a:bodyPr>
-          <a:lstStyle/>
-          <a:p>
-            <a:r>
-              <a:rPr lang="mr-IN" sz="1400" dirty="0">
-                <a:solidFill>
-                  <a:srgbClr val="2EAEBB"/>
-                </a:solidFill>
-                <a:latin typeface="Courier" charset="0"/>
-                <a:ea typeface="Courier" charset="0"/>
-                <a:cs typeface="Courier" charset="0"/>
-              </a:rPr>
-              <a:t>&lt;</a:t>
-            </a:r>
-            <a:r>
-              <a:rPr lang="mr-IN" sz="1400" dirty="0" err="1">
-                <a:solidFill>
-                  <a:srgbClr val="C1651C"/>
-                </a:solidFill>
-                <a:latin typeface="Courier" charset="0"/>
-                <a:ea typeface="Courier" charset="0"/>
-                <a:cs typeface="Courier" charset="0"/>
-              </a:rPr>
-              <a:t>ul</a:t>
-            </a:r>
-            <a:r>
-              <a:rPr lang="mr-IN" sz="1400" dirty="0">
-                <a:solidFill>
-                  <a:srgbClr val="2EAEBB"/>
-                </a:solidFill>
-                <a:latin typeface="Courier" charset="0"/>
-                <a:ea typeface="Courier" charset="0"/>
-                <a:cs typeface="Courier" charset="0"/>
-              </a:rPr>
-              <a:t>&gt;</a:t>
-            </a:r>
-            <a:endParaRPr lang="mr-IN" sz="1400" dirty="0">
-              <a:solidFill>
-                <a:srgbClr val="000000"/>
-              </a:solidFill>
-              <a:latin typeface="Courier" charset="0"/>
-              <a:ea typeface="Courier" charset="0"/>
-              <a:cs typeface="Courier" charset="0"/>
-            </a:endParaRPr>
-          </a:p>
-          <a:p>
-            <a:r>
-              <a:rPr lang="en-US" sz="1400" dirty="0">
-                <a:solidFill>
-                  <a:srgbClr val="000000"/>
-                </a:solidFill>
-                <a:latin typeface="Courier" charset="0"/>
-                <a:ea typeface="Courier" charset="0"/>
-                <a:cs typeface="Courier" charset="0"/>
-              </a:rPr>
-              <a:t>  </a:t>
-            </a:r>
-            <a:r>
-              <a:rPr lang="en-US" sz="1400" dirty="0">
-                <a:solidFill>
-                  <a:srgbClr val="C814C9"/>
-                </a:solidFill>
-                <a:latin typeface="Courier" charset="0"/>
-                <a:ea typeface="Courier" charset="0"/>
-                <a:cs typeface="Courier" charset="0"/>
-              </a:rPr>
-              <a:t>{% </a:t>
-            </a:r>
-            <a:r>
-              <a:rPr lang="en-US" sz="1400" dirty="0">
-                <a:solidFill>
-                  <a:srgbClr val="C1651C"/>
-                </a:solidFill>
-                <a:latin typeface="Courier" charset="0"/>
-                <a:ea typeface="Courier" charset="0"/>
-                <a:cs typeface="Courier" charset="0"/>
-              </a:rPr>
-              <a:t>for</a:t>
-            </a:r>
-            <a:r>
-              <a:rPr lang="en-US" sz="1400" dirty="0">
-                <a:solidFill>
-                  <a:srgbClr val="C814C9"/>
-                </a:solidFill>
-                <a:latin typeface="Courier" charset="0"/>
-                <a:ea typeface="Courier" charset="0"/>
-                <a:cs typeface="Courier" charset="0"/>
-              </a:rPr>
-              <a:t> article </a:t>
-            </a:r>
-            <a:r>
-              <a:rPr lang="en-US" sz="1400" dirty="0">
-                <a:solidFill>
-                  <a:srgbClr val="C1651C"/>
-                </a:solidFill>
-                <a:latin typeface="Courier" charset="0"/>
-                <a:ea typeface="Courier" charset="0"/>
-                <a:cs typeface="Courier" charset="0"/>
-              </a:rPr>
-              <a:t>in</a:t>
-            </a:r>
-            <a:r>
-              <a:rPr lang="en-US" sz="1400" dirty="0">
-                <a:solidFill>
-                  <a:srgbClr val="C814C9"/>
-                </a:solidFill>
-                <a:latin typeface="Courier" charset="0"/>
-                <a:ea typeface="Courier" charset="0"/>
-                <a:cs typeface="Courier" charset="0"/>
-              </a:rPr>
-              <a:t> </a:t>
-            </a:r>
-            <a:r>
-              <a:rPr lang="en-US" sz="1400" dirty="0" err="1">
-                <a:solidFill>
-                  <a:srgbClr val="C814C9"/>
-                </a:solidFill>
-                <a:latin typeface="Courier" charset="0"/>
-                <a:ea typeface="Courier" charset="0"/>
-                <a:cs typeface="Courier" charset="0"/>
-              </a:rPr>
-              <a:t>article_list</a:t>
-            </a:r>
-            <a:r>
-              <a:rPr lang="en-US" sz="1400" dirty="0">
-                <a:solidFill>
-                  <a:srgbClr val="C814C9"/>
-                </a:solidFill>
-                <a:latin typeface="Courier" charset="0"/>
-                <a:ea typeface="Courier" charset="0"/>
-                <a:cs typeface="Courier" charset="0"/>
-              </a:rPr>
-              <a:t> %}</a:t>
-            </a:r>
-            <a:endParaRPr lang="en-US" sz="1400" dirty="0">
-              <a:solidFill>
-                <a:srgbClr val="000000"/>
-              </a:solidFill>
-              <a:latin typeface="Courier" charset="0"/>
-              <a:ea typeface="Courier" charset="0"/>
-              <a:cs typeface="Courier" charset="0"/>
-            </a:endParaRPr>
-          </a:p>
-          <a:p>
-            <a:r>
-              <a:rPr lang="mr-IN" sz="1400" dirty="0">
-                <a:solidFill>
-                  <a:srgbClr val="000000"/>
-                </a:solidFill>
-                <a:latin typeface="Courier" charset="0"/>
-                <a:ea typeface="Courier" charset="0"/>
-                <a:cs typeface="Courier" charset="0"/>
-              </a:rPr>
-              <a:t>    </a:t>
-            </a:r>
-            <a:r>
-              <a:rPr lang="mr-IN" sz="1400" dirty="0">
-                <a:solidFill>
-                  <a:srgbClr val="2EAEBB"/>
-                </a:solidFill>
-                <a:latin typeface="Courier" charset="0"/>
-                <a:ea typeface="Courier" charset="0"/>
-                <a:cs typeface="Courier" charset="0"/>
-              </a:rPr>
-              <a:t>&lt;</a:t>
-            </a:r>
-            <a:r>
-              <a:rPr lang="mr-IN" sz="1400" dirty="0" err="1">
-                <a:solidFill>
-                  <a:srgbClr val="C1651C"/>
-                </a:solidFill>
-                <a:latin typeface="Courier" charset="0"/>
-                <a:ea typeface="Courier" charset="0"/>
-                <a:cs typeface="Courier" charset="0"/>
-              </a:rPr>
-              <a:t>li</a:t>
-            </a:r>
-            <a:r>
-              <a:rPr lang="mr-IN" sz="1400" dirty="0">
-                <a:solidFill>
-                  <a:srgbClr val="2EAEBB"/>
-                </a:solidFill>
-                <a:latin typeface="Courier" charset="0"/>
-                <a:ea typeface="Courier" charset="0"/>
-                <a:cs typeface="Courier" charset="0"/>
-              </a:rPr>
-              <a:t>&gt;</a:t>
-            </a:r>
-            <a:endParaRPr lang="mr-IN" sz="1400" dirty="0">
-              <a:solidFill>
-                <a:srgbClr val="000000"/>
-              </a:solidFill>
-              <a:latin typeface="Courier" charset="0"/>
-              <a:ea typeface="Courier" charset="0"/>
-              <a:cs typeface="Courier" charset="0"/>
-            </a:endParaRPr>
-          </a:p>
-          <a:p>
-            <a:r>
-              <a:rPr lang="en-US" sz="1400" dirty="0">
-                <a:solidFill>
-                  <a:srgbClr val="000000"/>
-                </a:solidFill>
-                <a:latin typeface="Courier" charset="0"/>
-                <a:ea typeface="Courier" charset="0"/>
-                <a:cs typeface="Courier" charset="0"/>
-              </a:rPr>
-              <a:t>        </a:t>
-            </a:r>
-            <a:r>
-              <a:rPr lang="en-US" sz="1400" dirty="0">
-                <a:solidFill>
-                  <a:srgbClr val="2EAEBB"/>
-                </a:solidFill>
-                <a:latin typeface="Courier" charset="0"/>
-                <a:ea typeface="Courier" charset="0"/>
-                <a:cs typeface="Courier" charset="0"/>
-              </a:rPr>
-              <a:t>&lt;</a:t>
-            </a:r>
-            <a:r>
-              <a:rPr lang="en-US" sz="1400" dirty="0">
-                <a:solidFill>
-                  <a:srgbClr val="C1651C"/>
-                </a:solidFill>
-                <a:latin typeface="Courier" charset="0"/>
-                <a:ea typeface="Courier" charset="0"/>
-                <a:cs typeface="Courier" charset="0"/>
-              </a:rPr>
-              <a:t>a</a:t>
-            </a:r>
-            <a:r>
-              <a:rPr lang="en-US" sz="1400" dirty="0">
-                <a:solidFill>
-                  <a:srgbClr val="2EAEBB"/>
-                </a:solidFill>
-                <a:latin typeface="Courier" charset="0"/>
-                <a:ea typeface="Courier" charset="0"/>
-                <a:cs typeface="Courier" charset="0"/>
-              </a:rPr>
-              <a:t> </a:t>
-            </a:r>
-            <a:r>
-              <a:rPr lang="en-US" sz="1400" dirty="0" err="1">
-                <a:solidFill>
-                  <a:srgbClr val="2FB41D"/>
-                </a:solidFill>
-                <a:latin typeface="Courier" charset="0"/>
-                <a:ea typeface="Courier" charset="0"/>
-                <a:cs typeface="Courier" charset="0"/>
-              </a:rPr>
-              <a:t>href</a:t>
-            </a:r>
-            <a:r>
-              <a:rPr lang="en-US" sz="1400" dirty="0">
-                <a:solidFill>
-                  <a:srgbClr val="2EAEBB"/>
-                </a:solidFill>
-                <a:latin typeface="Courier" charset="0"/>
-                <a:ea typeface="Courier" charset="0"/>
-                <a:cs typeface="Courier" charset="0"/>
-              </a:rPr>
-              <a:t>=</a:t>
-            </a:r>
-            <a:r>
-              <a:rPr lang="en-US" sz="1400" dirty="0">
-                <a:solidFill>
-                  <a:srgbClr val="B42419"/>
-                </a:solidFill>
-                <a:latin typeface="Courier" charset="0"/>
-                <a:ea typeface="Courier" charset="0"/>
-                <a:cs typeface="Courier" charset="0"/>
-              </a:rPr>
-              <a:t>"</a:t>
-            </a:r>
-            <a:r>
-              <a:rPr lang="en-US" sz="1400" dirty="0">
-                <a:solidFill>
-                  <a:srgbClr val="C814C9"/>
-                </a:solidFill>
-                <a:latin typeface="Courier" charset="0"/>
-                <a:ea typeface="Courier" charset="0"/>
-                <a:cs typeface="Courier" charset="0"/>
-              </a:rPr>
-              <a:t>{% </a:t>
-            </a:r>
-            <a:r>
-              <a:rPr lang="en-US" sz="1400" dirty="0" err="1">
-                <a:solidFill>
-                  <a:srgbClr val="C1651C"/>
-                </a:solidFill>
-                <a:latin typeface="Courier" charset="0"/>
-                <a:ea typeface="Courier" charset="0"/>
-                <a:cs typeface="Courier" charset="0"/>
-              </a:rPr>
-              <a:t>url</a:t>
-            </a:r>
-            <a:r>
-              <a:rPr lang="en-US" sz="1400" dirty="0">
-                <a:solidFill>
-                  <a:srgbClr val="C814C9"/>
-                </a:solidFill>
-                <a:latin typeface="Courier" charset="0"/>
-                <a:ea typeface="Courier" charset="0"/>
-                <a:cs typeface="Courier" charset="0"/>
-              </a:rPr>
-              <a:t> '</a:t>
-            </a:r>
-            <a:r>
-              <a:rPr lang="en-US" sz="1400" dirty="0" err="1">
-                <a:solidFill>
-                  <a:srgbClr val="C814C9"/>
-                </a:solidFill>
-                <a:latin typeface="Courier" charset="0"/>
-                <a:ea typeface="Courier" charset="0"/>
-                <a:cs typeface="Courier" charset="0"/>
-              </a:rPr>
-              <a:t>myarts:article_detail</a:t>
-            </a:r>
-            <a:r>
-              <a:rPr lang="en-US" sz="1400" dirty="0">
-                <a:solidFill>
-                  <a:srgbClr val="C814C9"/>
-                </a:solidFill>
-                <a:latin typeface="Courier" charset="0"/>
-                <a:ea typeface="Courier" charset="0"/>
-                <a:cs typeface="Courier" charset="0"/>
-              </a:rPr>
-              <a:t>'  </a:t>
-            </a:r>
-            <a:r>
-              <a:rPr lang="en-US" sz="1400" dirty="0" err="1">
-                <a:solidFill>
-                  <a:srgbClr val="C814C9"/>
-                </a:solidFill>
-                <a:latin typeface="Courier" charset="0"/>
-                <a:ea typeface="Courier" charset="0"/>
-                <a:cs typeface="Courier" charset="0"/>
-              </a:rPr>
-              <a:t>article.id</a:t>
-            </a:r>
-            <a:r>
-              <a:rPr lang="en-US" sz="1400" dirty="0">
-                <a:solidFill>
-                  <a:srgbClr val="C814C9"/>
-                </a:solidFill>
-                <a:latin typeface="Courier" charset="0"/>
-                <a:ea typeface="Courier" charset="0"/>
-                <a:cs typeface="Courier" charset="0"/>
-              </a:rPr>
-              <a:t> %}</a:t>
-            </a:r>
-            <a:r>
-              <a:rPr lang="en-US" sz="1400" dirty="0">
-                <a:solidFill>
-                  <a:srgbClr val="B42419"/>
-                </a:solidFill>
-                <a:latin typeface="Courier" charset="0"/>
-                <a:ea typeface="Courier" charset="0"/>
-                <a:cs typeface="Courier" charset="0"/>
-              </a:rPr>
-              <a:t>"</a:t>
-            </a:r>
-            <a:r>
-              <a:rPr lang="en-US" sz="1400" dirty="0">
-                <a:solidFill>
-                  <a:srgbClr val="2EAEBB"/>
-                </a:solidFill>
-                <a:latin typeface="Courier" charset="0"/>
-                <a:ea typeface="Courier" charset="0"/>
-                <a:cs typeface="Courier" charset="0"/>
-              </a:rPr>
-              <a:t>&gt;</a:t>
-            </a:r>
-            <a:r>
-              <a:rPr lang="en-US" sz="1400" dirty="0">
-                <a:solidFill>
-                  <a:srgbClr val="C814C9"/>
-                </a:solidFill>
-                <a:latin typeface="Courier" charset="0"/>
-                <a:ea typeface="Courier" charset="0"/>
-                <a:cs typeface="Courier" charset="0"/>
-              </a:rPr>
-              <a:t>{{ </a:t>
-            </a:r>
-            <a:r>
-              <a:rPr lang="en-US" sz="1400" dirty="0" err="1">
-                <a:solidFill>
-                  <a:srgbClr val="C814C9"/>
-                </a:solidFill>
-                <a:latin typeface="Courier" charset="0"/>
-                <a:ea typeface="Courier" charset="0"/>
-                <a:cs typeface="Courier" charset="0"/>
-              </a:rPr>
-              <a:t>article.</a:t>
-            </a:r>
-            <a:r>
-              <a:rPr lang="en-US" sz="1400" dirty="0" err="1">
-                <a:solidFill>
-                  <a:srgbClr val="2EAEBB"/>
-                </a:solidFill>
-                <a:latin typeface="Courier" charset="0"/>
-                <a:ea typeface="Courier" charset="0"/>
-                <a:cs typeface="Courier" charset="0"/>
-              </a:rPr>
-              <a:t>title</a:t>
-            </a:r>
-            <a:r>
-              <a:rPr lang="en-US" sz="1400" dirty="0">
-                <a:solidFill>
-                  <a:srgbClr val="C814C9"/>
-                </a:solidFill>
-                <a:latin typeface="Courier" charset="0"/>
-                <a:ea typeface="Courier" charset="0"/>
-                <a:cs typeface="Courier" charset="0"/>
-              </a:rPr>
-              <a:t> }}</a:t>
-            </a:r>
-            <a:r>
-              <a:rPr lang="en-US" sz="1400" dirty="0">
-                <a:solidFill>
-                  <a:srgbClr val="2EAEBB"/>
-                </a:solidFill>
-                <a:latin typeface="Courier" charset="0"/>
-                <a:ea typeface="Courier" charset="0"/>
-                <a:cs typeface="Courier" charset="0"/>
-              </a:rPr>
-              <a:t>&lt;/</a:t>
-            </a:r>
-            <a:r>
-              <a:rPr lang="en-US" sz="1400" dirty="0">
-                <a:solidFill>
-                  <a:srgbClr val="C1651C"/>
-                </a:solidFill>
-                <a:latin typeface="Courier" charset="0"/>
-                <a:ea typeface="Courier" charset="0"/>
-                <a:cs typeface="Courier" charset="0"/>
-              </a:rPr>
-              <a:t>a</a:t>
-            </a:r>
-            <a:r>
-              <a:rPr lang="en-US" sz="1400" dirty="0">
-                <a:solidFill>
-                  <a:srgbClr val="2EAEBB"/>
-                </a:solidFill>
-                <a:latin typeface="Courier" charset="0"/>
-                <a:ea typeface="Courier" charset="0"/>
-                <a:cs typeface="Courier" charset="0"/>
-              </a:rPr>
-              <a:t>&gt;</a:t>
-            </a:r>
-            <a:endParaRPr lang="en-US" sz="1400" dirty="0">
-              <a:solidFill>
-                <a:srgbClr val="000000"/>
-              </a:solidFill>
-              <a:latin typeface="Courier" charset="0"/>
-              <a:ea typeface="Courier" charset="0"/>
-              <a:cs typeface="Courier" charset="0"/>
-            </a:endParaRPr>
-          </a:p>
-          <a:p>
-            <a:r>
-              <a:rPr lang="en-US" sz="1400" dirty="0">
-                <a:solidFill>
-                  <a:srgbClr val="000000"/>
-                </a:solidFill>
-                <a:latin typeface="Courier" charset="0"/>
-                <a:ea typeface="Courier" charset="0"/>
-                <a:cs typeface="Courier" charset="0"/>
-              </a:rPr>
-              <a:t>        </a:t>
-            </a:r>
-            <a:r>
-              <a:rPr lang="en-US" sz="1400" dirty="0">
-                <a:solidFill>
-                  <a:srgbClr val="C814C9"/>
-                </a:solidFill>
-                <a:latin typeface="Courier" charset="0"/>
-                <a:ea typeface="Courier" charset="0"/>
-                <a:cs typeface="Courier" charset="0"/>
-              </a:rPr>
-              <a:t>{% </a:t>
-            </a:r>
-            <a:r>
-              <a:rPr lang="en-US" sz="1400" dirty="0">
-                <a:solidFill>
-                  <a:srgbClr val="C1651C"/>
-                </a:solidFill>
-                <a:latin typeface="Courier" charset="0"/>
-                <a:ea typeface="Courier" charset="0"/>
-                <a:cs typeface="Courier" charset="0"/>
-              </a:rPr>
-              <a:t>if</a:t>
-            </a:r>
-            <a:r>
-              <a:rPr lang="en-US" sz="1400" dirty="0">
-                <a:solidFill>
-                  <a:srgbClr val="C814C9"/>
-                </a:solidFill>
-                <a:latin typeface="Courier" charset="0"/>
-                <a:ea typeface="Courier" charset="0"/>
-                <a:cs typeface="Courier" charset="0"/>
-              </a:rPr>
-              <a:t> </a:t>
-            </a:r>
-            <a:r>
-              <a:rPr lang="en-US" sz="1400" dirty="0" err="1">
-                <a:solidFill>
-                  <a:srgbClr val="C814C9"/>
-                </a:solidFill>
-                <a:latin typeface="Courier" charset="0"/>
-                <a:ea typeface="Courier" charset="0"/>
-                <a:cs typeface="Courier" charset="0"/>
-              </a:rPr>
-              <a:t>article.owner</a:t>
-            </a:r>
-            <a:r>
-              <a:rPr lang="en-US" sz="1400" dirty="0">
-                <a:solidFill>
-                  <a:srgbClr val="C814C9"/>
-                </a:solidFill>
-                <a:latin typeface="Courier" charset="0"/>
-                <a:ea typeface="Courier" charset="0"/>
-                <a:cs typeface="Courier" charset="0"/>
-              </a:rPr>
-              <a:t> == user %}</a:t>
-            </a:r>
-            <a:endParaRPr lang="en-US" sz="1400" dirty="0">
-              <a:solidFill>
-                <a:srgbClr val="000000"/>
-              </a:solidFill>
-              <a:latin typeface="Courier" charset="0"/>
-              <a:ea typeface="Courier" charset="0"/>
-              <a:cs typeface="Courier" charset="0"/>
-            </a:endParaRPr>
-          </a:p>
-          <a:p>
-            <a:r>
-              <a:rPr lang="en-US" sz="1400" dirty="0">
-                <a:solidFill>
-                  <a:srgbClr val="000000"/>
-                </a:solidFill>
-                <a:latin typeface="Courier" charset="0"/>
-                <a:ea typeface="Courier" charset="0"/>
-                <a:cs typeface="Courier" charset="0"/>
-              </a:rPr>
-              <a:t>        (</a:t>
-            </a:r>
-            <a:r>
-              <a:rPr lang="en-US" sz="1400" dirty="0">
-                <a:solidFill>
-                  <a:srgbClr val="2EAEBB"/>
-                </a:solidFill>
-                <a:latin typeface="Courier" charset="0"/>
-                <a:ea typeface="Courier" charset="0"/>
-                <a:cs typeface="Courier" charset="0"/>
-              </a:rPr>
-              <a:t>&lt;</a:t>
-            </a:r>
-            <a:r>
-              <a:rPr lang="en-US" sz="1400" dirty="0">
-                <a:solidFill>
-                  <a:srgbClr val="C1651C"/>
-                </a:solidFill>
-                <a:latin typeface="Courier" charset="0"/>
-                <a:ea typeface="Courier" charset="0"/>
-                <a:cs typeface="Courier" charset="0"/>
-              </a:rPr>
-              <a:t>a</a:t>
-            </a:r>
-            <a:r>
-              <a:rPr lang="en-US" sz="1400" dirty="0">
-                <a:solidFill>
-                  <a:srgbClr val="2EAEBB"/>
-                </a:solidFill>
-                <a:latin typeface="Courier" charset="0"/>
-                <a:ea typeface="Courier" charset="0"/>
-                <a:cs typeface="Courier" charset="0"/>
-              </a:rPr>
-              <a:t> </a:t>
-            </a:r>
-            <a:r>
-              <a:rPr lang="en-US" sz="1400" dirty="0" err="1">
-                <a:solidFill>
-                  <a:srgbClr val="2FB41D"/>
-                </a:solidFill>
-                <a:latin typeface="Courier" charset="0"/>
-                <a:ea typeface="Courier" charset="0"/>
-                <a:cs typeface="Courier" charset="0"/>
-              </a:rPr>
-              <a:t>href</a:t>
-            </a:r>
-            <a:r>
-              <a:rPr lang="en-US" sz="1400" dirty="0">
-                <a:solidFill>
-                  <a:srgbClr val="2EAEBB"/>
-                </a:solidFill>
-                <a:latin typeface="Courier" charset="0"/>
-                <a:ea typeface="Courier" charset="0"/>
-                <a:cs typeface="Courier" charset="0"/>
-              </a:rPr>
-              <a:t>=</a:t>
-            </a:r>
-            <a:r>
-              <a:rPr lang="en-US" sz="1400" dirty="0">
-                <a:solidFill>
-                  <a:srgbClr val="B42419"/>
-                </a:solidFill>
-                <a:latin typeface="Courier" charset="0"/>
-                <a:ea typeface="Courier" charset="0"/>
-                <a:cs typeface="Courier" charset="0"/>
-              </a:rPr>
-              <a:t>"</a:t>
-            </a:r>
-            <a:r>
-              <a:rPr lang="en-US" sz="1400" dirty="0">
-                <a:solidFill>
-                  <a:srgbClr val="C814C9"/>
-                </a:solidFill>
-                <a:latin typeface="Courier" charset="0"/>
-                <a:ea typeface="Courier" charset="0"/>
-                <a:cs typeface="Courier" charset="0"/>
-              </a:rPr>
-              <a:t>{% </a:t>
-            </a:r>
-            <a:r>
-              <a:rPr lang="en-US" sz="1400" dirty="0" err="1">
-                <a:solidFill>
-                  <a:srgbClr val="C1651C"/>
-                </a:solidFill>
-                <a:latin typeface="Courier" charset="0"/>
-                <a:ea typeface="Courier" charset="0"/>
-                <a:cs typeface="Courier" charset="0"/>
-              </a:rPr>
-              <a:t>url</a:t>
-            </a:r>
-            <a:r>
-              <a:rPr lang="en-US" sz="1400" dirty="0">
-                <a:solidFill>
-                  <a:srgbClr val="C814C9"/>
-                </a:solidFill>
-                <a:latin typeface="Courier" charset="0"/>
-                <a:ea typeface="Courier" charset="0"/>
-                <a:cs typeface="Courier" charset="0"/>
-              </a:rPr>
-              <a:t> '</a:t>
-            </a:r>
-            <a:r>
-              <a:rPr lang="en-US" sz="1400" dirty="0" err="1">
-                <a:solidFill>
-                  <a:srgbClr val="C814C9"/>
-                </a:solidFill>
-                <a:latin typeface="Courier" charset="0"/>
-                <a:ea typeface="Courier" charset="0"/>
-                <a:cs typeface="Courier" charset="0"/>
-              </a:rPr>
-              <a:t>myarts:article_update</a:t>
-            </a:r>
-            <a:r>
-              <a:rPr lang="en-US" sz="1400" dirty="0">
-                <a:solidFill>
-                  <a:srgbClr val="C814C9"/>
-                </a:solidFill>
-                <a:latin typeface="Courier" charset="0"/>
-                <a:ea typeface="Courier" charset="0"/>
-                <a:cs typeface="Courier" charset="0"/>
-              </a:rPr>
-              <a:t>' </a:t>
-            </a:r>
-            <a:r>
-              <a:rPr lang="en-US" sz="1400" dirty="0" err="1">
-                <a:solidFill>
-                  <a:srgbClr val="C814C9"/>
-                </a:solidFill>
-                <a:latin typeface="Courier" charset="0"/>
-                <a:ea typeface="Courier" charset="0"/>
-                <a:cs typeface="Courier" charset="0"/>
-              </a:rPr>
-              <a:t>article.id</a:t>
-            </a:r>
-            <a:r>
-              <a:rPr lang="en-US" sz="1400" dirty="0">
-                <a:solidFill>
-                  <a:srgbClr val="C814C9"/>
-                </a:solidFill>
-                <a:latin typeface="Courier" charset="0"/>
-                <a:ea typeface="Courier" charset="0"/>
-                <a:cs typeface="Courier" charset="0"/>
-              </a:rPr>
-              <a:t> %}</a:t>
-            </a:r>
-            <a:r>
-              <a:rPr lang="en-US" sz="1400" dirty="0">
-                <a:solidFill>
-                  <a:srgbClr val="B42419"/>
-                </a:solidFill>
-                <a:latin typeface="Courier" charset="0"/>
-                <a:ea typeface="Courier" charset="0"/>
-                <a:cs typeface="Courier" charset="0"/>
-              </a:rPr>
-              <a:t>"</a:t>
-            </a:r>
-            <a:r>
-              <a:rPr lang="en-US" sz="1400" dirty="0">
-                <a:solidFill>
-                  <a:srgbClr val="2EAEBB"/>
-                </a:solidFill>
-                <a:latin typeface="Courier" charset="0"/>
-                <a:ea typeface="Courier" charset="0"/>
-                <a:cs typeface="Courier" charset="0"/>
-              </a:rPr>
-              <a:t>&gt;</a:t>
-            </a:r>
-            <a:r>
-              <a:rPr lang="en-US" sz="1400" u="sng" dirty="0">
-                <a:solidFill>
-                  <a:srgbClr val="C814C9"/>
-                </a:solidFill>
-                <a:latin typeface="Courier" charset="0"/>
-                <a:ea typeface="Courier" charset="0"/>
-                <a:cs typeface="Courier" charset="0"/>
-              </a:rPr>
-              <a:t>Edit</a:t>
-            </a:r>
-            <a:r>
-              <a:rPr lang="en-US" sz="1400" u="sng" dirty="0">
-                <a:solidFill>
-                  <a:srgbClr val="2EAEBB"/>
-                </a:solidFill>
-                <a:latin typeface="Courier" charset="0"/>
-                <a:ea typeface="Courier" charset="0"/>
-                <a:cs typeface="Courier" charset="0"/>
-              </a:rPr>
-              <a:t>&lt;/</a:t>
-            </a:r>
-            <a:r>
-              <a:rPr lang="en-US" sz="1400" u="sng" dirty="0">
-                <a:solidFill>
-                  <a:srgbClr val="C1651C"/>
-                </a:solidFill>
-                <a:latin typeface="Courier" charset="0"/>
-                <a:ea typeface="Courier" charset="0"/>
-                <a:cs typeface="Courier" charset="0"/>
-              </a:rPr>
-              <a:t>a</a:t>
-            </a:r>
-            <a:r>
-              <a:rPr lang="en-US" sz="1400" u="sng" dirty="0">
-                <a:solidFill>
-                  <a:srgbClr val="2EAEBB"/>
-                </a:solidFill>
-                <a:latin typeface="Courier" charset="0"/>
-                <a:ea typeface="Courier" charset="0"/>
-                <a:cs typeface="Courier" charset="0"/>
-              </a:rPr>
-              <a:t>&gt;</a:t>
-            </a:r>
-            <a:r>
-              <a:rPr lang="en-US" sz="1400" u="sng" dirty="0">
-                <a:solidFill>
-                  <a:srgbClr val="000000"/>
-                </a:solidFill>
-                <a:latin typeface="Courier" charset="0"/>
-                <a:ea typeface="Courier" charset="0"/>
-                <a:cs typeface="Courier" charset="0"/>
-              </a:rPr>
-              <a:t> |</a:t>
-            </a:r>
-          </a:p>
-          <a:p>
-            <a:r>
-              <a:rPr lang="en-US" sz="1400" u="sng" dirty="0">
-                <a:solidFill>
-                  <a:srgbClr val="000000"/>
-                </a:solidFill>
-                <a:latin typeface="Courier" charset="0"/>
-                <a:ea typeface="Courier" charset="0"/>
-                <a:cs typeface="Courier" charset="0"/>
-              </a:rPr>
-              <a:t>        </a:t>
-            </a:r>
-            <a:r>
-              <a:rPr lang="en-US" sz="1400" u="sng" dirty="0">
-                <a:solidFill>
-                  <a:srgbClr val="2EAEBB"/>
-                </a:solidFill>
-                <a:latin typeface="Courier" charset="0"/>
-                <a:ea typeface="Courier" charset="0"/>
-                <a:cs typeface="Courier" charset="0"/>
-              </a:rPr>
-              <a:t>&lt;</a:t>
-            </a:r>
-            <a:r>
-              <a:rPr lang="en-US" sz="1400" u="sng" dirty="0">
-                <a:solidFill>
-                  <a:srgbClr val="C1651C"/>
-                </a:solidFill>
-                <a:latin typeface="Courier" charset="0"/>
-                <a:ea typeface="Courier" charset="0"/>
-                <a:cs typeface="Courier" charset="0"/>
-              </a:rPr>
-              <a:t>a</a:t>
-            </a:r>
-            <a:r>
-              <a:rPr lang="en-US" sz="1400" u="sng" dirty="0">
-                <a:solidFill>
-                  <a:srgbClr val="2EAEBB"/>
-                </a:solidFill>
-                <a:latin typeface="Courier" charset="0"/>
-                <a:ea typeface="Courier" charset="0"/>
-                <a:cs typeface="Courier" charset="0"/>
-              </a:rPr>
-              <a:t> </a:t>
-            </a:r>
-            <a:r>
-              <a:rPr lang="en-US" sz="1400" u="sng" dirty="0" err="1">
-                <a:solidFill>
-                  <a:srgbClr val="2FB41D"/>
-                </a:solidFill>
-                <a:latin typeface="Courier" charset="0"/>
-                <a:ea typeface="Courier" charset="0"/>
-                <a:cs typeface="Courier" charset="0"/>
-              </a:rPr>
-              <a:t>href</a:t>
-            </a:r>
-            <a:r>
-              <a:rPr lang="en-US" sz="1400" u="sng" dirty="0">
-                <a:solidFill>
-                  <a:srgbClr val="2EAEBB"/>
-                </a:solidFill>
-                <a:latin typeface="Courier" charset="0"/>
-                <a:ea typeface="Courier" charset="0"/>
-                <a:cs typeface="Courier" charset="0"/>
-              </a:rPr>
-              <a:t>=</a:t>
-            </a:r>
-            <a:r>
-              <a:rPr lang="en-US" sz="1400" u="sng" dirty="0">
-                <a:solidFill>
-                  <a:srgbClr val="B42419"/>
-                </a:solidFill>
-                <a:latin typeface="Courier" charset="0"/>
-                <a:ea typeface="Courier" charset="0"/>
-                <a:cs typeface="Courier" charset="0"/>
-              </a:rPr>
-              <a:t>"</a:t>
-            </a:r>
-            <a:r>
-              <a:rPr lang="en-US" sz="1400" u="sng" dirty="0">
-                <a:solidFill>
-                  <a:srgbClr val="C814C9"/>
-                </a:solidFill>
-                <a:latin typeface="Courier" charset="0"/>
-                <a:ea typeface="Courier" charset="0"/>
-                <a:cs typeface="Courier" charset="0"/>
-              </a:rPr>
-              <a:t>{% </a:t>
-            </a:r>
-            <a:r>
-              <a:rPr lang="en-US" sz="1400" u="sng" dirty="0" err="1">
-                <a:solidFill>
-                  <a:srgbClr val="C1651C"/>
-                </a:solidFill>
-                <a:latin typeface="Courier" charset="0"/>
-                <a:ea typeface="Courier" charset="0"/>
-                <a:cs typeface="Courier" charset="0"/>
-              </a:rPr>
-              <a:t>url</a:t>
-            </a:r>
-            <a:r>
-              <a:rPr lang="en-US" sz="1400" u="sng" dirty="0">
-                <a:solidFill>
-                  <a:srgbClr val="C814C9"/>
-                </a:solidFill>
-                <a:latin typeface="Courier" charset="0"/>
-                <a:ea typeface="Courier" charset="0"/>
-                <a:cs typeface="Courier" charset="0"/>
-              </a:rPr>
-              <a:t> '</a:t>
-            </a:r>
-            <a:r>
-              <a:rPr lang="en-US" sz="1400" u="sng" dirty="0" err="1">
-                <a:solidFill>
-                  <a:srgbClr val="C814C9"/>
-                </a:solidFill>
-                <a:latin typeface="Courier" charset="0"/>
-                <a:ea typeface="Courier" charset="0"/>
-                <a:cs typeface="Courier" charset="0"/>
-              </a:rPr>
-              <a:t>myarts:article_delete</a:t>
-            </a:r>
-            <a:r>
-              <a:rPr lang="en-US" sz="1400" u="sng" dirty="0">
-                <a:solidFill>
-                  <a:srgbClr val="C814C9"/>
-                </a:solidFill>
-                <a:latin typeface="Courier" charset="0"/>
-                <a:ea typeface="Courier" charset="0"/>
-                <a:cs typeface="Courier" charset="0"/>
-              </a:rPr>
-              <a:t>' </a:t>
-            </a:r>
-            <a:r>
-              <a:rPr lang="en-US" sz="1400" u="sng" dirty="0" err="1">
-                <a:solidFill>
-                  <a:srgbClr val="C814C9"/>
-                </a:solidFill>
-                <a:latin typeface="Courier" charset="0"/>
-                <a:ea typeface="Courier" charset="0"/>
-                <a:cs typeface="Courier" charset="0"/>
-              </a:rPr>
-              <a:t>article.id</a:t>
-            </a:r>
-            <a:r>
-              <a:rPr lang="en-US" sz="1400" u="sng" dirty="0">
-                <a:solidFill>
-                  <a:srgbClr val="C814C9"/>
-                </a:solidFill>
-                <a:latin typeface="Courier" charset="0"/>
-                <a:ea typeface="Courier" charset="0"/>
-                <a:cs typeface="Courier" charset="0"/>
-              </a:rPr>
-              <a:t> %}</a:t>
-            </a:r>
-            <a:r>
-              <a:rPr lang="en-US" sz="1400" u="sng" dirty="0">
-                <a:solidFill>
-                  <a:srgbClr val="B42419"/>
-                </a:solidFill>
-                <a:latin typeface="Courier" charset="0"/>
-                <a:ea typeface="Courier" charset="0"/>
-                <a:cs typeface="Courier" charset="0"/>
-              </a:rPr>
-              <a:t>"</a:t>
-            </a:r>
-            <a:r>
-              <a:rPr lang="en-US" sz="1400" u="sng" dirty="0">
-                <a:solidFill>
-                  <a:srgbClr val="2EAEBB"/>
-                </a:solidFill>
-                <a:latin typeface="Courier" charset="0"/>
-                <a:ea typeface="Courier" charset="0"/>
-                <a:cs typeface="Courier" charset="0"/>
-              </a:rPr>
-              <a:t>&gt;</a:t>
-            </a:r>
-            <a:r>
-              <a:rPr lang="en-US" sz="1400" u="sng" dirty="0">
-                <a:solidFill>
-                  <a:srgbClr val="C814C9"/>
-                </a:solidFill>
-                <a:latin typeface="Courier" charset="0"/>
-                <a:ea typeface="Courier" charset="0"/>
-                <a:cs typeface="Courier" charset="0"/>
-              </a:rPr>
-              <a:t>Delete</a:t>
-            </a:r>
-            <a:r>
-              <a:rPr lang="en-US" sz="1400" u="sng" dirty="0">
-                <a:solidFill>
-                  <a:srgbClr val="2EAEBB"/>
-                </a:solidFill>
-                <a:latin typeface="Courier" charset="0"/>
-                <a:ea typeface="Courier" charset="0"/>
-                <a:cs typeface="Courier" charset="0"/>
-              </a:rPr>
-              <a:t>&lt;/</a:t>
-            </a:r>
-            <a:r>
-              <a:rPr lang="en-US" sz="1400" u="sng" dirty="0">
-                <a:solidFill>
-                  <a:srgbClr val="C1651C"/>
-                </a:solidFill>
-                <a:latin typeface="Courier" charset="0"/>
-                <a:ea typeface="Courier" charset="0"/>
-                <a:cs typeface="Courier" charset="0"/>
-              </a:rPr>
-              <a:t>a</a:t>
-            </a:r>
-            <a:r>
-              <a:rPr lang="en-US" sz="1400" u="sng" dirty="0">
-                <a:solidFill>
-                  <a:srgbClr val="2EAEBB"/>
-                </a:solidFill>
-                <a:latin typeface="Courier" charset="0"/>
-                <a:ea typeface="Courier" charset="0"/>
-                <a:cs typeface="Courier" charset="0"/>
-              </a:rPr>
-              <a:t>&gt;</a:t>
-            </a:r>
-            <a:r>
-              <a:rPr lang="en-US" sz="1400" u="sng" dirty="0">
-                <a:solidFill>
-                  <a:srgbClr val="000000"/>
-                </a:solidFill>
-                <a:latin typeface="Courier" charset="0"/>
-                <a:ea typeface="Courier" charset="0"/>
-                <a:cs typeface="Courier" charset="0"/>
-              </a:rPr>
-              <a:t>)</a:t>
-            </a:r>
-          </a:p>
-          <a:p>
-            <a:r>
-              <a:rPr lang="mr-IN" sz="1400" u="sng" dirty="0">
-                <a:solidFill>
-                  <a:srgbClr val="000000"/>
-                </a:solidFill>
-                <a:latin typeface="Courier" charset="0"/>
-                <a:ea typeface="Courier" charset="0"/>
-                <a:cs typeface="Courier" charset="0"/>
-              </a:rPr>
-              <a:t>        </a:t>
-            </a:r>
-            <a:r>
-              <a:rPr lang="mr-IN" sz="1400" u="sng" dirty="0">
-                <a:solidFill>
-                  <a:srgbClr val="C814C9"/>
-                </a:solidFill>
-                <a:latin typeface="Courier" charset="0"/>
-                <a:ea typeface="Courier" charset="0"/>
-                <a:cs typeface="Courier" charset="0"/>
-              </a:rPr>
-              <a:t>{% </a:t>
-            </a:r>
-            <a:r>
-              <a:rPr lang="mr-IN" sz="1400" u="sng" dirty="0" err="1">
-                <a:solidFill>
-                  <a:srgbClr val="C1651C"/>
-                </a:solidFill>
-                <a:latin typeface="Courier" charset="0"/>
-                <a:ea typeface="Courier" charset="0"/>
-                <a:cs typeface="Courier" charset="0"/>
-              </a:rPr>
-              <a:t>endif</a:t>
-            </a:r>
-            <a:r>
-              <a:rPr lang="mr-IN" sz="1400" u="sng" dirty="0">
-                <a:solidFill>
-                  <a:srgbClr val="C814C9"/>
-                </a:solidFill>
-                <a:latin typeface="Courier" charset="0"/>
-                <a:ea typeface="Courier" charset="0"/>
-                <a:cs typeface="Courier" charset="0"/>
-              </a:rPr>
-              <a:t> %}</a:t>
-            </a:r>
-            <a:endParaRPr lang="mr-IN" sz="1400" u="sng" dirty="0">
-              <a:solidFill>
-                <a:srgbClr val="000000"/>
-              </a:solidFill>
-              <a:latin typeface="Courier" charset="0"/>
-              <a:ea typeface="Courier" charset="0"/>
-              <a:cs typeface="Courier" charset="0"/>
-            </a:endParaRPr>
-          </a:p>
-          <a:p>
-            <a:r>
-              <a:rPr lang="mr-IN" sz="1400" u="sng" dirty="0">
-                <a:solidFill>
-                  <a:srgbClr val="000000"/>
-                </a:solidFill>
-                <a:latin typeface="Courier" charset="0"/>
-                <a:ea typeface="Courier" charset="0"/>
-                <a:cs typeface="Courier" charset="0"/>
-              </a:rPr>
-              <a:t>    </a:t>
-            </a:r>
-            <a:r>
-              <a:rPr lang="mr-IN" sz="1400" u="sng" dirty="0">
-                <a:solidFill>
-                  <a:srgbClr val="2EAEBB"/>
-                </a:solidFill>
-                <a:latin typeface="Courier" charset="0"/>
-                <a:ea typeface="Courier" charset="0"/>
-                <a:cs typeface="Courier" charset="0"/>
-              </a:rPr>
-              <a:t>&lt;/</a:t>
-            </a:r>
-            <a:r>
-              <a:rPr lang="mr-IN" sz="1400" u="sng" dirty="0" err="1">
-                <a:solidFill>
-                  <a:srgbClr val="C1651C"/>
-                </a:solidFill>
-                <a:latin typeface="Courier" charset="0"/>
-                <a:ea typeface="Courier" charset="0"/>
-                <a:cs typeface="Courier" charset="0"/>
-              </a:rPr>
-              <a:t>li</a:t>
-            </a:r>
-            <a:r>
-              <a:rPr lang="mr-IN" sz="1400" u="sng" dirty="0">
-                <a:solidFill>
-                  <a:srgbClr val="2EAEBB"/>
-                </a:solidFill>
-                <a:latin typeface="Courier" charset="0"/>
-                <a:ea typeface="Courier" charset="0"/>
-                <a:cs typeface="Courier" charset="0"/>
-              </a:rPr>
-              <a:t>&gt;</a:t>
-            </a:r>
-            <a:endParaRPr lang="mr-IN" sz="1400" u="sng" dirty="0">
-              <a:solidFill>
-                <a:srgbClr val="000000"/>
-              </a:solidFill>
-              <a:latin typeface="Courier" charset="0"/>
-              <a:ea typeface="Courier" charset="0"/>
-              <a:cs typeface="Courier" charset="0"/>
-            </a:endParaRPr>
-          </a:p>
-          <a:p>
-            <a:r>
-              <a:rPr lang="mr-IN" sz="1400" u="sng" dirty="0">
-                <a:solidFill>
-                  <a:srgbClr val="000000"/>
-                </a:solidFill>
-                <a:latin typeface="Courier" charset="0"/>
-                <a:ea typeface="Courier" charset="0"/>
-                <a:cs typeface="Courier" charset="0"/>
-              </a:rPr>
-              <a:t>  </a:t>
-            </a:r>
-            <a:r>
-              <a:rPr lang="mr-IN" sz="1400" u="sng" dirty="0">
-                <a:solidFill>
-                  <a:srgbClr val="C814C9"/>
-                </a:solidFill>
-                <a:latin typeface="Courier" charset="0"/>
-                <a:ea typeface="Courier" charset="0"/>
-                <a:cs typeface="Courier" charset="0"/>
-              </a:rPr>
-              <a:t>{% </a:t>
-            </a:r>
-            <a:r>
-              <a:rPr lang="mr-IN" sz="1400" u="sng" dirty="0" err="1">
-                <a:solidFill>
-                  <a:srgbClr val="C1651C"/>
-                </a:solidFill>
-                <a:latin typeface="Courier" charset="0"/>
-                <a:ea typeface="Courier" charset="0"/>
-                <a:cs typeface="Courier" charset="0"/>
-              </a:rPr>
-              <a:t>endfor</a:t>
-            </a:r>
-            <a:r>
-              <a:rPr lang="mr-IN" sz="1400" u="sng" dirty="0">
-                <a:solidFill>
-                  <a:srgbClr val="C814C9"/>
-                </a:solidFill>
-                <a:latin typeface="Courier" charset="0"/>
-                <a:ea typeface="Courier" charset="0"/>
-                <a:cs typeface="Courier" charset="0"/>
-              </a:rPr>
-              <a:t> %}</a:t>
-            </a:r>
-            <a:endParaRPr lang="mr-IN" sz="1400" u="sng" dirty="0">
-              <a:solidFill>
-                <a:srgbClr val="000000"/>
-              </a:solidFill>
-              <a:latin typeface="Courier" charset="0"/>
-              <a:ea typeface="Courier" charset="0"/>
-              <a:cs typeface="Courier" charset="0"/>
-            </a:endParaRPr>
-          </a:p>
-          <a:p>
-            <a:r>
-              <a:rPr lang="mr-IN" sz="1400" u="sng" dirty="0">
-                <a:solidFill>
-                  <a:srgbClr val="2EAEBB"/>
-                </a:solidFill>
-                <a:latin typeface="Courier" charset="0"/>
-                <a:ea typeface="Courier" charset="0"/>
-                <a:cs typeface="Courier" charset="0"/>
-              </a:rPr>
-              <a:t>&lt;/</a:t>
-            </a:r>
-            <a:r>
-              <a:rPr lang="mr-IN" sz="1400" u="sng" dirty="0" err="1">
-                <a:solidFill>
-                  <a:srgbClr val="C1651C"/>
-                </a:solidFill>
-                <a:latin typeface="Courier" charset="0"/>
-                <a:ea typeface="Courier" charset="0"/>
-                <a:cs typeface="Courier" charset="0"/>
-              </a:rPr>
-              <a:t>ul</a:t>
-            </a:r>
-            <a:r>
-              <a:rPr lang="mr-IN" sz="1400" u="sng" dirty="0">
-                <a:solidFill>
-                  <a:srgbClr val="2EAEBB"/>
-                </a:solidFill>
-                <a:latin typeface="Courier" charset="0"/>
-                <a:ea typeface="Courier" charset="0"/>
-                <a:cs typeface="Courier" charset="0"/>
-              </a:rPr>
-              <a:t>&gt;</a:t>
-            </a:r>
-            <a:endParaRPr lang="en-US" sz="1400" dirty="0" smtClean="0">
-              <a:solidFill>
-                <a:srgbClr val="000000"/>
-              </a:solidFill>
-              <a:latin typeface="Courier" charset="0"/>
-              <a:ea typeface="Courier" charset="0"/>
-              <a:cs typeface="Courier" charset="0"/>
-            </a:endParaRPr>
-          </a:p>
-        </p:txBody>
-      </p:sp>
-      <p:sp>
-        <p:nvSpPr>
-          <p:cNvPr id="3" name="Rectangle 2"/>
-          <p:cNvSpPr/>
-          <p:nvPr/>
-        </p:nvSpPr>
-        <p:spPr>
-          <a:xfrm>
-            <a:off x="604825" y="546167"/>
-            <a:ext cx="5551263" cy="369332"/>
-          </a:xfrm>
-          <a:prstGeom prst="rect">
-            <a:avLst/>
-          </a:prstGeom>
-        </p:spPr>
-        <p:txBody>
-          <a:bodyPr wrap="none">
-            <a:spAutoFit/>
-          </a:bodyPr>
-          <a:lstStyle/>
-          <a:p>
-            <a:r>
-              <a:rPr lang="en-US" dirty="0" smtClean="0">
-                <a:solidFill>
-                  <a:srgbClr val="FFFF00"/>
-                </a:solidFill>
-              </a:rPr>
-              <a:t>dj4e-samples/</a:t>
-            </a:r>
-            <a:r>
-              <a:rPr lang="en-US" dirty="0" err="1" smtClean="0">
-                <a:solidFill>
-                  <a:srgbClr val="FFFF00"/>
-                </a:solidFill>
-              </a:rPr>
-              <a:t>myarts</a:t>
-            </a:r>
-            <a:r>
-              <a:rPr lang="en-US" dirty="0" smtClean="0">
-                <a:solidFill>
-                  <a:srgbClr val="FFFF00"/>
-                </a:solidFill>
-              </a:rPr>
-              <a:t>/templates/</a:t>
-            </a:r>
-            <a:r>
-              <a:rPr lang="en-US" dirty="0" err="1" smtClean="0">
-                <a:solidFill>
-                  <a:srgbClr val="FFFF00"/>
-                </a:solidFill>
-              </a:rPr>
-              <a:t>myarts</a:t>
-            </a:r>
-            <a:r>
-              <a:rPr lang="en-US" dirty="0" smtClean="0">
-                <a:solidFill>
-                  <a:srgbClr val="FFFF00"/>
-                </a:solidFill>
-              </a:rPr>
-              <a:t>/</a:t>
-            </a:r>
-            <a:r>
-              <a:rPr lang="en-US" dirty="0" err="1" smtClean="0">
-                <a:solidFill>
-                  <a:srgbClr val="FFFF00"/>
-                </a:solidFill>
-              </a:rPr>
-              <a:t>article_list.html</a:t>
-            </a:r>
-            <a:endParaRPr lang="en-US" dirty="0">
-              <a:solidFill>
-                <a:srgbClr val="FFFF00"/>
-              </a:solidFill>
-              <a:effectLst/>
-            </a:endParaRPr>
-          </a:p>
-        </p:txBody>
-      </p:sp>
-    </p:spTree>
-    <p:extLst>
-      <p:ext uri="{BB962C8B-B14F-4D97-AF65-F5344CB8AC3E}">
-        <p14:creationId xmlns:p14="http://schemas.microsoft.com/office/powerpoint/2010/main" val="552429653"/>
-      </p:ext>
-    </p:extLst>
-  </p:cSld>
-  <p:clrMapOvr>
-    <a:masterClrMapping/>
-  </p:clrMapOvr>
-</p:sld>
-</file>
-
 <file path=ppt/slides/slide19.xml><?xml version="1.0" encoding="utf-8"?>
 <p:sld xmlns:a="http://schemas.openxmlformats.org/drawingml/2006/main" xmlns:r="http://schemas.openxmlformats.org/officeDocument/2006/relationships" xmlns:p="http://schemas.openxmlformats.org/presentationml/2006/main">
   <p:cSld>
@@ -16384,7 +15220,7 @@
         <p:spPr>
           <a:xfrm>
             <a:off x="604825" y="1001227"/>
-            <a:ext cx="10339400" cy="2462213"/>
+            <a:ext cx="10339400" cy="3539430"/>
           </a:xfrm>
           <a:prstGeom prst="rect">
             <a:avLst/>
@@ -16430,7 +15266,7 @@
                 <a:ea typeface="Courier" charset="0"/>
                 <a:cs typeface="Courier" charset="0"/>
               </a:rPr>
-              <a:t>django.db</a:t>
+              <a:t>django.views.generic</a:t>
             </a:r>
             <a:r>
               <a:rPr lang="en-US" sz="1400" dirty="0">
@@ -16463,30 +15299,6 @@
                 <a:ea typeface="Courier" charset="0"/>
                 <a:cs typeface="Courier" charset="0"/>
               </a:rPr>
-              <a:t> models</a:t>
-            </a:r>
-          </a:p>
-          <a:p>
-            <a:r>
-              <a:rPr lang="en-US" sz="1400" dirty="0">
-                <a:solidFill>
-                  <a:srgbClr val="C814C9"/>
-                </a:solidFill>
-                <a:latin typeface="Courier" charset="0"/>
-                <a:ea typeface="Courier" charset="0"/>
-                <a:cs typeface="Courier" charset="0"/>
-              </a:rPr>
-              <a:t>from</a:t>
-            </a:r>
-            <a:r>
-              <a:rPr lang="en-US" sz="1400" dirty="0">
-                <a:solidFill>
-                  <a:srgbClr val="000000"/>
-                </a:solidFill>
-                <a:latin typeface="Courier" charset="0"/>
-                <a:ea typeface="Courier" charset="0"/>
-                <a:cs typeface="Courier" charset="0"/>
-              </a:rPr>
               <a:t> </a:t>
             </a:r>
             <a:r>
@@ -16498,40 +15310,18 @@
                 <a:ea typeface="Courier" charset="0"/>
                 <a:cs typeface="Courier" charset="0"/>
               </a:rPr>
-              <a:t>django.core.validators</a:t>
-            </a:r>
-            <a:r>
-              <a:rPr lang="en-US" sz="1400" dirty="0">
-                <a:solidFill>
-                  <a:srgbClr val="000000"/>
-                </a:solidFill>
-                <a:latin typeface="Courier" charset="0"/>
-                <a:ea typeface="Courier" charset="0"/>
-                <a:cs typeface="Courier" charset="0"/>
-              </a:rPr>
-              <a:t> </a:t>
-            </a:r>
-            <a:r>
-              <a:rPr lang="en-US" sz="1400" dirty="0">
-                <a:solidFill>
-                  <a:srgbClr val="C814C9"/>
-                </a:solidFill>
-                <a:latin typeface="Courier" charset="0"/>
-                <a:ea typeface="Courier" charset="0"/>
-                <a:cs typeface="Courier" charset="0"/>
-              </a:rPr>
-              <a:t>import</a:t>
-            </a:r>
-            <a:r>
-              <a:rPr lang="en-US" sz="1400" dirty="0">
-                <a:solidFill>
-                  <a:srgbClr val="000000"/>
-                </a:solidFill>
-                <a:latin typeface="Courier" charset="0"/>
-                <a:ea typeface="Courier" charset="0"/>
-                <a:cs typeface="Courier" charset="0"/>
-              </a:rPr>
-              <a:t> </a:t>
+              <a:t>CreateView</a:t>
+            </a:r>
+            <a:r>
+              <a:rPr lang="en-US" sz="1400" dirty="0">
+                <a:solidFill>
+                  <a:srgbClr val="000000"/>
+                </a:solidFill>
+                <a:latin typeface="Courier" charset="0"/>
+                <a:ea typeface="Courier" charset="0"/>
+                <a:cs typeface="Courier" charset="0"/>
+              </a:rPr>
+              <a:t>, </a:t>
             </a:r>
             <a:r>
               <a:rPr lang="en-US" sz="1400" dirty="0" err="1">
@@ -16542,7 +15332,73 @@
                 <a:ea typeface="Courier" charset="0"/>
                 <a:cs typeface="Courier" charset="0"/>
               </a:rPr>
-              <a:t>MinLengthValidator</a:t>
+              <a:t>UpdateView</a:t>
+            </a:r>
+            <a:r>
+              <a:rPr lang="en-US" sz="1400" dirty="0">
+                <a:solidFill>
+                  <a:srgbClr val="000000"/>
+                </a:solidFill>
+                <a:latin typeface="Courier" charset="0"/>
+                <a:ea typeface="Courier" charset="0"/>
+                <a:cs typeface="Courier" charset="0"/>
+              </a:rPr>
+              <a:t>, </a:t>
+            </a:r>
+            <a:r>
+              <a:rPr lang="en-US" sz="1400" dirty="0" err="1">
+                <a:solidFill>
+                  <a:srgbClr val="000000"/>
+                </a:solidFill>
+                <a:latin typeface="Courier" charset="0"/>
+                <a:ea typeface="Courier" charset="0"/>
+                <a:cs typeface="Courier" charset="0"/>
+              </a:rPr>
+              <a:t>DeleteView</a:t>
+            </a:r>
+            <a:r>
+              <a:rPr lang="en-US" sz="1400" dirty="0">
+                <a:solidFill>
+                  <a:srgbClr val="000000"/>
+                </a:solidFill>
+                <a:latin typeface="Courier" charset="0"/>
+                <a:ea typeface="Courier" charset="0"/>
+                <a:cs typeface="Courier" charset="0"/>
+              </a:rPr>
+              <a:t>, </a:t>
+            </a:r>
+            <a:r>
+              <a:rPr lang="en-US" sz="1400" dirty="0" err="1">
+                <a:solidFill>
+                  <a:srgbClr val="000000"/>
+                </a:solidFill>
+                <a:latin typeface="Courier" charset="0"/>
+                <a:ea typeface="Courier" charset="0"/>
+                <a:cs typeface="Courier" charset="0"/>
+              </a:rPr>
+              <a:t>ListView</a:t>
+            </a:r>
+            <a:r>
+              <a:rPr lang="en-US" sz="1400" dirty="0">
+                <a:solidFill>
+                  <a:srgbClr val="000000"/>
+                </a:solidFill>
+                <a:latin typeface="Courier" charset="0"/>
+                <a:ea typeface="Courier" charset="0"/>
+                <a:cs typeface="Courier" charset="0"/>
+              </a:rPr>
+              <a:t>, </a:t>
+            </a:r>
+            <a:r>
+              <a:rPr lang="en-US" sz="1400" dirty="0" err="1">
+                <a:solidFill>
+                  <a:srgbClr val="000000"/>
+                </a:solidFill>
+                <a:latin typeface="Courier" charset="0"/>
+                <a:ea typeface="Courier" charset="0"/>
+                <a:cs typeface="Courier" charset="0"/>
+              </a:rPr>
+              <a:t>DetailView</a:t>
             </a:r>
             <a:endParaRPr lang="en-US" sz="1400" dirty="0">
               <a:solidFill>
@@ -16555,7 +15411,7 @@
           </a:p>
           <a:p>
             <a:r>
-              <a:rPr lang="en-US" sz="1400" dirty="0">
+              <a:rPr lang="en-US" sz="1400" dirty="0" smtClean="0">
                 <a:solidFill>
                   <a:srgbClr val="C814C9"/>
                 </a:solidFill>
@@ -16566,7 +15422,7 @@
               <a:t>from</a:t>
             </a:r>
             <a:r>
-              <a:rPr lang="en-US" sz="1400" dirty="0">
+              <a:rPr lang="en-US" sz="1400" dirty="0" smtClean="0">
                 <a:solidFill>
                   <a:srgbClr val="000000"/>
                 </a:solidFill>
@@ -16585,7 +15441,7 @@
                 <a:ea typeface="Courier" charset="0"/>
                 <a:cs typeface="Courier" charset="0"/>
               </a:rPr>
-              <a:t>django.contrib.auth.models</a:t>
+              <a:t>django.contrib.auth.mixins</a:t>
             </a:r>
             <a:r>
               <a:rPr lang="en-US" sz="1400" dirty="0">
@@ -16618,76 +15474,27 @@
                 <a:ea typeface="Courier" charset="0"/>
                 <a:cs typeface="Courier" charset="0"/>
               </a:rPr>
-              <a:t> User</a:t>
-            </a:r>
-          </a:p>
-          <a:p>
-            <a:r>
-              <a:rPr lang="en-US" sz="1400" dirty="0">
-                <a:solidFill>
-                  <a:srgbClr val="C814C9"/>
-                </a:solidFill>
-                <a:latin typeface="Courier" charset="0"/>
-                <a:ea typeface="Courier" charset="0"/>
-                <a:cs typeface="Courier" charset="0"/>
-              </a:rPr>
-              <a:t>from</a:t>
-            </a:r>
-            <a:r>
-              <a:rPr lang="en-US" sz="1400" dirty="0">
-                <a:solidFill>
-                  <a:srgbClr val="000000"/>
-                </a:solidFill>
-                <a:latin typeface="Courier" charset="0"/>
-                <a:ea typeface="Courier" charset="0"/>
-                <a:cs typeface="Courier" charset="0"/>
-              </a:rPr>
               <a:t> </a:t>
             </a:r>
             <a:r>
-              <a:rPr lang="en-US" sz="1400" dirty="0" err="1">
-                <a:solidFill>
-                  <a:srgbClr val="000000"/>
-                </a:solidFill>
-                <a:latin typeface="Courier" charset="0"/>
-                <a:ea typeface="Courier" charset="0"/>
-                <a:cs typeface="Courier" charset="0"/>
-              </a:rPr>
-              <a:t>django.conf</a:t>
-            </a:r>
-            <a:r>
-              <a:rPr lang="en-US" sz="1400" dirty="0">
-                <a:solidFill>
-                  <a:srgbClr val="000000"/>
-                </a:solidFill>
-                <a:latin typeface="Courier" charset="0"/>
-                <a:ea typeface="Courier" charset="0"/>
-                <a:cs typeface="Courier" charset="0"/>
-              </a:rPr>
-              <a:t> </a:t>
-            </a:r>
-            <a:r>
-              <a:rPr lang="en-US" sz="1400" dirty="0">
-                <a:solidFill>
-                  <a:srgbClr val="C814C9"/>
-                </a:solidFill>
-                <a:latin typeface="Courier" charset="0"/>
-                <a:ea typeface="Courier" charset="0"/>
-                <a:cs typeface="Courier" charset="0"/>
-              </a:rPr>
-              <a:t>import</a:t>
-            </a:r>
-            <a:r>
-              <a:rPr lang="en-US" sz="1400" dirty="0">
-                <a:solidFill>
-                  <a:srgbClr val="000000"/>
-                </a:solidFill>
-                <a:latin typeface="Courier" charset="0"/>
-                <a:ea typeface="Courier" charset="0"/>
-                <a:cs typeface="Courier" charset="0"/>
-              </a:rPr>
-              <a:t> settings</a:t>
-            </a:r>
+              <a:rPr lang="en-US" sz="1400" dirty="0" err="1" smtClean="0">
+                <a:solidFill>
+                  <a:srgbClr val="000000"/>
+                </a:solidFill>
+                <a:latin typeface="Courier" charset="0"/>
+                <a:ea typeface="Courier" charset="0"/>
+                <a:cs typeface="Courier" charset="0"/>
+              </a:rPr>
+              <a:t>LoginRequiredMixin</a:t>
+            </a:r>
+            <a:endParaRPr lang="en-US" sz="1400" dirty="0" smtClean="0">
+              <a:solidFill>
+                <a:srgbClr val="000000"/>
+              </a:solidFill>
+              <a:latin typeface="Courier" charset="0"/>
+              <a:ea typeface="Courier" charset="0"/>
+              <a:cs typeface="Courier" charset="0"/>
+            </a:endParaRPr>
           </a:p>
           <a:p>
             <a:endParaRPr lang="en-US" sz="1400" dirty="0">
@@ -16723,7 +15530,7 @@
               <a:t> </a:t>
             </a:r>
             <a:r>
-              <a:rPr lang="en-US" sz="1400" dirty="0">
+              <a:rPr lang="en-US" sz="1400" dirty="0" err="1">
                 <a:solidFill>
                   <a:srgbClr val="2EAEBB"/>
                 </a:solidFill>
@@ -16731,7 +15538,7 @@
                 <a:ea typeface="Courier" charset="0"/>
                 <a:cs typeface="Courier" charset="0"/>
               </a:rPr>
-              <a:t>Article</a:t>
+              <a:t>OwnerCreateView</a:t>
             </a:r>
             <a:r>
               <a:rPr lang="en-US" sz="1400" dirty="0">
@@ -16753,42 +15560,64 @@
                 <a:ea typeface="Courier" charset="0"/>
                 <a:cs typeface="Courier" charset="0"/>
               </a:rPr>
-              <a:t>models.Model</a:t>
-            </a:r>
-            <a:r>
-              <a:rPr lang="en-US" sz="1400" dirty="0">
-                <a:solidFill>
-                  <a:srgbClr val="000000"/>
-                </a:solidFill>
-                <a:latin typeface="Courier" charset="0"/>
-                <a:ea typeface="Courier" charset="0"/>
-                <a:cs typeface="Courier" charset="0"/>
-              </a:rPr>
-              <a:t>) :</a:t>
-            </a:r>
-          </a:p>
-          <a:p>
-            <a:r>
-              <a:rPr lang="en-US" sz="1400" dirty="0">
-                <a:solidFill>
-                  <a:srgbClr val="000000"/>
-                </a:solidFill>
-                <a:latin typeface="Courier" charset="0"/>
-                <a:ea typeface="Courier" charset="0"/>
-                <a:cs typeface="Courier" charset="0"/>
-              </a:rPr>
-              <a:t>    title = </a:t>
-            </a:r>
-            <a:r>
-              <a:rPr lang="en-US" sz="1400" dirty="0" smtClean="0">
-                <a:solidFill>
-                  <a:srgbClr val="000000"/>
-                </a:solidFill>
-                <a:latin typeface="Courier" charset="0"/>
-                <a:ea typeface="Courier" charset="0"/>
-                <a:cs typeface="Courier" charset="0"/>
-              </a:rPr>
-              <a:t>...</a:t>
+              <a:t>LoginRequiredMixin</a:t>
+            </a:r>
+            <a:r>
+              <a:rPr lang="en-US" sz="1400" dirty="0">
+                <a:solidFill>
+                  <a:srgbClr val="000000"/>
+                </a:solidFill>
+                <a:latin typeface="Courier" charset="0"/>
+                <a:ea typeface="Courier" charset="0"/>
+                <a:cs typeface="Courier" charset="0"/>
+              </a:rPr>
+              <a:t>, </a:t>
+            </a:r>
+            <a:r>
+              <a:rPr lang="en-US" sz="1400" dirty="0" err="1">
+                <a:solidFill>
+                  <a:srgbClr val="000000"/>
+                </a:solidFill>
+                <a:latin typeface="Courier" charset="0"/>
+                <a:ea typeface="Courier" charset="0"/>
+                <a:cs typeface="Courier" charset="0"/>
+              </a:rPr>
+              <a:t>CreateView</a:t>
+            </a:r>
+            <a:r>
+              <a:rPr lang="en-US" sz="1400" dirty="0">
+                <a:solidFill>
+                  <a:srgbClr val="000000"/>
+                </a:solidFill>
+                <a:latin typeface="Courier" charset="0"/>
+                <a:ea typeface="Courier" charset="0"/>
+                <a:cs typeface="Courier" charset="0"/>
+              </a:rPr>
+              <a:t>):</a:t>
+            </a:r>
+          </a:p>
+          <a:p>
+            <a:r>
+              <a:rPr lang="mr-IN" sz="1400" dirty="0">
+                <a:solidFill>
+                  <a:srgbClr val="000000"/>
+                </a:solidFill>
+                <a:latin typeface="Courier" charset="0"/>
+                <a:ea typeface="Courier" charset="0"/>
+                <a:cs typeface="Courier" charset="0"/>
+              </a:rPr>
+              <a:t>    </a:t>
+            </a:r>
+            <a:r>
+              <a:rPr lang="mr-IN" sz="1400" dirty="0">
+                <a:solidFill>
+                  <a:srgbClr val="B42419"/>
+                </a:solidFill>
+                <a:latin typeface="Courier" charset="0"/>
+                <a:ea typeface="Courier" charset="0"/>
+                <a:cs typeface="Courier" charset="0"/>
+              </a:rPr>
+              <a:t>"""</a:t>
             </a:r>
             <a:endParaRPr lang="mr-IN" sz="1400" dirty="0">
               <a:solidFill>
@@ -16803,27 +15632,413 @@
             <a:r>
               <a:rPr lang="en-US" sz="1400" dirty="0">
                 <a:solidFill>
-                  <a:srgbClr val="000000"/>
-                </a:solidFill>
-                <a:latin typeface="Courier" charset="0"/>
-                <a:ea typeface="Courier" charset="0"/>
-                <a:cs typeface="Courier" charset="0"/>
-              </a:rPr>
-              <a:t>    text = </a:t>
+                  <a:srgbClr val="B42419"/>
+                </a:solidFill>
+                <a:latin typeface="Courier" charset="0"/>
+                <a:ea typeface="Courier" charset="0"/>
+                <a:cs typeface="Courier" charset="0"/>
+              </a:rPr>
+              <a:t>    Sub-class of the </a:t>
             </a:r>
             <a:r>
               <a:rPr lang="en-US" sz="1400" dirty="0" err="1">
                 <a:solidFill>
-                  <a:srgbClr val="000000"/>
-                </a:solidFill>
-                <a:latin typeface="Courier" charset="0"/>
-                <a:ea typeface="Courier" charset="0"/>
-                <a:cs typeface="Courier" charset="0"/>
-              </a:rPr>
-              <a:t>models.TextField</a:t>
-            </a:r>
-            <a:r>
-              <a:rPr lang="en-US" sz="1400" dirty="0">
+                  <a:srgbClr val="B42419"/>
+                </a:solidFill>
+                <a:latin typeface="Courier" charset="0"/>
+                <a:ea typeface="Courier" charset="0"/>
+                <a:cs typeface="Courier" charset="0"/>
+              </a:rPr>
+              <a:t>CreateView</a:t>
+            </a:r>
+            <a:r>
+              <a:rPr lang="en-US" sz="1400" dirty="0">
+                <a:solidFill>
+                  <a:srgbClr val="B42419"/>
+                </a:solidFill>
+                <a:latin typeface="Courier" charset="0"/>
+                <a:ea typeface="Courier" charset="0"/>
+                <a:cs typeface="Courier" charset="0"/>
+              </a:rPr>
+              <a:t> to automatically pass the Request to the Form</a:t>
+            </a:r>
+            <a:endParaRPr lang="en-US" sz="1400" dirty="0">
+              <a:solidFill>
+                <a:srgbClr val="000000"/>
+              </a:solidFill>
+              <a:latin typeface="Courier" charset="0"/>
+              <a:ea typeface="Courier" charset="0"/>
+              <a:cs typeface="Courier" charset="0"/>
+            </a:endParaRPr>
+          </a:p>
+          <a:p>
+            <a:r>
+              <a:rPr lang="en-US" sz="1400" dirty="0">
+                <a:solidFill>
+                  <a:srgbClr val="B42419"/>
+                </a:solidFill>
+                <a:latin typeface="Courier" charset="0"/>
+                <a:ea typeface="Courier" charset="0"/>
+                <a:cs typeface="Courier" charset="0"/>
+              </a:rPr>
+              <a:t>    and add the owner to the saved object.</a:t>
+            </a:r>
+            <a:endParaRPr lang="en-US" sz="1400" dirty="0">
+              <a:solidFill>
+                <a:srgbClr val="000000"/>
+              </a:solidFill>
+              <a:latin typeface="Courier" charset="0"/>
+              <a:ea typeface="Courier" charset="0"/>
+              <a:cs typeface="Courier" charset="0"/>
+            </a:endParaRPr>
+          </a:p>
+          <a:p>
+            <a:r>
+              <a:rPr lang="mr-IN" sz="1400" dirty="0">
+                <a:solidFill>
+                  <a:srgbClr val="B42419"/>
+                </a:solidFill>
+                <a:latin typeface="Courier" charset="0"/>
+                <a:ea typeface="Courier" charset="0"/>
+                <a:cs typeface="Courier" charset="0"/>
+              </a:rPr>
+              <a:t>    """</a:t>
+            </a:r>
+            <a:endParaRPr lang="mr-IN" sz="1400" dirty="0">
+              <a:solidFill>
+                <a:srgbClr val="000000"/>
+              </a:solidFill>
+              <a:latin typeface="Courier" charset="0"/>
+              <a:ea typeface="Courier" charset="0"/>
+              <a:cs typeface="Courier" charset="0"/>
+            </a:endParaRPr>
+          </a:p>
+          <a:p>
+            <a:endParaRPr lang="mr-IN" sz="1400" dirty="0">
+              <a:solidFill>
+                <a:srgbClr val="000000"/>
+              </a:solidFill>
+              <a:latin typeface="Courier" charset="0"/>
+              <a:ea typeface="Courier" charset="0"/>
+              <a:cs typeface="Courier" charset="0"/>
+            </a:endParaRPr>
+          </a:p>
+          <a:p>
+            <a:r>
+              <a:rPr lang="en-US" sz="1400" dirty="0">
+                <a:solidFill>
+                  <a:srgbClr val="000000"/>
+                </a:solidFill>
+                <a:latin typeface="Courier" charset="0"/>
+                <a:ea typeface="Courier" charset="0"/>
+                <a:cs typeface="Courier" charset="0"/>
+              </a:rPr>
+              <a:t>    </a:t>
+            </a:r>
+            <a:r>
+              <a:rPr lang="en-US" sz="1400" dirty="0" err="1">
+                <a:solidFill>
+                  <a:srgbClr val="C1651C"/>
+                </a:solidFill>
+                <a:latin typeface="Courier" charset="0"/>
+                <a:ea typeface="Courier" charset="0"/>
+                <a:cs typeface="Courier" charset="0"/>
+              </a:rPr>
+              <a:t>def</a:t>
+            </a:r>
+            <a:r>
+              <a:rPr lang="en-US" sz="1400" dirty="0">
+                <a:solidFill>
+                  <a:srgbClr val="000000"/>
+                </a:solidFill>
+                <a:latin typeface="Courier" charset="0"/>
+                <a:ea typeface="Courier" charset="0"/>
+                <a:cs typeface="Courier" charset="0"/>
+              </a:rPr>
+              <a:t> </a:t>
+            </a:r>
+            <a:r>
+              <a:rPr lang="en-US" sz="1400" dirty="0" err="1">
+                <a:solidFill>
+                  <a:srgbClr val="2EAEBB"/>
+                </a:solidFill>
+                <a:latin typeface="Courier" charset="0"/>
+                <a:ea typeface="Courier" charset="0"/>
+                <a:cs typeface="Courier" charset="0"/>
+              </a:rPr>
+              <a:t>form_valid</a:t>
+            </a:r>
+            <a:r>
+              <a:rPr lang="en-US" sz="1400" dirty="0">
+                <a:solidFill>
+                  <a:srgbClr val="000000"/>
+                </a:solidFill>
+                <a:latin typeface="Courier" charset="0"/>
+                <a:ea typeface="Courier" charset="0"/>
+                <a:cs typeface="Courier" charset="0"/>
+              </a:rPr>
+              <a:t>(self, form):</a:t>
+            </a:r>
+          </a:p>
+          <a:p>
+            <a:r>
+              <a:rPr lang="en-US" sz="1400" dirty="0">
+                <a:solidFill>
+                  <a:srgbClr val="000000"/>
+                </a:solidFill>
+                <a:latin typeface="Courier" charset="0"/>
+                <a:ea typeface="Courier" charset="0"/>
+                <a:cs typeface="Courier" charset="0"/>
+              </a:rPr>
+              <a:t>        </a:t>
+            </a:r>
+            <a:r>
+              <a:rPr lang="en-US" sz="1400" dirty="0">
+                <a:solidFill>
+                  <a:srgbClr val="2EAEBB"/>
+                </a:solidFill>
+                <a:latin typeface="Courier" charset="0"/>
+                <a:ea typeface="Courier" charset="0"/>
+                <a:cs typeface="Courier" charset="0"/>
+              </a:rPr>
+              <a:t>print</a:t>
+            </a:r>
+            <a:r>
+              <a:rPr lang="en-US" sz="1400" dirty="0">
+                <a:solidFill>
+                  <a:srgbClr val="000000"/>
+                </a:solidFill>
+                <a:latin typeface="Courier" charset="0"/>
+                <a:ea typeface="Courier" charset="0"/>
+                <a:cs typeface="Courier" charset="0"/>
+              </a:rPr>
+              <a:t>(</a:t>
+            </a:r>
+            <a:r>
+              <a:rPr lang="en-US" sz="1400" dirty="0">
+                <a:solidFill>
+                  <a:srgbClr val="B42419"/>
+                </a:solidFill>
+                <a:latin typeface="Courier" charset="0"/>
+                <a:ea typeface="Courier" charset="0"/>
+                <a:cs typeface="Courier" charset="0"/>
+              </a:rPr>
+              <a:t>'</a:t>
+            </a:r>
+            <a:r>
+              <a:rPr lang="en-US" sz="1400" dirty="0" err="1">
+                <a:solidFill>
+                  <a:srgbClr val="B42419"/>
+                </a:solidFill>
+                <a:latin typeface="Courier" charset="0"/>
+                <a:ea typeface="Courier" charset="0"/>
+                <a:cs typeface="Courier" charset="0"/>
+              </a:rPr>
+              <a:t>form_valid</a:t>
+            </a:r>
+            <a:r>
+              <a:rPr lang="en-US" sz="1400" dirty="0">
+                <a:solidFill>
+                  <a:srgbClr val="B42419"/>
+                </a:solidFill>
+                <a:latin typeface="Courier" charset="0"/>
+                <a:ea typeface="Courier" charset="0"/>
+                <a:cs typeface="Courier" charset="0"/>
+              </a:rPr>
+              <a:t> called'</a:t>
+            </a:r>
+            <a:r>
+              <a:rPr lang="en-US" sz="1400" dirty="0">
+                <a:solidFill>
+                  <a:srgbClr val="000000"/>
+                </a:solidFill>
+                <a:latin typeface="Courier" charset="0"/>
+                <a:ea typeface="Courier" charset="0"/>
+                <a:cs typeface="Courier" charset="0"/>
+              </a:rPr>
+              <a:t>)</a:t>
+            </a:r>
+          </a:p>
+          <a:p>
+            <a:r>
+              <a:rPr lang="en-US" sz="1400" dirty="0">
+                <a:solidFill>
+                  <a:srgbClr val="000000"/>
+                </a:solidFill>
+                <a:latin typeface="Courier" charset="0"/>
+                <a:ea typeface="Courier" charset="0"/>
+                <a:cs typeface="Courier" charset="0"/>
+              </a:rPr>
+              <a:t>        </a:t>
+            </a:r>
+            <a:r>
+              <a:rPr lang="en-US" sz="1400" dirty="0">
+                <a:solidFill>
+                  <a:srgbClr val="2EAEBB"/>
+                </a:solidFill>
+                <a:latin typeface="Courier" charset="0"/>
+                <a:ea typeface="Courier" charset="0"/>
+                <a:cs typeface="Courier" charset="0"/>
+              </a:rPr>
+              <a:t>object</a:t>
+            </a:r>
+            <a:r>
+              <a:rPr lang="en-US" sz="1400" dirty="0">
+                <a:solidFill>
+                  <a:srgbClr val="000000"/>
+                </a:solidFill>
+                <a:latin typeface="Courier" charset="0"/>
+                <a:ea typeface="Courier" charset="0"/>
+                <a:cs typeface="Courier" charset="0"/>
+              </a:rPr>
+              <a:t> = </a:t>
+            </a:r>
+            <a:r>
+              <a:rPr lang="en-US" sz="1400" dirty="0" err="1">
+                <a:solidFill>
+                  <a:srgbClr val="000000"/>
+                </a:solidFill>
+                <a:latin typeface="Courier" charset="0"/>
+                <a:ea typeface="Courier" charset="0"/>
+                <a:cs typeface="Courier" charset="0"/>
+              </a:rPr>
+              <a:t>form.save</a:t>
+            </a:r>
+            <a:r>
+              <a:rPr lang="en-US" sz="1400" dirty="0">
+                <a:solidFill>
+                  <a:srgbClr val="000000"/>
+                </a:solidFill>
+                <a:latin typeface="Courier" charset="0"/>
+                <a:ea typeface="Courier" charset="0"/>
+                <a:cs typeface="Courier" charset="0"/>
+              </a:rPr>
+              <a:t>(commit=</a:t>
+            </a:r>
+            <a:r>
+              <a:rPr lang="en-US" sz="1400" dirty="0">
+                <a:solidFill>
+                  <a:srgbClr val="2EAEBB"/>
+                </a:solidFill>
+                <a:latin typeface="Courier" charset="0"/>
+                <a:ea typeface="Courier" charset="0"/>
+                <a:cs typeface="Courier" charset="0"/>
+              </a:rPr>
+              <a:t>False</a:t>
+            </a:r>
+            <a:r>
+              <a:rPr lang="en-US" sz="1400" dirty="0">
+                <a:solidFill>
+                  <a:srgbClr val="000000"/>
+                </a:solidFill>
+                <a:latin typeface="Courier" charset="0"/>
+                <a:ea typeface="Courier" charset="0"/>
+                <a:cs typeface="Courier" charset="0"/>
+              </a:rPr>
+              <a:t>)</a:t>
+            </a:r>
+          </a:p>
+          <a:p>
+            <a:r>
+              <a:rPr lang="en-US" sz="1400" dirty="0">
+                <a:solidFill>
+                  <a:srgbClr val="000000"/>
+                </a:solidFill>
+                <a:latin typeface="Courier" charset="0"/>
+                <a:ea typeface="Courier" charset="0"/>
+                <a:cs typeface="Courier" charset="0"/>
+              </a:rPr>
+              <a:t>        </a:t>
+            </a:r>
+            <a:r>
+              <a:rPr lang="en-US" sz="1400" dirty="0" err="1">
+                <a:solidFill>
+                  <a:srgbClr val="2EAEBB"/>
+                </a:solidFill>
+                <a:latin typeface="Courier" charset="0"/>
+                <a:ea typeface="Courier" charset="0"/>
+                <a:cs typeface="Courier" charset="0"/>
+              </a:rPr>
+              <a:t>object</a:t>
+            </a:r>
+            <a:r>
+              <a:rPr lang="en-US" sz="1400" dirty="0" err="1">
+                <a:solidFill>
+                  <a:srgbClr val="000000"/>
+                </a:solidFill>
+                <a:latin typeface="Courier" charset="0"/>
+                <a:ea typeface="Courier" charset="0"/>
+                <a:cs typeface="Courier" charset="0"/>
+              </a:rPr>
+              <a:t>.owner</a:t>
+            </a:r>
+            <a:r>
+              <a:rPr lang="en-US" sz="1400" dirty="0">
+                <a:solidFill>
+                  <a:srgbClr val="000000"/>
+                </a:solidFill>
+                <a:latin typeface="Courier" charset="0"/>
+                <a:ea typeface="Courier" charset="0"/>
+                <a:cs typeface="Courier" charset="0"/>
+              </a:rPr>
+              <a:t> = </a:t>
+            </a:r>
+            <a:r>
+              <a:rPr lang="en-US" sz="1400" dirty="0" err="1">
+                <a:solidFill>
+                  <a:srgbClr val="000000"/>
+                </a:solidFill>
+                <a:latin typeface="Courier" charset="0"/>
+                <a:ea typeface="Courier" charset="0"/>
+                <a:cs typeface="Courier" charset="0"/>
+              </a:rPr>
+              <a:t>self.request.user</a:t>
+            </a:r>
+            <a:endParaRPr lang="en-US" sz="1400" dirty="0">
+              <a:solidFill>
+                <a:srgbClr val="000000"/>
+              </a:solidFill>
+              <a:latin typeface="Courier" charset="0"/>
+              <a:ea typeface="Courier" charset="0"/>
+              <a:cs typeface="Courier" charset="0"/>
+            </a:endParaRPr>
+          </a:p>
+          <a:p>
+            <a:r>
+              <a:rPr lang="mr-IN" sz="1400" dirty="0">
+                <a:solidFill>
+                  <a:srgbClr val="000000"/>
+                </a:solidFill>
+                <a:latin typeface="Courier" charset="0"/>
+                <a:ea typeface="Courier" charset="0"/>
+                <a:cs typeface="Courier" charset="0"/>
+              </a:rPr>
+              <a:t>        </a:t>
+            </a:r>
+            <a:r>
+              <a:rPr lang="mr-IN" sz="1400" dirty="0" err="1">
+                <a:solidFill>
+                  <a:srgbClr val="2EAEBB"/>
+                </a:solidFill>
+                <a:latin typeface="Courier" charset="0"/>
+                <a:ea typeface="Courier" charset="0"/>
+                <a:cs typeface="Courier" charset="0"/>
+              </a:rPr>
+              <a:t>object</a:t>
+            </a:r>
+            <a:r>
+              <a:rPr lang="mr-IN" sz="1400" dirty="0" err="1">
+                <a:solidFill>
+                  <a:srgbClr val="000000"/>
+                </a:solidFill>
+                <a:latin typeface="Courier" charset="0"/>
+                <a:ea typeface="Courier" charset="0"/>
+                <a:cs typeface="Courier" charset="0"/>
+              </a:rPr>
+              <a:t>.save</a:t>
+            </a:r>
+            <a:r>
+              <a:rPr lang="mr-IN" sz="1400" dirty="0">
                 <a:solidFill>
                   <a:srgbClr val="000000"/>
                 </a:solidFill>
@@ -16844,7 +16059,51 @@
                 <a:ea typeface="Courier" charset="0"/>
                 <a:cs typeface="Courier" charset="0"/>
               </a:rPr>
-              <a:t>    owner = </a:t>
+              <a:t>        </a:t>
+            </a:r>
+            <a:r>
+              <a:rPr lang="en-US" sz="1400" dirty="0">
+                <a:solidFill>
+                  <a:srgbClr val="C1651C"/>
+                </a:solidFill>
+                <a:latin typeface="Courier" charset="0"/>
+                <a:ea typeface="Courier" charset="0"/>
+                <a:cs typeface="Courier" charset="0"/>
+              </a:rPr>
+              <a:t>return</a:t>
+            </a:r>
+            <a:r>
+              <a:rPr lang="en-US" sz="1400" dirty="0">
+                <a:solidFill>
+                  <a:srgbClr val="000000"/>
+                </a:solidFill>
+                <a:latin typeface="Courier" charset="0"/>
+                <a:ea typeface="Courier" charset="0"/>
+                <a:cs typeface="Courier" charset="0"/>
+              </a:rPr>
+              <a:t> </a:t>
+            </a:r>
+            <a:r>
+              <a:rPr lang="en-US" sz="1400" dirty="0">
+                <a:solidFill>
+                  <a:srgbClr val="2EAEBB"/>
+                </a:solidFill>
+                <a:latin typeface="Courier" charset="0"/>
+                <a:ea typeface="Courier" charset="0"/>
+                <a:cs typeface="Courier" charset="0"/>
+              </a:rPr>
+              <a:t>super</a:t>
+            </a:r>
+            <a:r>
+              <a:rPr lang="en-US" sz="1400" dirty="0">
+                <a:solidFill>
+                  <a:srgbClr val="000000"/>
+                </a:solidFill>
+                <a:latin typeface="Courier" charset="0"/>
+                <a:ea typeface="Courier" charset="0"/>
+                <a:cs typeface="Courier" charset="0"/>
+              </a:rPr>
+              <a:t>(</a:t>
             </a:r>
             <a:r>
               <a:rPr lang="en-US" sz="1400" dirty="0" err="1">
@@ -16855,18 +16114,18 @@
                 <a:ea typeface="Courier" charset="0"/>
                 <a:cs typeface="Courier" charset="0"/>
               </a:rPr>
-              <a:t>models.ForeignKey</a:t>
-            </a:r>
-            <a:r>
-              <a:rPr lang="en-US" sz="1400" dirty="0">
-                <a:solidFill>
-                  <a:srgbClr val="000000"/>
-                </a:solidFill>
-                <a:latin typeface="Courier" charset="0"/>
-                <a:ea typeface="Courier" charset="0"/>
-                <a:cs typeface="Courier" charset="0"/>
-              </a:rPr>
-              <a:t>(</a:t>
+              <a:t>OwnerCreateView</a:t>
+            </a:r>
+            <a:r>
+              <a:rPr lang="en-US" sz="1400" dirty="0">
+                <a:solidFill>
+                  <a:srgbClr val="000000"/>
+                </a:solidFill>
+                <a:latin typeface="Courier" charset="0"/>
+                <a:ea typeface="Courier" charset="0"/>
+                <a:cs typeface="Courier" charset="0"/>
+              </a:rPr>
+              <a:t>, self).</a:t>
             </a:r>
             <a:r>
               <a:rPr lang="en-US" sz="1400" dirty="0" err="1">
@@ -16877,266 +16136,30 @@
                 <a:ea typeface="Courier" charset="0"/>
                 <a:cs typeface="Courier" charset="0"/>
               </a:rPr>
-              <a:t>settings.AUTH_USER_MODEL</a:t>
-            </a:r>
-            <a:r>
-              <a:rPr lang="en-US" sz="1400" dirty="0">
-                <a:solidFill>
-                  <a:srgbClr val="000000"/>
-                </a:solidFill>
-                <a:latin typeface="Courier" charset="0"/>
-                <a:ea typeface="Courier" charset="0"/>
-                <a:cs typeface="Courier" charset="0"/>
-              </a:rPr>
-              <a:t>, </a:t>
-            </a:r>
-            <a:r>
-              <a:rPr lang="en-US" sz="1400" dirty="0" err="1">
-                <a:solidFill>
-                  <a:srgbClr val="000000"/>
-                </a:solidFill>
-                <a:latin typeface="Courier" charset="0"/>
-                <a:ea typeface="Courier" charset="0"/>
-                <a:cs typeface="Courier" charset="0"/>
-              </a:rPr>
-              <a:t>on_delete</a:t>
-            </a:r>
-            <a:r>
-              <a:rPr lang="en-US" sz="1400" dirty="0">
-                <a:solidFill>
-                  <a:srgbClr val="000000"/>
-                </a:solidFill>
-                <a:latin typeface="Courier" charset="0"/>
-                <a:ea typeface="Courier" charset="0"/>
-                <a:cs typeface="Courier" charset="0"/>
-              </a:rPr>
-              <a:t>=</a:t>
-            </a:r>
-            <a:r>
-              <a:rPr lang="en-US" sz="1400" dirty="0" err="1">
-                <a:solidFill>
-                  <a:srgbClr val="000000"/>
-                </a:solidFill>
-                <a:latin typeface="Courier" charset="0"/>
-                <a:ea typeface="Courier" charset="0"/>
-                <a:cs typeface="Courier" charset="0"/>
-              </a:rPr>
-              <a:t>models.CASCADE</a:t>
-            </a:r>
-            <a:r>
-              <a:rPr lang="en-US" sz="1400" dirty="0">
-                <a:solidFill>
-                  <a:srgbClr val="000000"/>
-                </a:solidFill>
-                <a:latin typeface="Courier" charset="0"/>
-                <a:ea typeface="Courier" charset="0"/>
-                <a:cs typeface="Courier" charset="0"/>
-              </a:rPr>
-              <a:t>)</a:t>
-            </a:r>
-          </a:p>
-          <a:p>
-            <a:r>
-              <a:rPr lang="en-US" sz="1400" dirty="0">
-                <a:solidFill>
-                  <a:srgbClr val="000000"/>
-                </a:solidFill>
-                <a:latin typeface="Courier" charset="0"/>
-                <a:ea typeface="Courier" charset="0"/>
-                <a:cs typeface="Courier" charset="0"/>
-              </a:rPr>
-              <a:t>    </a:t>
-            </a:r>
-            <a:r>
-              <a:rPr lang="en-US" sz="1400" dirty="0" err="1">
-                <a:solidFill>
-                  <a:srgbClr val="000000"/>
-                </a:solidFill>
-                <a:latin typeface="Courier" charset="0"/>
-                <a:ea typeface="Courier" charset="0"/>
-                <a:cs typeface="Courier" charset="0"/>
-              </a:rPr>
-              <a:t>created_at</a:t>
-            </a:r>
-            <a:r>
-              <a:rPr lang="en-US" sz="1400" dirty="0">
-                <a:solidFill>
-                  <a:srgbClr val="000000"/>
-                </a:solidFill>
-                <a:latin typeface="Courier" charset="0"/>
-                <a:ea typeface="Courier" charset="0"/>
-                <a:cs typeface="Courier" charset="0"/>
-              </a:rPr>
-              <a:t> = </a:t>
-            </a:r>
-            <a:r>
-              <a:rPr lang="en-US" sz="1400" dirty="0" err="1">
-                <a:solidFill>
-                  <a:srgbClr val="000000"/>
-                </a:solidFill>
-                <a:latin typeface="Courier" charset="0"/>
-                <a:ea typeface="Courier" charset="0"/>
-                <a:cs typeface="Courier" charset="0"/>
-              </a:rPr>
-              <a:t>models.DateTimeField</a:t>
-            </a:r>
-            <a:r>
-              <a:rPr lang="en-US" sz="1400" dirty="0">
-                <a:solidFill>
-                  <a:srgbClr val="000000"/>
-                </a:solidFill>
-                <a:latin typeface="Courier" charset="0"/>
-                <a:ea typeface="Courier" charset="0"/>
-                <a:cs typeface="Courier" charset="0"/>
-              </a:rPr>
-              <a:t>(</a:t>
-            </a:r>
-            <a:r>
-              <a:rPr lang="en-US" sz="1400" dirty="0" err="1">
-                <a:solidFill>
-                  <a:srgbClr val="000000"/>
-                </a:solidFill>
-                <a:latin typeface="Courier" charset="0"/>
-                <a:ea typeface="Courier" charset="0"/>
-                <a:cs typeface="Courier" charset="0"/>
-              </a:rPr>
-              <a:t>auto_now_add</a:t>
-            </a:r>
-            <a:r>
-              <a:rPr lang="en-US" sz="1400" dirty="0">
-                <a:solidFill>
-                  <a:srgbClr val="000000"/>
-                </a:solidFill>
-                <a:latin typeface="Courier" charset="0"/>
-                <a:ea typeface="Courier" charset="0"/>
-                <a:cs typeface="Courier" charset="0"/>
-              </a:rPr>
-              <a:t>=</a:t>
-            </a:r>
-            <a:r>
-              <a:rPr lang="en-US" sz="1400" dirty="0">
-                <a:solidFill>
-                  <a:srgbClr val="2EAEBB"/>
-                </a:solidFill>
-                <a:latin typeface="Courier" charset="0"/>
-                <a:ea typeface="Courier" charset="0"/>
-                <a:cs typeface="Courier" charset="0"/>
-              </a:rPr>
-              <a:t>True</a:t>
-            </a:r>
-            <a:r>
-              <a:rPr lang="en-US" sz="1400" dirty="0">
-                <a:solidFill>
-                  <a:srgbClr val="000000"/>
-                </a:solidFill>
-                <a:latin typeface="Courier" charset="0"/>
-                <a:ea typeface="Courier" charset="0"/>
-                <a:cs typeface="Courier" charset="0"/>
-              </a:rPr>
-              <a:t>)</a:t>
-            </a:r>
-          </a:p>
-          <a:p>
-            <a:r>
-              <a:rPr lang="en-US" sz="1400" dirty="0">
-                <a:solidFill>
-                  <a:srgbClr val="000000"/>
-                </a:solidFill>
-                <a:latin typeface="Courier" charset="0"/>
-                <a:ea typeface="Courier" charset="0"/>
-                <a:cs typeface="Courier" charset="0"/>
-              </a:rPr>
-              <a:t>    </a:t>
-            </a:r>
-            <a:r>
-              <a:rPr lang="en-US" sz="1400" dirty="0" err="1">
-                <a:solidFill>
-                  <a:srgbClr val="000000"/>
-                </a:solidFill>
-                <a:latin typeface="Courier" charset="0"/>
-                <a:ea typeface="Courier" charset="0"/>
-                <a:cs typeface="Courier" charset="0"/>
-              </a:rPr>
-              <a:t>updated_at</a:t>
-            </a:r>
-            <a:r>
-              <a:rPr lang="en-US" sz="1400" dirty="0">
-                <a:solidFill>
-                  <a:srgbClr val="000000"/>
-                </a:solidFill>
-                <a:latin typeface="Courier" charset="0"/>
-                <a:ea typeface="Courier" charset="0"/>
-                <a:cs typeface="Courier" charset="0"/>
-              </a:rPr>
-              <a:t> = </a:t>
-            </a:r>
-            <a:r>
-              <a:rPr lang="en-US" sz="1400" dirty="0" err="1">
-                <a:solidFill>
-                  <a:srgbClr val="000000"/>
-                </a:solidFill>
-                <a:latin typeface="Courier" charset="0"/>
-                <a:ea typeface="Courier" charset="0"/>
-                <a:cs typeface="Courier" charset="0"/>
-              </a:rPr>
-              <a:t>models.DateTimeField</a:t>
-            </a:r>
-            <a:r>
-              <a:rPr lang="en-US" sz="1400" dirty="0">
-                <a:solidFill>
-                  <a:srgbClr val="000000"/>
-                </a:solidFill>
-                <a:latin typeface="Courier" charset="0"/>
-                <a:ea typeface="Courier" charset="0"/>
-                <a:cs typeface="Courier" charset="0"/>
-              </a:rPr>
-              <a:t>(</a:t>
-            </a:r>
-            <a:r>
-              <a:rPr lang="en-US" sz="1400" dirty="0" err="1">
-                <a:solidFill>
-                  <a:srgbClr val="000000"/>
-                </a:solidFill>
-                <a:latin typeface="Courier" charset="0"/>
-                <a:ea typeface="Courier" charset="0"/>
-                <a:cs typeface="Courier" charset="0"/>
-              </a:rPr>
-              <a:t>auto_now</a:t>
-            </a:r>
-            <a:r>
-              <a:rPr lang="en-US" sz="1400" dirty="0">
-                <a:solidFill>
-                  <a:srgbClr val="000000"/>
-                </a:solidFill>
-                <a:latin typeface="Courier" charset="0"/>
-                <a:ea typeface="Courier" charset="0"/>
-                <a:cs typeface="Courier" charset="0"/>
-              </a:rPr>
-              <a:t>=</a:t>
-            </a:r>
-            <a:r>
-              <a:rPr lang="en-US" sz="1400" dirty="0">
-                <a:solidFill>
-                  <a:srgbClr val="2EAEBB"/>
-                </a:solidFill>
-                <a:latin typeface="Courier" charset="0"/>
-                <a:ea typeface="Courier" charset="0"/>
-                <a:cs typeface="Courier" charset="0"/>
-              </a:rPr>
-              <a:t>True</a:t>
-            </a:r>
-            <a:r>
-              <a:rPr lang="en-US" sz="1400" dirty="0" smtClean="0">
-                <a:solidFill>
-                  <a:srgbClr val="000000"/>
-                </a:solidFill>
-                <a:latin typeface="Courier" charset="0"/>
-                <a:ea typeface="Courier" charset="0"/>
-                <a:cs typeface="Courier" charset="0"/>
-              </a:rPr>
-              <a:t>)</a:t>
+              <a:t>form_valid</a:t>
+            </a:r>
+            <a:r>
+              <a:rPr lang="en-US" sz="1400" dirty="0">
+                <a:solidFill>
+                  <a:srgbClr val="000000"/>
+                </a:solidFill>
+                <a:latin typeface="Courier" charset="0"/>
+                <a:ea typeface="Courier" charset="0"/>
+                <a:cs typeface="Courier" charset="0"/>
+              </a:rPr>
+              <a:t>(form)</a:t>
             </a:r>
             <a:endParaRPr lang="en-US" sz="1400" dirty="0">
+              <a:solidFill>
+                <a:srgbClr val="000000"/>
+              </a:solidFill>
+              <a:latin typeface="Courier" charset="0"/>
+              <a:ea typeface="Courier" charset="0"/>
+              <a:cs typeface="Courier" charset="0"/>
+            </a:endParaRPr>
+          </a:p>
+          <a:p>
+            <a:endParaRPr lang="en-US" sz="1400" dirty="0" smtClean="0">
               <a:solidFill>
                 <a:srgbClr val="000000"/>
               </a:solidFill>
@@ -17156,7 +16179,7 @@
         <p:spPr>
           <a:xfrm>
             <a:off x="604825" y="546167"/>
-            <a:ext cx="3215432" cy="369332"/>
+            <a:ext cx="3105978" cy="369332"/>
           </a:xfrm>
           <a:prstGeom prst="rect">
             <a:avLst/>
@@ -17198,15 +16221,7 @@
                   <a:srgbClr val="FFFF00"/>
                 </a:solidFill>
               </a:rPr>
-              <a:t>models</a:t>
-            </a:r>
-            <a:r>
-              <a:rPr lang="en-US" dirty="0" err="1" smtClean="0">
-                <a:solidFill>
-                  <a:srgbClr val="FFFF00"/>
-                </a:solidFill>
-              </a:rPr>
-              <a:t>.py</a:t>
+              <a:t>owner.py</a:t>
             </a:r>
             <a:endParaRPr lang="en-US" dirty="0">
               <a:solidFill>
@@ -17217,425 +16232,23 @@
           </a:p>
         </p:txBody>
       </p:sp>
-      <p:sp>
-        <p:nvSpPr>
-          <p:cNvPr id="6" name="Rectangle 5"/>
-          <p:cNvSpPr/>
-          <p:nvPr/>
-        </p:nvSpPr>
-        <p:spPr>
-          <a:xfrm>
-            <a:off x="651975" y="4173052"/>
-            <a:ext cx="10292250" cy="1384995"/>
-          </a:xfrm>
-          <a:prstGeom prst="rect">
-            <a:avLst/>
-          </a:prstGeom>
-          <a:solidFill>
-            <a:schemeClr val="tx1"/>
-          </a:solidFill>
-        </p:spPr>
-        <p:txBody>
-          <a:bodyPr wrap="square">
-            <a:spAutoFit/>
-          </a:bodyPr>
-          <a:lstStyle/>
-          <a:p>
-            <a:r>
-              <a:rPr lang="en-US" sz="1400" dirty="0">
-                <a:solidFill>
-                  <a:srgbClr val="C814C9"/>
-                </a:solidFill>
-                <a:latin typeface="Courier" charset="0"/>
-                <a:ea typeface="Courier" charset="0"/>
-                <a:cs typeface="Courier" charset="0"/>
-              </a:rPr>
-              <a:t>from</a:t>
-            </a:r>
-            <a:r>
-              <a:rPr lang="en-US" sz="1400" dirty="0">
-                <a:solidFill>
-                  <a:srgbClr val="000000"/>
-                </a:solidFill>
-                <a:latin typeface="Courier" charset="0"/>
-                <a:ea typeface="Courier" charset="0"/>
-                <a:cs typeface="Courier" charset="0"/>
-              </a:rPr>
-              <a:t> </a:t>
-            </a:r>
-            <a:r>
-              <a:rPr lang="en-US" sz="1400" dirty="0" err="1">
-                <a:solidFill>
-                  <a:srgbClr val="000000"/>
-                </a:solidFill>
-                <a:latin typeface="Courier" charset="0"/>
-                <a:ea typeface="Courier" charset="0"/>
-                <a:cs typeface="Courier" charset="0"/>
-              </a:rPr>
-              <a:t>myarts.models</a:t>
-            </a:r>
-            <a:r>
-              <a:rPr lang="en-US" sz="1400" dirty="0">
-                <a:solidFill>
-                  <a:srgbClr val="000000"/>
-                </a:solidFill>
-                <a:latin typeface="Courier" charset="0"/>
-                <a:ea typeface="Courier" charset="0"/>
-                <a:cs typeface="Courier" charset="0"/>
-              </a:rPr>
-              <a:t> </a:t>
-            </a:r>
-            <a:r>
-              <a:rPr lang="en-US" sz="1400" dirty="0">
-                <a:solidFill>
-                  <a:srgbClr val="C814C9"/>
-                </a:solidFill>
-                <a:latin typeface="Courier" charset="0"/>
-                <a:ea typeface="Courier" charset="0"/>
-                <a:cs typeface="Courier" charset="0"/>
-              </a:rPr>
-              <a:t>import</a:t>
-            </a:r>
-            <a:r>
-              <a:rPr lang="en-US" sz="1400" dirty="0">
-                <a:solidFill>
-                  <a:srgbClr val="000000"/>
-                </a:solidFill>
-                <a:latin typeface="Courier" charset="0"/>
-                <a:ea typeface="Courier" charset="0"/>
-                <a:cs typeface="Courier" charset="0"/>
-              </a:rPr>
-              <a:t> Article</a:t>
-            </a:r>
-          </a:p>
-          <a:p>
-            <a:r>
-              <a:rPr lang="en-US" sz="1400" dirty="0">
-                <a:solidFill>
-                  <a:srgbClr val="C814C9"/>
-                </a:solidFill>
-                <a:latin typeface="Courier" charset="0"/>
-                <a:ea typeface="Courier" charset="0"/>
-                <a:cs typeface="Courier" charset="0"/>
-              </a:rPr>
-              <a:t>from</a:t>
-            </a:r>
-            <a:r>
-              <a:rPr lang="en-US" sz="1400" dirty="0">
-                <a:solidFill>
-                  <a:srgbClr val="000000"/>
-                </a:solidFill>
-                <a:latin typeface="Courier" charset="0"/>
-                <a:ea typeface="Courier" charset="0"/>
-                <a:cs typeface="Courier" charset="0"/>
-              </a:rPr>
-              <a:t> </a:t>
-            </a:r>
-            <a:r>
-              <a:rPr lang="en-US" sz="1400" dirty="0" err="1">
-                <a:solidFill>
-                  <a:srgbClr val="000000"/>
-                </a:solidFill>
-                <a:latin typeface="Courier" charset="0"/>
-                <a:ea typeface="Courier" charset="0"/>
-                <a:cs typeface="Courier" charset="0"/>
-              </a:rPr>
-              <a:t>myarts.owner</a:t>
-            </a:r>
-            <a:r>
-              <a:rPr lang="en-US" sz="1400" dirty="0">
-                <a:solidFill>
-                  <a:srgbClr val="000000"/>
-                </a:solidFill>
-                <a:latin typeface="Courier" charset="0"/>
-                <a:ea typeface="Courier" charset="0"/>
-                <a:cs typeface="Courier" charset="0"/>
-              </a:rPr>
-              <a:t> </a:t>
-            </a:r>
-            <a:r>
-              <a:rPr lang="en-US" sz="1400" dirty="0">
-                <a:solidFill>
-                  <a:srgbClr val="C814C9"/>
-                </a:solidFill>
-                <a:latin typeface="Courier" charset="0"/>
-                <a:ea typeface="Courier" charset="0"/>
-                <a:cs typeface="Courier" charset="0"/>
-              </a:rPr>
-              <a:t>import</a:t>
-            </a:r>
-            <a:r>
-              <a:rPr lang="en-US" sz="1400" dirty="0">
-                <a:solidFill>
-                  <a:srgbClr val="000000"/>
-                </a:solidFill>
-                <a:latin typeface="Courier" charset="0"/>
-                <a:ea typeface="Courier" charset="0"/>
-                <a:cs typeface="Courier" charset="0"/>
-              </a:rPr>
-              <a:t> </a:t>
-            </a:r>
-            <a:r>
-              <a:rPr lang="en-US" sz="1400" dirty="0" err="1" smtClean="0">
-                <a:solidFill>
-                  <a:srgbClr val="000000"/>
-                </a:solidFill>
-                <a:latin typeface="Courier" charset="0"/>
-                <a:ea typeface="Courier" charset="0"/>
-                <a:cs typeface="Courier" charset="0"/>
-              </a:rPr>
-              <a:t>OwnerDeleteView</a:t>
-            </a:r>
-            <a:endParaRPr lang="en-US" sz="1400" dirty="0" smtClean="0">
-              <a:solidFill>
-                <a:srgbClr val="000000"/>
-              </a:solidFill>
-              <a:latin typeface="Courier" charset="0"/>
-              <a:ea typeface="Courier" charset="0"/>
-              <a:cs typeface="Courier" charset="0"/>
-            </a:endParaRPr>
-          </a:p>
-          <a:p>
-            <a:endParaRPr lang="en-US" sz="1400" dirty="0">
-              <a:solidFill>
-                <a:srgbClr val="000000"/>
-              </a:solidFill>
-              <a:latin typeface="Courier" charset="0"/>
-              <a:ea typeface="Courier" charset="0"/>
-              <a:cs typeface="Courier" charset="0"/>
-            </a:endParaRPr>
-          </a:p>
-          <a:p>
-            <a:r>
-              <a:rPr lang="en-US" sz="1400" dirty="0">
-                <a:solidFill>
-                  <a:srgbClr val="C1651C"/>
-                </a:solidFill>
-                <a:latin typeface="Courier" charset="0"/>
-                <a:ea typeface="Courier" charset="0"/>
-                <a:cs typeface="Courier" charset="0"/>
-              </a:rPr>
-              <a:t>class</a:t>
-            </a:r>
-            <a:r>
-              <a:rPr lang="en-US" sz="1400" dirty="0">
-                <a:solidFill>
-                  <a:srgbClr val="000000"/>
-                </a:solidFill>
-                <a:latin typeface="Courier" charset="0"/>
-                <a:ea typeface="Courier" charset="0"/>
-                <a:cs typeface="Courier" charset="0"/>
-              </a:rPr>
-              <a:t> </a:t>
-            </a:r>
-            <a:r>
-              <a:rPr lang="en-US" sz="1400" dirty="0" err="1" smtClean="0">
-                <a:solidFill>
-                  <a:srgbClr val="2EAEBB"/>
-                </a:solidFill>
-                <a:latin typeface="Courier" charset="0"/>
-                <a:ea typeface="Courier" charset="0"/>
-                <a:cs typeface="Courier" charset="0"/>
-              </a:rPr>
-              <a:t>ArticleDeleteView</a:t>
-            </a:r>
-            <a:r>
-              <a:rPr lang="en-US" sz="1400" dirty="0" smtClean="0">
-                <a:solidFill>
-                  <a:srgbClr val="000000"/>
-                </a:solidFill>
-                <a:latin typeface="Courier" charset="0"/>
-                <a:ea typeface="Courier" charset="0"/>
-                <a:cs typeface="Courier" charset="0"/>
-              </a:rPr>
-              <a:t>(</a:t>
-            </a:r>
-            <a:r>
-              <a:rPr lang="en-US" sz="1400" dirty="0" err="1" smtClean="0">
-                <a:solidFill>
-                  <a:srgbClr val="000000"/>
-                </a:solidFill>
-                <a:latin typeface="Courier" charset="0"/>
-                <a:ea typeface="Courier" charset="0"/>
-                <a:cs typeface="Courier" charset="0"/>
-              </a:rPr>
-              <a:t>OwnerDeleteView</a:t>
-            </a:r>
-            <a:r>
-              <a:rPr lang="en-US" sz="1400" dirty="0" smtClean="0">
-                <a:solidFill>
-                  <a:srgbClr val="000000"/>
-                </a:solidFill>
-                <a:latin typeface="Courier" charset="0"/>
-                <a:ea typeface="Courier" charset="0"/>
-                <a:cs typeface="Courier" charset="0"/>
-              </a:rPr>
-              <a:t>):</a:t>
-            </a:r>
-          </a:p>
-          <a:p>
-            <a:r>
-              <a:rPr lang="en-US" sz="1400" dirty="0" smtClean="0">
-                <a:solidFill>
-                  <a:srgbClr val="0500FF"/>
-                </a:solidFill>
-                <a:latin typeface="Courier" charset="0"/>
-                <a:ea typeface="Courier" charset="0"/>
-                <a:cs typeface="Courier" charset="0"/>
-              </a:rPr>
-              <a:t>    # By convention, template='</a:t>
-            </a:r>
-            <a:r>
-              <a:rPr lang="en-US" sz="1400" dirty="0" err="1" smtClean="0">
-                <a:solidFill>
-                  <a:srgbClr val="0500FF"/>
-                </a:solidFill>
-                <a:latin typeface="Courier" charset="0"/>
-                <a:ea typeface="Courier" charset="0"/>
-                <a:cs typeface="Courier" charset="0"/>
-              </a:rPr>
-              <a:t>myarts</a:t>
-            </a:r>
-            <a:r>
-              <a:rPr lang="en-US" sz="1400" dirty="0" smtClean="0">
-                <a:solidFill>
-                  <a:srgbClr val="0500FF"/>
-                </a:solidFill>
-                <a:latin typeface="Courier" charset="0"/>
-                <a:ea typeface="Courier" charset="0"/>
-                <a:cs typeface="Courier" charset="0"/>
-              </a:rPr>
-              <a:t>/</a:t>
-            </a:r>
-            <a:r>
-              <a:rPr lang="en-US" sz="1400" dirty="0" err="1" smtClean="0">
-                <a:solidFill>
-                  <a:srgbClr val="0500FF"/>
-                </a:solidFill>
-                <a:latin typeface="Courier" charset="0"/>
-                <a:ea typeface="Courier" charset="0"/>
-                <a:cs typeface="Courier" charset="0"/>
-              </a:rPr>
-              <a:t>article_confirm_delete.html</a:t>
-            </a:r>
-            <a:r>
-              <a:rPr lang="en-US" sz="1400" dirty="0" smtClean="0">
-                <a:solidFill>
-                  <a:srgbClr val="0500FF"/>
-                </a:solidFill>
-                <a:latin typeface="Courier" charset="0"/>
-                <a:ea typeface="Courier" charset="0"/>
-                <a:cs typeface="Courier" charset="0"/>
-              </a:rPr>
-              <a:t>'</a:t>
-            </a:r>
-          </a:p>
-          <a:p>
-            <a:r>
-              <a:rPr lang="en-US" sz="1400" dirty="0" smtClean="0">
-                <a:solidFill>
-                  <a:srgbClr val="000000"/>
-                </a:solidFill>
-                <a:latin typeface="Courier" charset="0"/>
-                <a:ea typeface="Courier" charset="0"/>
-                <a:cs typeface="Courier" charset="0"/>
-              </a:rPr>
-              <a:t>    </a:t>
-            </a:r>
-            <a:r>
-              <a:rPr lang="en-US" sz="1400" dirty="0">
-                <a:solidFill>
-                  <a:srgbClr val="000000"/>
-                </a:solidFill>
-                <a:latin typeface="Courier" charset="0"/>
-                <a:ea typeface="Courier" charset="0"/>
-                <a:cs typeface="Courier" charset="0"/>
-              </a:rPr>
-              <a:t>model = Article</a:t>
-            </a:r>
-            <a:endParaRPr lang="en-US" sz="1400" dirty="0" smtClean="0">
-              <a:solidFill>
-                <a:srgbClr val="000000"/>
-              </a:solidFill>
-              <a:latin typeface="Courier" charset="0"/>
-              <a:ea typeface="Courier" charset="0"/>
-              <a:cs typeface="Courier" charset="0"/>
-            </a:endParaRPr>
-          </a:p>
-        </p:txBody>
-      </p:sp>
-      <p:sp>
-        <p:nvSpPr>
-          <p:cNvPr id="7" name="Rectangle 6"/>
-          <p:cNvSpPr/>
-          <p:nvPr/>
-        </p:nvSpPr>
-        <p:spPr>
-          <a:xfrm>
-            <a:off x="651975" y="3717992"/>
-            <a:ext cx="3053978" cy="369332"/>
-          </a:xfrm>
-          <a:prstGeom prst="rect">
-            <a:avLst/>
-          </a:prstGeom>
-        </p:spPr>
-        <p:txBody>
-          <a:bodyPr wrap="none">
-            <a:spAutoFit/>
-          </a:bodyPr>
-          <a:lstStyle/>
-          <a:p>
-            <a:r>
-              <a:rPr lang="en-US" dirty="0" smtClean="0">
-                <a:solidFill>
-                  <a:srgbClr val="FFFF00"/>
-                </a:solidFill>
-              </a:rPr>
-              <a:t>dj4e-samples/</a:t>
-            </a:r>
-            <a:r>
-              <a:rPr lang="en-US" dirty="0" err="1" smtClean="0">
-                <a:solidFill>
-                  <a:srgbClr val="FFFF00"/>
-                </a:solidFill>
-              </a:rPr>
-              <a:t>myarts</a:t>
-            </a:r>
-            <a:r>
-              <a:rPr lang="en-US" dirty="0" smtClean="0">
-                <a:solidFill>
-                  <a:srgbClr val="FFFF00"/>
-                </a:solidFill>
-              </a:rPr>
-              <a:t>/</a:t>
-            </a:r>
-            <a:r>
-              <a:rPr lang="en-US" dirty="0" err="1" smtClean="0">
-                <a:solidFill>
-                  <a:srgbClr val="FFFF00"/>
-                </a:solidFill>
-              </a:rPr>
-              <a:t>views.py</a:t>
-            </a:r>
-            <a:endParaRPr lang="en-US" dirty="0">
-              <a:solidFill>
-                <a:srgbClr val="FFFF00"/>
-              </a:solidFill>
-              <a:effectLst/>
-            </a:endParaRPr>
-          </a:p>
-        </p:txBody>
-      </p:sp>
     </p:spTree>
     <p:extLst>
       <p:ext uri="{BB962C8B-B14F-4D97-AF65-F5344CB8AC3E}">
-        <p14:creationId xmlns:p14="http://schemas.microsoft.com/office/powerpoint/2010/main" val="1219187775"/>
+        <p14:creationId xmlns:p14="http://schemas.microsoft.com/office/powerpoint/2010/main" val="1758493526"/>
       </p:ext>
     </p:extLst>
   </p:cSld>
   <p:clrMapOvr>
     <a:masterClrMapping/>
   </p:clrMapOvr>
+  <p:timing>
+    <p:tnLst>
+      <p:par>
+        <p:cTn id="1" dur="indefinite" restart="never" nodeType="tmRoot"/>
+      </p:par>
+    </p:tnLst>
+  </p:timing>
 </p:sld>
 </file>
 
@@ -17778,6 +16391,13 @@
   <p:clrMapOvr>
     <a:masterClrMapping/>
   </p:clrMapOvr>
+  <p:timing>
+    <p:tnLst>
+      <p:par>
+        <p:cTn id="1" dur="indefinite" restart="never" nodeType="tmRoot"/>
+      </p:par>
+    </p:tnLst>
+  </p:timing>
 </p:sld>
 </file>
 
@@ -17800,76 +16420,1251 @@
       </p:grpSpPr>
       <p:sp>
         <p:nvSpPr>
-          <p:cNvPr id="27649" name="Rectangle 1"/>
-          <p:cNvSpPr>
-            <a:spLocks noGrp="1" noChangeArrowheads="1"/>
-          </p:cNvSpPr>
-          <p:nvPr>
-            <p:ph type="title"/>
-          </p:nvPr>
+          <p:cNvPr id="2" name="Rectangle 1"/>
+          <p:cNvSpPr/>
+          <p:nvPr/>
         </p:nvSpPr>
-        <p:spPr/>
+        <p:spPr>
+          <a:xfrm>
+            <a:off x="604825" y="1001227"/>
+            <a:ext cx="10339400" cy="2462213"/>
+          </a:xfrm>
+          <a:prstGeom prst="rect">
+            <a:avLst/>
+          </a:prstGeom>
+          <a:solidFill>
+            <a:schemeClr val="tx1"/>
+          </a:solidFill>
+        </p:spPr>
         <p:txBody>
-          <a:bodyPr/>
+          <a:bodyPr wrap="square">
+            <a:spAutoFit/>
+          </a:bodyPr>
           <a:lstStyle/>
           <a:p>
-            <a:pPr eaLnBrk="1" hangingPunct="1">
-              <a:defRPr/>
-            </a:pPr>
-            <a:r>
-              <a:rPr lang="en-US" altLang="x-none" dirty="0">
-                <a:solidFill>
-                  <a:srgbClr val="FFFF00"/>
-                </a:solidFill>
-              </a:rPr>
-              <a:t>Summary</a:t>
-            </a:r>
+            <a:r>
+              <a:rPr lang="en-US" sz="1400" dirty="0">
+                <a:solidFill>
+                  <a:srgbClr val="C814C9"/>
+                </a:solidFill>
+                <a:latin typeface="Courier" charset="0"/>
+                <a:ea typeface="Courier" charset="0"/>
+                <a:cs typeface="Courier" charset="0"/>
+              </a:rPr>
+              <a:t>from</a:t>
+            </a:r>
+            <a:r>
+              <a:rPr lang="en-US" sz="1400" dirty="0">
+                <a:solidFill>
+                  <a:srgbClr val="000000"/>
+                </a:solidFill>
+                <a:latin typeface="Courier" charset="0"/>
+                <a:ea typeface="Courier" charset="0"/>
+                <a:cs typeface="Courier" charset="0"/>
+              </a:rPr>
+              <a:t> </a:t>
+            </a:r>
+            <a:r>
+              <a:rPr lang="en-US" sz="1400" dirty="0" err="1">
+                <a:solidFill>
+                  <a:srgbClr val="000000"/>
+                </a:solidFill>
+                <a:latin typeface="Courier" charset="0"/>
+                <a:ea typeface="Courier" charset="0"/>
+                <a:cs typeface="Courier" charset="0"/>
+              </a:rPr>
+              <a:t>django.db</a:t>
+            </a:r>
+            <a:r>
+              <a:rPr lang="en-US" sz="1400" dirty="0">
+                <a:solidFill>
+                  <a:srgbClr val="000000"/>
+                </a:solidFill>
+                <a:latin typeface="Courier" charset="0"/>
+                <a:ea typeface="Courier" charset="0"/>
+                <a:cs typeface="Courier" charset="0"/>
+              </a:rPr>
+              <a:t> </a:t>
+            </a:r>
+            <a:r>
+              <a:rPr lang="en-US" sz="1400" dirty="0">
+                <a:solidFill>
+                  <a:srgbClr val="C814C9"/>
+                </a:solidFill>
+                <a:latin typeface="Courier" charset="0"/>
+                <a:ea typeface="Courier" charset="0"/>
+                <a:cs typeface="Courier" charset="0"/>
+              </a:rPr>
+              <a:t>import</a:t>
+            </a:r>
+            <a:r>
+              <a:rPr lang="en-US" sz="1400" dirty="0">
+                <a:solidFill>
+                  <a:srgbClr val="000000"/>
+                </a:solidFill>
+                <a:latin typeface="Courier" charset="0"/>
+                <a:ea typeface="Courier" charset="0"/>
+                <a:cs typeface="Courier" charset="0"/>
+              </a:rPr>
+              <a:t> models</a:t>
+            </a:r>
+          </a:p>
+          <a:p>
+            <a:r>
+              <a:rPr lang="en-US" sz="1400" dirty="0">
+                <a:solidFill>
+                  <a:srgbClr val="C814C9"/>
+                </a:solidFill>
+                <a:latin typeface="Courier" charset="0"/>
+                <a:ea typeface="Courier" charset="0"/>
+                <a:cs typeface="Courier" charset="0"/>
+              </a:rPr>
+              <a:t>from</a:t>
+            </a:r>
+            <a:r>
+              <a:rPr lang="en-US" sz="1400" dirty="0">
+                <a:solidFill>
+                  <a:srgbClr val="000000"/>
+                </a:solidFill>
+                <a:latin typeface="Courier" charset="0"/>
+                <a:ea typeface="Courier" charset="0"/>
+                <a:cs typeface="Courier" charset="0"/>
+              </a:rPr>
+              <a:t> </a:t>
+            </a:r>
+            <a:r>
+              <a:rPr lang="en-US" sz="1400" dirty="0" err="1">
+                <a:solidFill>
+                  <a:srgbClr val="000000"/>
+                </a:solidFill>
+                <a:latin typeface="Courier" charset="0"/>
+                <a:ea typeface="Courier" charset="0"/>
+                <a:cs typeface="Courier" charset="0"/>
+              </a:rPr>
+              <a:t>django.core.validators</a:t>
+            </a:r>
+            <a:r>
+              <a:rPr lang="en-US" sz="1400" dirty="0">
+                <a:solidFill>
+                  <a:srgbClr val="000000"/>
+                </a:solidFill>
+                <a:latin typeface="Courier" charset="0"/>
+                <a:ea typeface="Courier" charset="0"/>
+                <a:cs typeface="Courier" charset="0"/>
+              </a:rPr>
+              <a:t> </a:t>
+            </a:r>
+            <a:r>
+              <a:rPr lang="en-US" sz="1400" dirty="0">
+                <a:solidFill>
+                  <a:srgbClr val="C814C9"/>
+                </a:solidFill>
+                <a:latin typeface="Courier" charset="0"/>
+                <a:ea typeface="Courier" charset="0"/>
+                <a:cs typeface="Courier" charset="0"/>
+              </a:rPr>
+              <a:t>import</a:t>
+            </a:r>
+            <a:r>
+              <a:rPr lang="en-US" sz="1400" dirty="0">
+                <a:solidFill>
+                  <a:srgbClr val="000000"/>
+                </a:solidFill>
+                <a:latin typeface="Courier" charset="0"/>
+                <a:ea typeface="Courier" charset="0"/>
+                <a:cs typeface="Courier" charset="0"/>
+              </a:rPr>
+              <a:t> </a:t>
+            </a:r>
+            <a:r>
+              <a:rPr lang="en-US" sz="1400" dirty="0" err="1">
+                <a:solidFill>
+                  <a:srgbClr val="000000"/>
+                </a:solidFill>
+                <a:latin typeface="Courier" charset="0"/>
+                <a:ea typeface="Courier" charset="0"/>
+                <a:cs typeface="Courier" charset="0"/>
+              </a:rPr>
+              <a:t>MinLengthValidator</a:t>
+            </a:r>
+            <a:endParaRPr lang="en-US" sz="1400" dirty="0">
+              <a:solidFill>
+                <a:srgbClr val="000000"/>
+              </a:solidFill>
+              <a:latin typeface="Courier" charset="0"/>
+              <a:ea typeface="Courier" charset="0"/>
+              <a:cs typeface="Courier" charset="0"/>
+            </a:endParaRPr>
+          </a:p>
+          <a:p>
+            <a:r>
+              <a:rPr lang="en-US" sz="1400" dirty="0">
+                <a:solidFill>
+                  <a:srgbClr val="C814C9"/>
+                </a:solidFill>
+                <a:latin typeface="Courier" charset="0"/>
+                <a:ea typeface="Courier" charset="0"/>
+                <a:cs typeface="Courier" charset="0"/>
+              </a:rPr>
+              <a:t>from</a:t>
+            </a:r>
+            <a:r>
+              <a:rPr lang="en-US" sz="1400" dirty="0">
+                <a:solidFill>
+                  <a:srgbClr val="000000"/>
+                </a:solidFill>
+                <a:latin typeface="Courier" charset="0"/>
+                <a:ea typeface="Courier" charset="0"/>
+                <a:cs typeface="Courier" charset="0"/>
+              </a:rPr>
+              <a:t> </a:t>
+            </a:r>
+            <a:r>
+              <a:rPr lang="en-US" sz="1400" dirty="0" err="1">
+                <a:solidFill>
+                  <a:srgbClr val="000000"/>
+                </a:solidFill>
+                <a:latin typeface="Courier" charset="0"/>
+                <a:ea typeface="Courier" charset="0"/>
+                <a:cs typeface="Courier" charset="0"/>
+              </a:rPr>
+              <a:t>django.contrib.auth.models</a:t>
+            </a:r>
+            <a:r>
+              <a:rPr lang="en-US" sz="1400" dirty="0">
+                <a:solidFill>
+                  <a:srgbClr val="000000"/>
+                </a:solidFill>
+                <a:latin typeface="Courier" charset="0"/>
+                <a:ea typeface="Courier" charset="0"/>
+                <a:cs typeface="Courier" charset="0"/>
+              </a:rPr>
+              <a:t> </a:t>
+            </a:r>
+            <a:r>
+              <a:rPr lang="en-US" sz="1400" dirty="0">
+                <a:solidFill>
+                  <a:srgbClr val="C814C9"/>
+                </a:solidFill>
+                <a:latin typeface="Courier" charset="0"/>
+                <a:ea typeface="Courier" charset="0"/>
+                <a:cs typeface="Courier" charset="0"/>
+              </a:rPr>
+              <a:t>import</a:t>
+            </a:r>
+            <a:r>
+              <a:rPr lang="en-US" sz="1400" dirty="0">
+                <a:solidFill>
+                  <a:srgbClr val="000000"/>
+                </a:solidFill>
+                <a:latin typeface="Courier" charset="0"/>
+                <a:ea typeface="Courier" charset="0"/>
+                <a:cs typeface="Courier" charset="0"/>
+              </a:rPr>
+              <a:t> User</a:t>
+            </a:r>
+          </a:p>
+          <a:p>
+            <a:r>
+              <a:rPr lang="en-US" sz="1400" dirty="0">
+                <a:solidFill>
+                  <a:srgbClr val="C814C9"/>
+                </a:solidFill>
+                <a:latin typeface="Courier" charset="0"/>
+                <a:ea typeface="Courier" charset="0"/>
+                <a:cs typeface="Courier" charset="0"/>
+              </a:rPr>
+              <a:t>from</a:t>
+            </a:r>
+            <a:r>
+              <a:rPr lang="en-US" sz="1400" dirty="0">
+                <a:solidFill>
+                  <a:srgbClr val="000000"/>
+                </a:solidFill>
+                <a:latin typeface="Courier" charset="0"/>
+                <a:ea typeface="Courier" charset="0"/>
+                <a:cs typeface="Courier" charset="0"/>
+              </a:rPr>
+              <a:t> </a:t>
+            </a:r>
+            <a:r>
+              <a:rPr lang="en-US" sz="1400" dirty="0" err="1">
+                <a:solidFill>
+                  <a:srgbClr val="000000"/>
+                </a:solidFill>
+                <a:latin typeface="Courier" charset="0"/>
+                <a:ea typeface="Courier" charset="0"/>
+                <a:cs typeface="Courier" charset="0"/>
+              </a:rPr>
+              <a:t>django.conf</a:t>
+            </a:r>
+            <a:r>
+              <a:rPr lang="en-US" sz="1400" dirty="0">
+                <a:solidFill>
+                  <a:srgbClr val="000000"/>
+                </a:solidFill>
+                <a:latin typeface="Courier" charset="0"/>
+                <a:ea typeface="Courier" charset="0"/>
+                <a:cs typeface="Courier" charset="0"/>
+              </a:rPr>
+              <a:t> </a:t>
+            </a:r>
+            <a:r>
+              <a:rPr lang="en-US" sz="1400" dirty="0">
+                <a:solidFill>
+                  <a:srgbClr val="C814C9"/>
+                </a:solidFill>
+                <a:latin typeface="Courier" charset="0"/>
+                <a:ea typeface="Courier" charset="0"/>
+                <a:cs typeface="Courier" charset="0"/>
+              </a:rPr>
+              <a:t>import</a:t>
+            </a:r>
+            <a:r>
+              <a:rPr lang="en-US" sz="1400" dirty="0">
+                <a:solidFill>
+                  <a:srgbClr val="000000"/>
+                </a:solidFill>
+                <a:latin typeface="Courier" charset="0"/>
+                <a:ea typeface="Courier" charset="0"/>
+                <a:cs typeface="Courier" charset="0"/>
+              </a:rPr>
+              <a:t> settings</a:t>
+            </a:r>
+          </a:p>
+          <a:p>
+            <a:endParaRPr lang="en-US" sz="1400" dirty="0">
+              <a:solidFill>
+                <a:srgbClr val="000000"/>
+              </a:solidFill>
+              <a:latin typeface="Courier" charset="0"/>
+              <a:ea typeface="Courier" charset="0"/>
+              <a:cs typeface="Courier" charset="0"/>
+            </a:endParaRPr>
+          </a:p>
+          <a:p>
+            <a:r>
+              <a:rPr lang="en-US" sz="1400" dirty="0">
+                <a:solidFill>
+                  <a:srgbClr val="C1651C"/>
+                </a:solidFill>
+                <a:latin typeface="Courier" charset="0"/>
+                <a:ea typeface="Courier" charset="0"/>
+                <a:cs typeface="Courier" charset="0"/>
+              </a:rPr>
+              <a:t>class</a:t>
+            </a:r>
+            <a:r>
+              <a:rPr lang="en-US" sz="1400" dirty="0">
+                <a:solidFill>
+                  <a:srgbClr val="000000"/>
+                </a:solidFill>
+                <a:latin typeface="Courier" charset="0"/>
+                <a:ea typeface="Courier" charset="0"/>
+                <a:cs typeface="Courier" charset="0"/>
+              </a:rPr>
+              <a:t> </a:t>
+            </a:r>
+            <a:r>
+              <a:rPr lang="en-US" sz="1400" dirty="0">
+                <a:solidFill>
+                  <a:srgbClr val="2EAEBB"/>
+                </a:solidFill>
+                <a:latin typeface="Courier" charset="0"/>
+                <a:ea typeface="Courier" charset="0"/>
+                <a:cs typeface="Courier" charset="0"/>
+              </a:rPr>
+              <a:t>Article</a:t>
+            </a:r>
+            <a:r>
+              <a:rPr lang="en-US" sz="1400" dirty="0">
+                <a:solidFill>
+                  <a:srgbClr val="000000"/>
+                </a:solidFill>
+                <a:latin typeface="Courier" charset="0"/>
+                <a:ea typeface="Courier" charset="0"/>
+                <a:cs typeface="Courier" charset="0"/>
+              </a:rPr>
+              <a:t>(</a:t>
+            </a:r>
+            <a:r>
+              <a:rPr lang="en-US" sz="1400" dirty="0" err="1">
+                <a:solidFill>
+                  <a:srgbClr val="000000"/>
+                </a:solidFill>
+                <a:latin typeface="Courier" charset="0"/>
+                <a:ea typeface="Courier" charset="0"/>
+                <a:cs typeface="Courier" charset="0"/>
+              </a:rPr>
+              <a:t>models.Model</a:t>
+            </a:r>
+            <a:r>
+              <a:rPr lang="en-US" sz="1400" dirty="0">
+                <a:solidFill>
+                  <a:srgbClr val="000000"/>
+                </a:solidFill>
+                <a:latin typeface="Courier" charset="0"/>
+                <a:ea typeface="Courier" charset="0"/>
+                <a:cs typeface="Courier" charset="0"/>
+              </a:rPr>
+              <a:t>) :</a:t>
+            </a:r>
+          </a:p>
+          <a:p>
+            <a:r>
+              <a:rPr lang="en-US" sz="1400" dirty="0">
+                <a:solidFill>
+                  <a:srgbClr val="000000"/>
+                </a:solidFill>
+                <a:latin typeface="Courier" charset="0"/>
+                <a:ea typeface="Courier" charset="0"/>
+                <a:cs typeface="Courier" charset="0"/>
+              </a:rPr>
+              <a:t>    title = </a:t>
+            </a:r>
+            <a:r>
+              <a:rPr lang="en-US" sz="1400" dirty="0" smtClean="0">
+                <a:solidFill>
+                  <a:srgbClr val="000000"/>
+                </a:solidFill>
+                <a:latin typeface="Courier" charset="0"/>
+                <a:ea typeface="Courier" charset="0"/>
+                <a:cs typeface="Courier" charset="0"/>
+              </a:rPr>
+              <a:t>...</a:t>
+            </a:r>
+            <a:endParaRPr lang="mr-IN" sz="1400" dirty="0">
+              <a:solidFill>
+                <a:srgbClr val="000000"/>
+              </a:solidFill>
+              <a:latin typeface="Courier" charset="0"/>
+              <a:ea typeface="Courier" charset="0"/>
+              <a:cs typeface="Courier" charset="0"/>
+            </a:endParaRPr>
+          </a:p>
+          <a:p>
+            <a:r>
+              <a:rPr lang="en-US" sz="1400" dirty="0">
+                <a:solidFill>
+                  <a:srgbClr val="000000"/>
+                </a:solidFill>
+                <a:latin typeface="Courier" charset="0"/>
+                <a:ea typeface="Courier" charset="0"/>
+                <a:cs typeface="Courier" charset="0"/>
+              </a:rPr>
+              <a:t>    text = </a:t>
+            </a:r>
+            <a:r>
+              <a:rPr lang="en-US" sz="1400" dirty="0" err="1">
+                <a:solidFill>
+                  <a:srgbClr val="000000"/>
+                </a:solidFill>
+                <a:latin typeface="Courier" charset="0"/>
+                <a:ea typeface="Courier" charset="0"/>
+                <a:cs typeface="Courier" charset="0"/>
+              </a:rPr>
+              <a:t>models.TextField</a:t>
+            </a:r>
+            <a:r>
+              <a:rPr lang="en-US" sz="1400" dirty="0">
+                <a:solidFill>
+                  <a:srgbClr val="000000"/>
+                </a:solidFill>
+                <a:latin typeface="Courier" charset="0"/>
+                <a:ea typeface="Courier" charset="0"/>
+                <a:cs typeface="Courier" charset="0"/>
+              </a:rPr>
+              <a:t>()</a:t>
+            </a:r>
+          </a:p>
+          <a:p>
+            <a:r>
+              <a:rPr lang="en-US" sz="1400" dirty="0">
+                <a:solidFill>
+                  <a:srgbClr val="000000"/>
+                </a:solidFill>
+                <a:latin typeface="Courier" charset="0"/>
+                <a:ea typeface="Courier" charset="0"/>
+                <a:cs typeface="Courier" charset="0"/>
+              </a:rPr>
+              <a:t>    owner = </a:t>
+            </a:r>
+            <a:r>
+              <a:rPr lang="en-US" sz="1400" dirty="0" err="1">
+                <a:solidFill>
+                  <a:srgbClr val="000000"/>
+                </a:solidFill>
+                <a:latin typeface="Courier" charset="0"/>
+                <a:ea typeface="Courier" charset="0"/>
+                <a:cs typeface="Courier" charset="0"/>
+              </a:rPr>
+              <a:t>models.ForeignKey</a:t>
+            </a:r>
+            <a:r>
+              <a:rPr lang="en-US" sz="1400" dirty="0">
+                <a:solidFill>
+                  <a:srgbClr val="000000"/>
+                </a:solidFill>
+                <a:latin typeface="Courier" charset="0"/>
+                <a:ea typeface="Courier" charset="0"/>
+                <a:cs typeface="Courier" charset="0"/>
+              </a:rPr>
+              <a:t>(</a:t>
+            </a:r>
+            <a:r>
+              <a:rPr lang="en-US" sz="1400" dirty="0" err="1">
+                <a:solidFill>
+                  <a:srgbClr val="000000"/>
+                </a:solidFill>
+                <a:latin typeface="Courier" charset="0"/>
+                <a:ea typeface="Courier" charset="0"/>
+                <a:cs typeface="Courier" charset="0"/>
+              </a:rPr>
+              <a:t>settings.AUTH_USER_MODEL</a:t>
+            </a:r>
+            <a:r>
+              <a:rPr lang="en-US" sz="1400" dirty="0">
+                <a:solidFill>
+                  <a:srgbClr val="000000"/>
+                </a:solidFill>
+                <a:latin typeface="Courier" charset="0"/>
+                <a:ea typeface="Courier" charset="0"/>
+                <a:cs typeface="Courier" charset="0"/>
+              </a:rPr>
+              <a:t>, </a:t>
+            </a:r>
+            <a:r>
+              <a:rPr lang="en-US" sz="1400" dirty="0" err="1">
+                <a:solidFill>
+                  <a:srgbClr val="000000"/>
+                </a:solidFill>
+                <a:latin typeface="Courier" charset="0"/>
+                <a:ea typeface="Courier" charset="0"/>
+                <a:cs typeface="Courier" charset="0"/>
+              </a:rPr>
+              <a:t>on_delete</a:t>
+            </a:r>
+            <a:r>
+              <a:rPr lang="en-US" sz="1400" dirty="0">
+                <a:solidFill>
+                  <a:srgbClr val="000000"/>
+                </a:solidFill>
+                <a:latin typeface="Courier" charset="0"/>
+                <a:ea typeface="Courier" charset="0"/>
+                <a:cs typeface="Courier" charset="0"/>
+              </a:rPr>
+              <a:t>=</a:t>
+            </a:r>
+            <a:r>
+              <a:rPr lang="en-US" sz="1400" dirty="0" err="1">
+                <a:solidFill>
+                  <a:srgbClr val="000000"/>
+                </a:solidFill>
+                <a:latin typeface="Courier" charset="0"/>
+                <a:ea typeface="Courier" charset="0"/>
+                <a:cs typeface="Courier" charset="0"/>
+              </a:rPr>
+              <a:t>models.CASCADE</a:t>
+            </a:r>
+            <a:r>
+              <a:rPr lang="en-US" sz="1400" dirty="0">
+                <a:solidFill>
+                  <a:srgbClr val="000000"/>
+                </a:solidFill>
+                <a:latin typeface="Courier" charset="0"/>
+                <a:ea typeface="Courier" charset="0"/>
+                <a:cs typeface="Courier" charset="0"/>
+              </a:rPr>
+              <a:t>)</a:t>
+            </a:r>
+          </a:p>
+          <a:p>
+            <a:r>
+              <a:rPr lang="en-US" sz="1400" dirty="0">
+                <a:solidFill>
+                  <a:srgbClr val="000000"/>
+                </a:solidFill>
+                <a:latin typeface="Courier" charset="0"/>
+                <a:ea typeface="Courier" charset="0"/>
+                <a:cs typeface="Courier" charset="0"/>
+              </a:rPr>
+              <a:t>    </a:t>
+            </a:r>
+            <a:r>
+              <a:rPr lang="en-US" sz="1400" dirty="0" err="1">
+                <a:solidFill>
+                  <a:srgbClr val="000000"/>
+                </a:solidFill>
+                <a:latin typeface="Courier" charset="0"/>
+                <a:ea typeface="Courier" charset="0"/>
+                <a:cs typeface="Courier" charset="0"/>
+              </a:rPr>
+              <a:t>created_at</a:t>
+            </a:r>
+            <a:r>
+              <a:rPr lang="en-US" sz="1400" dirty="0">
+                <a:solidFill>
+                  <a:srgbClr val="000000"/>
+                </a:solidFill>
+                <a:latin typeface="Courier" charset="0"/>
+                <a:ea typeface="Courier" charset="0"/>
+                <a:cs typeface="Courier" charset="0"/>
+              </a:rPr>
+              <a:t> = </a:t>
+            </a:r>
+            <a:r>
+              <a:rPr lang="en-US" sz="1400" dirty="0" err="1">
+                <a:solidFill>
+                  <a:srgbClr val="000000"/>
+                </a:solidFill>
+                <a:latin typeface="Courier" charset="0"/>
+                <a:ea typeface="Courier" charset="0"/>
+                <a:cs typeface="Courier" charset="0"/>
+              </a:rPr>
+              <a:t>models.DateTimeField</a:t>
+            </a:r>
+            <a:r>
+              <a:rPr lang="en-US" sz="1400" dirty="0">
+                <a:solidFill>
+                  <a:srgbClr val="000000"/>
+                </a:solidFill>
+                <a:latin typeface="Courier" charset="0"/>
+                <a:ea typeface="Courier" charset="0"/>
+                <a:cs typeface="Courier" charset="0"/>
+              </a:rPr>
+              <a:t>(</a:t>
+            </a:r>
+            <a:r>
+              <a:rPr lang="en-US" sz="1400" dirty="0" err="1">
+                <a:solidFill>
+                  <a:srgbClr val="000000"/>
+                </a:solidFill>
+                <a:latin typeface="Courier" charset="0"/>
+                <a:ea typeface="Courier" charset="0"/>
+                <a:cs typeface="Courier" charset="0"/>
+              </a:rPr>
+              <a:t>auto_now_add</a:t>
+            </a:r>
+            <a:r>
+              <a:rPr lang="en-US" sz="1400" dirty="0">
+                <a:solidFill>
+                  <a:srgbClr val="000000"/>
+                </a:solidFill>
+                <a:latin typeface="Courier" charset="0"/>
+                <a:ea typeface="Courier" charset="0"/>
+                <a:cs typeface="Courier" charset="0"/>
+              </a:rPr>
+              <a:t>=</a:t>
+            </a:r>
+            <a:r>
+              <a:rPr lang="en-US" sz="1400" dirty="0">
+                <a:solidFill>
+                  <a:srgbClr val="2EAEBB"/>
+                </a:solidFill>
+                <a:latin typeface="Courier" charset="0"/>
+                <a:ea typeface="Courier" charset="0"/>
+                <a:cs typeface="Courier" charset="0"/>
+              </a:rPr>
+              <a:t>True</a:t>
+            </a:r>
+            <a:r>
+              <a:rPr lang="en-US" sz="1400" dirty="0">
+                <a:solidFill>
+                  <a:srgbClr val="000000"/>
+                </a:solidFill>
+                <a:latin typeface="Courier" charset="0"/>
+                <a:ea typeface="Courier" charset="0"/>
+                <a:cs typeface="Courier" charset="0"/>
+              </a:rPr>
+              <a:t>)</a:t>
+            </a:r>
+          </a:p>
+          <a:p>
+            <a:r>
+              <a:rPr lang="en-US" sz="1400" dirty="0">
+                <a:solidFill>
+                  <a:srgbClr val="000000"/>
+                </a:solidFill>
+                <a:latin typeface="Courier" charset="0"/>
+                <a:ea typeface="Courier" charset="0"/>
+                <a:cs typeface="Courier" charset="0"/>
+              </a:rPr>
+              <a:t>    </a:t>
+            </a:r>
+            <a:r>
+              <a:rPr lang="en-US" sz="1400" dirty="0" err="1">
+                <a:solidFill>
+                  <a:srgbClr val="000000"/>
+                </a:solidFill>
+                <a:latin typeface="Courier" charset="0"/>
+                <a:ea typeface="Courier" charset="0"/>
+                <a:cs typeface="Courier" charset="0"/>
+              </a:rPr>
+              <a:t>updated_at</a:t>
+            </a:r>
+            <a:r>
+              <a:rPr lang="en-US" sz="1400" dirty="0">
+                <a:solidFill>
+                  <a:srgbClr val="000000"/>
+                </a:solidFill>
+                <a:latin typeface="Courier" charset="0"/>
+                <a:ea typeface="Courier" charset="0"/>
+                <a:cs typeface="Courier" charset="0"/>
+              </a:rPr>
+              <a:t> = </a:t>
+            </a:r>
+            <a:r>
+              <a:rPr lang="en-US" sz="1400" dirty="0" err="1">
+                <a:solidFill>
+                  <a:srgbClr val="000000"/>
+                </a:solidFill>
+                <a:latin typeface="Courier" charset="0"/>
+                <a:ea typeface="Courier" charset="0"/>
+                <a:cs typeface="Courier" charset="0"/>
+              </a:rPr>
+              <a:t>models.DateTimeField</a:t>
+            </a:r>
+            <a:r>
+              <a:rPr lang="en-US" sz="1400" dirty="0">
+                <a:solidFill>
+                  <a:srgbClr val="000000"/>
+                </a:solidFill>
+                <a:latin typeface="Courier" charset="0"/>
+                <a:ea typeface="Courier" charset="0"/>
+                <a:cs typeface="Courier" charset="0"/>
+              </a:rPr>
+              <a:t>(</a:t>
+            </a:r>
+            <a:r>
+              <a:rPr lang="en-US" sz="1400" dirty="0" err="1">
+                <a:solidFill>
+                  <a:srgbClr val="000000"/>
+                </a:solidFill>
+                <a:latin typeface="Courier" charset="0"/>
+                <a:ea typeface="Courier" charset="0"/>
+                <a:cs typeface="Courier" charset="0"/>
+              </a:rPr>
+              <a:t>auto_now</a:t>
+            </a:r>
+            <a:r>
+              <a:rPr lang="en-US" sz="1400" dirty="0">
+                <a:solidFill>
+                  <a:srgbClr val="000000"/>
+                </a:solidFill>
+                <a:latin typeface="Courier" charset="0"/>
+                <a:ea typeface="Courier" charset="0"/>
+                <a:cs typeface="Courier" charset="0"/>
+              </a:rPr>
+              <a:t>=</a:t>
+            </a:r>
+            <a:r>
+              <a:rPr lang="en-US" sz="1400" dirty="0">
+                <a:solidFill>
+                  <a:srgbClr val="2EAEBB"/>
+                </a:solidFill>
+                <a:latin typeface="Courier" charset="0"/>
+                <a:ea typeface="Courier" charset="0"/>
+                <a:cs typeface="Courier" charset="0"/>
+              </a:rPr>
+              <a:t>True</a:t>
+            </a:r>
+            <a:r>
+              <a:rPr lang="en-US" sz="1400" dirty="0" smtClean="0">
+                <a:solidFill>
+                  <a:srgbClr val="000000"/>
+                </a:solidFill>
+                <a:latin typeface="Courier" charset="0"/>
+                <a:ea typeface="Courier" charset="0"/>
+                <a:cs typeface="Courier" charset="0"/>
+              </a:rPr>
+              <a:t>)</a:t>
+            </a:r>
+            <a:endParaRPr lang="en-US" sz="1400" dirty="0">
+              <a:solidFill>
+                <a:srgbClr val="000000"/>
+              </a:solidFill>
+              <a:latin typeface="Courier" charset="0"/>
+              <a:ea typeface="Courier" charset="0"/>
+              <a:cs typeface="Courier" charset="0"/>
+            </a:endParaRPr>
           </a:p>
         </p:txBody>
       </p:sp>
       <p:sp>
         <p:nvSpPr>
-          <p:cNvPr id="2" name="Content Placeholder 1"/>
-          <p:cNvSpPr>
-            <a:spLocks noGrp="1"/>
-          </p:cNvSpPr>
-          <p:nvPr>
-            <p:ph idx="1"/>
-          </p:nvPr>
+          <p:cNvPr id="3" name="Rectangle 2"/>
+          <p:cNvSpPr/>
+          <p:nvPr/>
         </p:nvSpPr>
-        <p:spPr/>
+        <p:spPr>
+          <a:xfrm>
+            <a:off x="604825" y="546167"/>
+            <a:ext cx="3215432" cy="369332"/>
+          </a:xfrm>
+          <a:prstGeom prst="rect">
+            <a:avLst/>
+          </a:prstGeom>
+        </p:spPr>
         <p:txBody>
-          <a:bodyPr/>
+          <a:bodyPr wrap="none">
+            <a:spAutoFit/>
+          </a:bodyPr>
           <a:lstStyle/>
           <a:p>
             <a:r>
-              <a:rPr lang="en-US" dirty="0" smtClean="0"/>
-              <a:t>We can extend the generic edit views to support an owner field in our model that is automatically populated</a:t>
-            </a:r>
-          </a:p>
-          <a:p>
-            <a:r>
-              <a:rPr lang="en-US" dirty="0" smtClean="0"/>
-              <a:t>By understanding and using Django in a a proper object oriented manner our code can be very simple and minimize repetition for common features</a:t>
-            </a:r>
-          </a:p>
-          <a:p>
-            <a:r>
-              <a:rPr lang="en-US" dirty="0" smtClean="0"/>
-              <a:t>Avoids filling views </a:t>
-            </a:r>
-            <a:r>
-              <a:rPr lang="en-US" smtClean="0"/>
-              <a:t>with boilerplate as the views get more complex</a:t>
-            </a:r>
-            <a:endParaRPr lang="en-US" dirty="0"/>
+              <a:rPr lang="en-US" dirty="0" smtClean="0">
+                <a:solidFill>
+                  <a:srgbClr val="FFFF00"/>
+                </a:solidFill>
+              </a:rPr>
+              <a:t>dj4e-samples/</a:t>
+            </a:r>
+            <a:r>
+              <a:rPr lang="en-US" dirty="0" err="1" smtClean="0">
+                <a:solidFill>
+                  <a:srgbClr val="FFFF00"/>
+                </a:solidFill>
+              </a:rPr>
+              <a:t>myarts</a:t>
+            </a:r>
+            <a:r>
+              <a:rPr lang="en-US" dirty="0" smtClean="0">
+                <a:solidFill>
+                  <a:srgbClr val="FFFF00"/>
+                </a:solidFill>
+              </a:rPr>
+              <a:t>/</a:t>
+            </a:r>
+            <a:r>
+              <a:rPr lang="en-US" dirty="0" err="1" smtClean="0">
+                <a:solidFill>
+                  <a:srgbClr val="FFFF00"/>
+                </a:solidFill>
+              </a:rPr>
+              <a:t>models.py</a:t>
+            </a:r>
+            <a:endParaRPr lang="en-US" dirty="0">
+              <a:solidFill>
+                <a:srgbClr val="FFFF00"/>
+              </a:solidFill>
+              <a:effectLst/>
+            </a:endParaRPr>
+          </a:p>
+        </p:txBody>
+      </p:sp>
+      <p:sp>
+        <p:nvSpPr>
+          <p:cNvPr id="6" name="Rectangle 5"/>
+          <p:cNvSpPr/>
+          <p:nvPr/>
+        </p:nvSpPr>
+        <p:spPr>
+          <a:xfrm>
+            <a:off x="651975" y="4173052"/>
+            <a:ext cx="10292250" cy="1384995"/>
+          </a:xfrm>
+          <a:prstGeom prst="rect">
+            <a:avLst/>
+          </a:prstGeom>
+          <a:solidFill>
+            <a:schemeClr val="tx1"/>
+          </a:solidFill>
+        </p:spPr>
+        <p:txBody>
+          <a:bodyPr wrap="square">
+            <a:spAutoFit/>
+          </a:bodyPr>
+          <a:lstStyle/>
+          <a:p>
+            <a:r>
+              <a:rPr lang="en-US" sz="1400" dirty="0">
+                <a:solidFill>
+                  <a:srgbClr val="C814C9"/>
+                </a:solidFill>
+                <a:latin typeface="Courier" charset="0"/>
+                <a:ea typeface="Courier" charset="0"/>
+                <a:cs typeface="Courier" charset="0"/>
+              </a:rPr>
+              <a:t>from</a:t>
+            </a:r>
+            <a:r>
+              <a:rPr lang="en-US" sz="1400" dirty="0">
+                <a:solidFill>
+                  <a:srgbClr val="000000"/>
+                </a:solidFill>
+                <a:latin typeface="Courier" charset="0"/>
+                <a:ea typeface="Courier" charset="0"/>
+                <a:cs typeface="Courier" charset="0"/>
+              </a:rPr>
+              <a:t> </a:t>
+            </a:r>
+            <a:r>
+              <a:rPr lang="en-US" sz="1400" dirty="0" err="1">
+                <a:solidFill>
+                  <a:srgbClr val="000000"/>
+                </a:solidFill>
+                <a:latin typeface="Courier" charset="0"/>
+                <a:ea typeface="Courier" charset="0"/>
+                <a:cs typeface="Courier" charset="0"/>
+              </a:rPr>
+              <a:t>myarts.models</a:t>
+            </a:r>
+            <a:r>
+              <a:rPr lang="en-US" sz="1400" dirty="0">
+                <a:solidFill>
+                  <a:srgbClr val="000000"/>
+                </a:solidFill>
+                <a:latin typeface="Courier" charset="0"/>
+                <a:ea typeface="Courier" charset="0"/>
+                <a:cs typeface="Courier" charset="0"/>
+              </a:rPr>
+              <a:t> </a:t>
+            </a:r>
+            <a:r>
+              <a:rPr lang="en-US" sz="1400" dirty="0">
+                <a:solidFill>
+                  <a:srgbClr val="C814C9"/>
+                </a:solidFill>
+                <a:latin typeface="Courier" charset="0"/>
+                <a:ea typeface="Courier" charset="0"/>
+                <a:cs typeface="Courier" charset="0"/>
+              </a:rPr>
+              <a:t>import</a:t>
+            </a:r>
+            <a:r>
+              <a:rPr lang="en-US" sz="1400" dirty="0">
+                <a:solidFill>
+                  <a:srgbClr val="000000"/>
+                </a:solidFill>
+                <a:latin typeface="Courier" charset="0"/>
+                <a:ea typeface="Courier" charset="0"/>
+                <a:cs typeface="Courier" charset="0"/>
+              </a:rPr>
+              <a:t> Article</a:t>
+            </a:r>
+          </a:p>
+          <a:p>
+            <a:r>
+              <a:rPr lang="en-US" sz="1400" dirty="0">
+                <a:solidFill>
+                  <a:srgbClr val="C814C9"/>
+                </a:solidFill>
+                <a:latin typeface="Courier" charset="0"/>
+                <a:ea typeface="Courier" charset="0"/>
+                <a:cs typeface="Courier" charset="0"/>
+              </a:rPr>
+              <a:t>from</a:t>
+            </a:r>
+            <a:r>
+              <a:rPr lang="en-US" sz="1400" dirty="0">
+                <a:solidFill>
+                  <a:srgbClr val="000000"/>
+                </a:solidFill>
+                <a:latin typeface="Courier" charset="0"/>
+                <a:ea typeface="Courier" charset="0"/>
+                <a:cs typeface="Courier" charset="0"/>
+              </a:rPr>
+              <a:t> </a:t>
+            </a:r>
+            <a:r>
+              <a:rPr lang="en-US" sz="1400" dirty="0" err="1">
+                <a:solidFill>
+                  <a:srgbClr val="000000"/>
+                </a:solidFill>
+                <a:latin typeface="Courier" charset="0"/>
+                <a:ea typeface="Courier" charset="0"/>
+                <a:cs typeface="Courier" charset="0"/>
+              </a:rPr>
+              <a:t>myarts.owner</a:t>
+            </a:r>
+            <a:r>
+              <a:rPr lang="en-US" sz="1400" dirty="0">
+                <a:solidFill>
+                  <a:srgbClr val="000000"/>
+                </a:solidFill>
+                <a:latin typeface="Courier" charset="0"/>
+                <a:ea typeface="Courier" charset="0"/>
+                <a:cs typeface="Courier" charset="0"/>
+              </a:rPr>
+              <a:t> </a:t>
+            </a:r>
+            <a:r>
+              <a:rPr lang="en-US" sz="1400" dirty="0">
+                <a:solidFill>
+                  <a:srgbClr val="C814C9"/>
+                </a:solidFill>
+                <a:latin typeface="Courier" charset="0"/>
+                <a:ea typeface="Courier" charset="0"/>
+                <a:cs typeface="Courier" charset="0"/>
+              </a:rPr>
+              <a:t>import</a:t>
+            </a:r>
+            <a:r>
+              <a:rPr lang="en-US" sz="1400" dirty="0">
+                <a:solidFill>
+                  <a:srgbClr val="000000"/>
+                </a:solidFill>
+                <a:latin typeface="Courier" charset="0"/>
+                <a:ea typeface="Courier" charset="0"/>
+                <a:cs typeface="Courier" charset="0"/>
+              </a:rPr>
+              <a:t> </a:t>
+            </a:r>
+            <a:r>
+              <a:rPr lang="en-US" sz="1400" dirty="0" err="1" smtClean="0">
+                <a:solidFill>
+                  <a:srgbClr val="000000"/>
+                </a:solidFill>
+                <a:latin typeface="Courier" charset="0"/>
+                <a:ea typeface="Courier" charset="0"/>
+                <a:cs typeface="Courier" charset="0"/>
+              </a:rPr>
+              <a:t>OwnerDeleteView</a:t>
+            </a:r>
+            <a:endParaRPr lang="en-US" sz="1400" dirty="0" smtClean="0">
+              <a:solidFill>
+                <a:srgbClr val="000000"/>
+              </a:solidFill>
+              <a:latin typeface="Courier" charset="0"/>
+              <a:ea typeface="Courier" charset="0"/>
+              <a:cs typeface="Courier" charset="0"/>
+            </a:endParaRPr>
+          </a:p>
+          <a:p>
+            <a:endParaRPr lang="en-US" sz="1400" dirty="0">
+              <a:solidFill>
+                <a:srgbClr val="000000"/>
+              </a:solidFill>
+              <a:latin typeface="Courier" charset="0"/>
+              <a:ea typeface="Courier" charset="0"/>
+              <a:cs typeface="Courier" charset="0"/>
+            </a:endParaRPr>
+          </a:p>
+          <a:p>
+            <a:r>
+              <a:rPr lang="en-US" sz="1400" dirty="0">
+                <a:solidFill>
+                  <a:srgbClr val="C1651C"/>
+                </a:solidFill>
+                <a:latin typeface="Courier" charset="0"/>
+                <a:ea typeface="Courier" charset="0"/>
+                <a:cs typeface="Courier" charset="0"/>
+              </a:rPr>
+              <a:t>class</a:t>
+            </a:r>
+            <a:r>
+              <a:rPr lang="en-US" sz="1400" dirty="0">
+                <a:solidFill>
+                  <a:srgbClr val="000000"/>
+                </a:solidFill>
+                <a:latin typeface="Courier" charset="0"/>
+                <a:ea typeface="Courier" charset="0"/>
+                <a:cs typeface="Courier" charset="0"/>
+              </a:rPr>
+              <a:t> </a:t>
+            </a:r>
+            <a:r>
+              <a:rPr lang="en-US" sz="1400" dirty="0" err="1" smtClean="0">
+                <a:solidFill>
+                  <a:srgbClr val="2EAEBB"/>
+                </a:solidFill>
+                <a:latin typeface="Courier" charset="0"/>
+                <a:ea typeface="Courier" charset="0"/>
+                <a:cs typeface="Courier" charset="0"/>
+              </a:rPr>
+              <a:t>ArticleDeleteView</a:t>
+            </a:r>
+            <a:r>
+              <a:rPr lang="en-US" sz="1400" dirty="0" smtClean="0">
+                <a:solidFill>
+                  <a:srgbClr val="000000"/>
+                </a:solidFill>
+                <a:latin typeface="Courier" charset="0"/>
+                <a:ea typeface="Courier" charset="0"/>
+                <a:cs typeface="Courier" charset="0"/>
+              </a:rPr>
+              <a:t>(</a:t>
+            </a:r>
+            <a:r>
+              <a:rPr lang="en-US" sz="1400" dirty="0" err="1" smtClean="0">
+                <a:solidFill>
+                  <a:srgbClr val="000000"/>
+                </a:solidFill>
+                <a:latin typeface="Courier" charset="0"/>
+                <a:ea typeface="Courier" charset="0"/>
+                <a:cs typeface="Courier" charset="0"/>
+              </a:rPr>
+              <a:t>OwnerDeleteView</a:t>
+            </a:r>
+            <a:r>
+              <a:rPr lang="en-US" sz="1400" dirty="0" smtClean="0">
+                <a:solidFill>
+                  <a:srgbClr val="000000"/>
+                </a:solidFill>
+                <a:latin typeface="Courier" charset="0"/>
+                <a:ea typeface="Courier" charset="0"/>
+                <a:cs typeface="Courier" charset="0"/>
+              </a:rPr>
+              <a:t>):</a:t>
+            </a:r>
+          </a:p>
+          <a:p>
+            <a:r>
+              <a:rPr lang="en-US" sz="1400" dirty="0" smtClean="0">
+                <a:solidFill>
+                  <a:srgbClr val="0500FF"/>
+                </a:solidFill>
+                <a:latin typeface="Courier" charset="0"/>
+                <a:ea typeface="Courier" charset="0"/>
+                <a:cs typeface="Courier" charset="0"/>
+              </a:rPr>
+              <a:t>    # By convention, template='</a:t>
+            </a:r>
+            <a:r>
+              <a:rPr lang="en-US" sz="1400" dirty="0" err="1" smtClean="0">
+                <a:solidFill>
+                  <a:srgbClr val="0500FF"/>
+                </a:solidFill>
+                <a:latin typeface="Courier" charset="0"/>
+                <a:ea typeface="Courier" charset="0"/>
+                <a:cs typeface="Courier" charset="0"/>
+              </a:rPr>
+              <a:t>myarts</a:t>
+            </a:r>
+            <a:r>
+              <a:rPr lang="en-US" sz="1400" dirty="0" smtClean="0">
+                <a:solidFill>
+                  <a:srgbClr val="0500FF"/>
+                </a:solidFill>
+                <a:latin typeface="Courier" charset="0"/>
+                <a:ea typeface="Courier" charset="0"/>
+                <a:cs typeface="Courier" charset="0"/>
+              </a:rPr>
+              <a:t>/</a:t>
+            </a:r>
+            <a:r>
+              <a:rPr lang="en-US" sz="1400" dirty="0" err="1" smtClean="0">
+                <a:solidFill>
+                  <a:srgbClr val="0500FF"/>
+                </a:solidFill>
+                <a:latin typeface="Courier" charset="0"/>
+                <a:ea typeface="Courier" charset="0"/>
+                <a:cs typeface="Courier" charset="0"/>
+              </a:rPr>
+              <a:t>article_confirm_delete.html</a:t>
+            </a:r>
+            <a:r>
+              <a:rPr lang="en-US" sz="1400" dirty="0" smtClean="0">
+                <a:solidFill>
+                  <a:srgbClr val="0500FF"/>
+                </a:solidFill>
+                <a:latin typeface="Courier" charset="0"/>
+                <a:ea typeface="Courier" charset="0"/>
+                <a:cs typeface="Courier" charset="0"/>
+              </a:rPr>
+              <a:t>'</a:t>
+            </a:r>
+          </a:p>
+          <a:p>
+            <a:r>
+              <a:rPr lang="en-US" sz="1400" dirty="0" smtClean="0">
+                <a:solidFill>
+                  <a:srgbClr val="000000"/>
+                </a:solidFill>
+                <a:latin typeface="Courier" charset="0"/>
+                <a:ea typeface="Courier" charset="0"/>
+                <a:cs typeface="Courier" charset="0"/>
+              </a:rPr>
+              <a:t>    </a:t>
+            </a:r>
+            <a:r>
+              <a:rPr lang="en-US" sz="1400" dirty="0">
+                <a:solidFill>
+                  <a:srgbClr val="000000"/>
+                </a:solidFill>
+                <a:latin typeface="Courier" charset="0"/>
+                <a:ea typeface="Courier" charset="0"/>
+                <a:cs typeface="Courier" charset="0"/>
+              </a:rPr>
+              <a:t>model = Article</a:t>
+            </a:r>
+            <a:endParaRPr lang="en-US" sz="1400" dirty="0" smtClean="0">
+              <a:solidFill>
+                <a:srgbClr val="000000"/>
+              </a:solidFill>
+              <a:latin typeface="Courier" charset="0"/>
+              <a:ea typeface="Courier" charset="0"/>
+              <a:cs typeface="Courier" charset="0"/>
+            </a:endParaRPr>
+          </a:p>
+        </p:txBody>
+      </p:sp>
+      <p:sp>
+        <p:nvSpPr>
+          <p:cNvPr id="7" name="Rectangle 6"/>
+          <p:cNvSpPr/>
+          <p:nvPr/>
+        </p:nvSpPr>
+        <p:spPr>
+          <a:xfrm>
+            <a:off x="651975" y="3717992"/>
+            <a:ext cx="3053978" cy="369332"/>
+          </a:xfrm>
+          <a:prstGeom prst="rect">
+            <a:avLst/>
+          </a:prstGeom>
+        </p:spPr>
+        <p:txBody>
+          <a:bodyPr wrap="none">
+            <a:spAutoFit/>
+          </a:bodyPr>
+          <a:lstStyle/>
+          <a:p>
+            <a:r>
+              <a:rPr lang="en-US" dirty="0" smtClean="0">
+                <a:solidFill>
+                  <a:srgbClr val="FFFF00"/>
+                </a:solidFill>
+              </a:rPr>
+              <a:t>dj4e-samples/</a:t>
+            </a:r>
+            <a:r>
+              <a:rPr lang="en-US" dirty="0" err="1" smtClean="0">
+                <a:solidFill>
+                  <a:srgbClr val="FFFF00"/>
+                </a:solidFill>
+              </a:rPr>
+              <a:t>myarts</a:t>
+            </a:r>
+            <a:r>
+              <a:rPr lang="en-US" dirty="0" smtClean="0">
+                <a:solidFill>
+                  <a:srgbClr val="FFFF00"/>
+                </a:solidFill>
+              </a:rPr>
+              <a:t>/</a:t>
+            </a:r>
+            <a:r>
+              <a:rPr lang="en-US" dirty="0" err="1" smtClean="0">
+                <a:solidFill>
+                  <a:srgbClr val="FFFF00"/>
+                </a:solidFill>
+              </a:rPr>
+              <a:t>views.py</a:t>
+            </a:r>
+            <a:endParaRPr lang="en-US" dirty="0">
+              <a:solidFill>
+                <a:srgbClr val="FFFF00"/>
+              </a:solidFill>
+              <a:effectLst/>
+            </a:endParaRPr>
           </a:p>
         </p:txBody>
       </p:sp>
     </p:spTree>
     <p:extLst>
       <p:ext uri="{BB962C8B-B14F-4D97-AF65-F5344CB8AC3E}">
-        <p14:creationId xmlns:p14="http://schemas.microsoft.com/office/powerpoint/2010/main" val="665309830"/>
+        <p14:creationId xmlns:p14="http://schemas.microsoft.com/office/powerpoint/2010/main" val="1219187775"/>
       </p:ext>
     </p:extLst>
   </p:cSld>
@@ -17905,6 +17700,111 @@
       </p:grpSpPr>
       <p:sp>
         <p:nvSpPr>
+          <p:cNvPr id="27649" name="Rectangle 1"/>
+          <p:cNvSpPr>
+            <a:spLocks noGrp="1" noChangeArrowheads="1"/>
+          </p:cNvSpPr>
+          <p:nvPr>
+            <p:ph type="title"/>
+          </p:nvPr>
+        </p:nvSpPr>
+        <p:spPr/>
+        <p:txBody>
+          <a:bodyPr/>
+          <a:lstStyle/>
+          <a:p>
+            <a:pPr eaLnBrk="1" hangingPunct="1">
+              <a:defRPr/>
+            </a:pPr>
+            <a:r>
+              <a:rPr lang="en-US" altLang="x-none" dirty="0">
+                <a:solidFill>
+                  <a:srgbClr val="FFFF00"/>
+                </a:solidFill>
+              </a:rPr>
+              <a:t>Summary</a:t>
+            </a:r>
+          </a:p>
+        </p:txBody>
+      </p:sp>
+      <p:sp>
+        <p:nvSpPr>
+          <p:cNvPr id="2" name="Content Placeholder 1"/>
+          <p:cNvSpPr>
+            <a:spLocks noGrp="1"/>
+          </p:cNvSpPr>
+          <p:nvPr>
+            <p:ph idx="1"/>
+          </p:nvPr>
+        </p:nvSpPr>
+        <p:spPr/>
+        <p:txBody>
+          <a:bodyPr/>
+          <a:lstStyle/>
+          <a:p>
+            <a:r>
+              <a:rPr lang="en-US" dirty="0" smtClean="0"/>
+              <a:t>We can extend the generic edit views to support an owner field in our model that is automatically populated</a:t>
+            </a:r>
+          </a:p>
+          <a:p>
+            <a:r>
+              <a:rPr lang="en-US" dirty="0" smtClean="0"/>
+              <a:t>By understanding and using Django in a a proper object oriented manner our code can be very simple and minimize repetition for common features</a:t>
+            </a:r>
+          </a:p>
+          <a:p>
+            <a:r>
+              <a:rPr lang="en-US" dirty="0" smtClean="0"/>
+              <a:t>Avoids filling views </a:t>
+            </a:r>
+            <a:r>
+              <a:rPr lang="en-US" smtClean="0"/>
+              <a:t>with boilerplate as the views get more complex</a:t>
+            </a:r>
+            <a:endParaRPr lang="en-US" dirty="0"/>
+          </a:p>
+        </p:txBody>
+      </p:sp>
+    </p:spTree>
+    <p:extLst>
+      <p:ext uri="{BB962C8B-B14F-4D97-AF65-F5344CB8AC3E}">
+        <p14:creationId xmlns:p14="http://schemas.microsoft.com/office/powerpoint/2010/main" val="665309830"/>
+      </p:ext>
+    </p:extLst>
+  </p:cSld>
+  <p:clrMapOvr>
+    <a:masterClrMapping/>
+  </p:clrMapOvr>
+  <p:timing>
+    <p:tnLst>
+      <p:par>
+        <p:cTn id="1" dur="indefinite" restart="never" nodeType="tmRoot"/>
+      </p:par>
+    </p:tnLst>
+  </p:timing>
+</p:sld>
+</file>
+
+<file path=ppt/slides/slide22.xml><?xml version="1.0" encoding="utf-8"?>
+<p:sld xmlns:a="http://schemas.openxmlformats.org/drawingml/2006/main" xmlns:r="http://schemas.openxmlformats.org/officeDocument/2006/relationships" xmlns:p="http://schemas.openxmlformats.org/presentationml/2006/main">
+  <p:cSld>
+    <p:spTree>
+      <p:nvGrpSpPr>
+        <p:cNvPr id="1" name=""/>
+        <p:cNvGrpSpPr/>
+        <p:nvPr/>
+      </p:nvGrpSpPr>
+      <p:grpSpPr>
+        <a:xfrm>
+          <a:off x="0" y="0"/>
+          <a:ext cx="0" cy="0"/>
+          <a:chOff x="0" y="0"/>
+          <a:chExt cx="0" cy="0"/>
+        </a:xfrm>
+      </p:grpSpPr>
+      <p:sp>
+        <p:nvSpPr>
           <p:cNvPr id="4" name="Title 3"/>
           <p:cNvSpPr>
             <a:spLocks noGrp="1"/>
@@ -18074,7 +17974,23 @@
                   <a:schemeClr val="tx1"/>
                 </a:solidFill>
               </a:rPr>
-              <a:t>These slides are Copyright 2019-  Charles R. Severance (</a:t>
+              <a:t>These slides are Copyright </a:t>
+            </a:r>
+            <a:r>
+              <a:rPr lang="en-US" altLang="x-none" sz="1400" dirty="0" smtClean="0">
+                <a:solidFill>
+                  <a:schemeClr val="tx1"/>
+                </a:solidFill>
+              </a:rPr>
+              <a:t>2020-  </a:t>
+            </a:r>
+            <a:r>
+              <a:rPr lang="en-US" altLang="x-none" sz="1400" dirty="0">
+                <a:solidFill>
+                  <a:schemeClr val="tx1"/>
+                </a:solidFill>
+              </a:rPr>
+              <a:t>Charles R. Severance (</a:t>
             </a:r>
             <a:r>
               <a:rPr lang="en-US" altLang="x-none" sz="1400" dirty="0" err="1">
@@ -18109,7 +18025,47 @@
                   <a:schemeClr val="tx1"/>
                 </a:solidFill>
               </a:rPr>
-              <a:t>Initial Development: Charles Severance, University of Michigan School of Information</a:t>
+              <a:t>Initial Development</a:t>
+            </a:r>
+            <a:r>
+              <a:rPr lang="en-US" altLang="x-none" sz="1400">
+                <a:solidFill>
+                  <a:schemeClr val="tx1"/>
+                </a:solidFill>
+              </a:rPr>
+              <a:t>: </a:t>
+            </a:r>
+            <a:r>
+              <a:rPr lang="en-US" altLang="x-none" sz="1400" smtClean="0">
+                <a:solidFill>
+                  <a:schemeClr val="tx1"/>
+                </a:solidFill>
+              </a:rPr>
+              <a:t>Dr. Charles </a:t>
+            </a:r>
+            <a:r>
+              <a:rPr lang="en-US" altLang="x-none" sz="1400" smtClean="0">
+                <a:solidFill>
+                  <a:schemeClr val="tx1"/>
+                </a:solidFill>
+              </a:rPr>
+              <a:t>R. </a:t>
+            </a:r>
+            <a:r>
+              <a:rPr lang="en-US" altLang="x-none" sz="1400" dirty="0" smtClean="0">
+                <a:solidFill>
+                  <a:schemeClr val="tx1"/>
+                </a:solidFill>
+              </a:rPr>
+              <a:t>Severance</a:t>
+            </a:r>
+            <a:r>
+              <a:rPr lang="en-US" altLang="x-none" sz="1400" dirty="0">
+                <a:solidFill>
+                  <a:schemeClr val="tx1"/>
+                </a:solidFill>
+              </a:rPr>
+              <a:t>, University of Michigan School of Information</a:t>
             </a:r>
           </a:p>
           <a:p>
@@ -18641,7 +18597,7 @@
 </p:sld>
 </file>
 
-<file path=ppt/slides/slide22.xml><?xml version="1.0" encoding="utf-8"?>
+<file path=ppt/slides/slide23.xml><?xml version="1.0" encoding="utf-8"?>
 <p:sld xmlns:a="http://schemas.openxmlformats.org/drawingml/2006/main" xmlns:r="http://schemas.openxmlformats.org/officeDocument/2006/relationships" xmlns:p="http://schemas.openxmlformats.org/presentationml/2006/main">
   <p:cSld>
     <p:spTree>
@@ -23542,7 +23498,7 @@
             <a:pPr algn="ctr"/>
             <a:r>
               <a:rPr lang="en-US" dirty="0" err="1" smtClean="0"/>
-              <a:t>myarts.owner.ListView</a:t>
+              <a:t>myarts.owner.OwnerListView</a:t>
             </a:r>
             <a:endParaRPr lang="en-US" dirty="0"/>
           </a:p>
@@ -23759,16 +23715,7 @@
                 </a:solidFill>
                 <a:sym typeface="Cabin"/>
               </a:rPr>
-              <a:t> </a:t>
-            </a:r>
-            <a:r>
-              <a:rPr lang="en-US" sz="6267" dirty="0" smtClean="0">
-                <a:solidFill>
-                  <a:srgbClr val="FFD966"/>
-                </a:solidFill>
-                <a:sym typeface="Cabin"/>
-              </a:rPr>
-              <a:t>(Review)</a:t>
+              <a:t> (Review)</a:t>
             </a:r>
             <a:endParaRPr lang="en" sz="6267" dirty="0">
               <a:solidFill>
@@ -24208,14 +24155,14 @@
           </a:ln>
           <a:extLst>
             <a:ext uri="{909E8E84-426E-40dd-AFC4-6F175D3DCCD1}">
-              <a14:hiddenFill xmlns="" xmlns:a14="http://schemas.microsoft.com/office/drawing/2010/main">
+              <a14:hiddenFill xmlns:a14="http://schemas.microsoft.com/office/drawing/2010/main" xmlns="">
                 <a:solidFill>
                   <a:srgbClr val="FFFFFF"/>
                 </a:solidFill>
               </a14:hiddenFill>
             </a:ext>
             <a:ext uri="{91240B29-F687-4f45-9708-019B960494DF}">
-              <a14:hiddenLine xmlns="" xmlns:a14="http://schemas.microsoft.com/office/drawing/2010/main" w="9525">
+              <a14:hiddenLine xmlns:a14="http://schemas.microsoft.com/office/drawing/2010/main" xmlns="" w="9525">
                 <a:solidFill>
                   <a:srgbClr val="000000"/>
                 </a:solidFill>
@@ -24248,6 +24195,89 @@
 </file>
 
 <file path=ppt/slides/slide8.xml><?xml version="1.0" encoding="utf-8"?>
+<p:sld xmlns:a="http://schemas.openxmlformats.org/drawingml/2006/main" xmlns:r="http://schemas.openxmlformats.org/officeDocument/2006/relationships" xmlns:p="http://schemas.openxmlformats.org/presentationml/2006/main">
+  <p:cSld>
+    <p:spTree>
+      <p:nvGrpSpPr>
+        <p:cNvPr id="1" name=""/>
+        <p:cNvGrpSpPr/>
+        <p:nvPr/>
+      </p:nvGrpSpPr>
+      <p:grpSpPr>
+        <a:xfrm>
+          <a:off x="0" y="0"/>
+          <a:ext cx="0" cy="0"/>
+          <a:chOff x="0" y="0"/>
+          <a:chExt cx="0" cy="0"/>
+        </a:xfrm>
+      </p:grpSpPr>
+      <p:sp>
+        <p:nvSpPr>
+          <p:cNvPr id="3" name="Title 2"/>
+          <p:cNvSpPr>
+            <a:spLocks noGrp="1"/>
+          </p:cNvSpPr>
+          <p:nvPr>
+            <p:ph type="title"/>
+          </p:nvPr>
+        </p:nvSpPr>
+        <p:spPr/>
+        <p:txBody>
+          <a:bodyPr/>
+          <a:lstStyle/>
+          <a:p>
+            <a:r>
+              <a:rPr lang="en-US" dirty="0" smtClean="0"/>
+              <a:t>Inside a Generic Edit View</a:t>
+            </a:r>
+            <a:endParaRPr lang="en-US" dirty="0"/>
+          </a:p>
+        </p:txBody>
+      </p:sp>
+      <p:sp>
+        <p:nvSpPr>
+          <p:cNvPr id="4" name="Text Placeholder 3"/>
+          <p:cNvSpPr>
+            <a:spLocks noGrp="1"/>
+          </p:cNvSpPr>
+          <p:nvPr>
+            <p:ph type="body" idx="1"/>
+          </p:nvPr>
+        </p:nvSpPr>
+        <p:spPr/>
+        <p:txBody>
+          <a:bodyPr/>
+          <a:lstStyle/>
+          <a:p>
+            <a:r>
+              <a:rPr lang="en-US" dirty="0" smtClean="0"/>
+              <a:t>(review)</a:t>
+            </a:r>
+            <a:endParaRPr lang="en-US" dirty="0"/>
+          </a:p>
+        </p:txBody>
+      </p:sp>
+    </p:spTree>
+    <p:extLst>
+      <p:ext uri="{BB962C8B-B14F-4D97-AF65-F5344CB8AC3E}">
+        <p14:creationId xmlns:p14="http://schemas.microsoft.com/office/powerpoint/2010/main" val="1764865360"/>
+      </p:ext>
+    </p:extLst>
+  </p:cSld>
+  <p:clrMapOvr>
+    <a:masterClrMapping/>
+  </p:clrMapOvr>
+  <p:timing>
+    <p:tnLst>
+      <p:par>
+        <p:cTn id="1" dur="indefinite" restart="never" nodeType="tmRoot"/>
+      </p:par>
+    </p:tnLst>
+  </p:timing>
+</p:sld>
+</file>
+
+<file path=ppt/slides/slide9.xml><?xml version="1.0" encoding="utf-8"?>
 <p:sld xmlns:a="http://schemas.openxmlformats.org/drawingml/2006/main" xmlns:r="http://schemas.openxmlformats.org/officeDocument/2006/relationships" xmlns:p="http://schemas.openxmlformats.org/presentationml/2006/main">
   <p:cSld>
     <p:spTree>
@@ -25909,405 +25939,6 @@
     <p:extLst>
       <p:ext uri="{BB962C8B-B14F-4D97-AF65-F5344CB8AC3E}">
         <p14:creationId xmlns:p14="http://schemas.microsoft.com/office/powerpoint/2010/main" val="1984021909"/>
-      </p:ext>
-    </p:extLst>
-  </p:cSld>
-  <p:clrMapOvr>
-    <a:masterClrMapping/>
-  </p:clrMapOvr>
-  <p:timing>
-    <p:tnLst>
-      <p:par>
-        <p:cTn id="1" dur="indefinite" restart="never" nodeType="tmRoot"/>
-      </p:par>
-    </p:tnLst>
-  </p:timing>
-</p:sld>
-</file>
-
-<file path=ppt/slides/slide9.xml><?xml version="1.0" encoding="utf-8"?>
-<p:sld xmlns:a="http://schemas.openxmlformats.org/drawingml/2006/main" xmlns:r="http://schemas.openxmlformats.org/officeDocument/2006/relationships" xmlns:p="http://schemas.openxmlformats.org/presentationml/2006/main">
-  <p:cSld>
-    <p:spTree>
-      <p:nvGrpSpPr>
-        <p:cNvPr id="1" name=""/>
-        <p:cNvGrpSpPr/>
-        <p:nvPr/>
-      </p:nvGrpSpPr>
-      <p:grpSpPr>
-        <a:xfrm>
-          <a:off x="0" y="0"/>
-          <a:ext cx="0" cy="0"/>
-          <a:chOff x="0" y="0"/>
-          <a:chExt cx="0" cy="0"/>
-        </a:xfrm>
-      </p:grpSpPr>
-      <p:sp>
-        <p:nvSpPr>
-          <p:cNvPr id="4" name="Rectangle 3"/>
-          <p:cNvSpPr/>
-          <p:nvPr/>
-        </p:nvSpPr>
-        <p:spPr>
-          <a:xfrm>
-            <a:off x="609600" y="5821363"/>
-            <a:ext cx="11192931" cy="369332"/>
-          </a:xfrm>
-          <a:prstGeom prst="rect">
-            <a:avLst/>
-          </a:prstGeom>
-        </p:spPr>
-        <p:txBody>
-          <a:bodyPr wrap="square">
-            <a:spAutoFit/>
-          </a:bodyPr>
-          <a:lstStyle/>
-          <a:p>
-            <a:r>
-              <a:rPr lang="en-US" dirty="0"/>
-              <a:t>https://</a:t>
-            </a:r>
-            <a:r>
-              <a:rPr lang="en-US" dirty="0" err="1"/>
-              <a:t>docs.djangoproject.com</a:t>
-            </a:r>
-            <a:r>
-              <a:rPr lang="en-US" dirty="0"/>
-              <a:t>/</a:t>
-            </a:r>
-            <a:r>
-              <a:rPr lang="en-US" dirty="0" err="1"/>
-              <a:t>en</a:t>
-            </a:r>
-            <a:r>
-              <a:rPr lang="en-US" dirty="0"/>
-              <a:t>/3.0/ref/class-based-views/generic-display/#</a:t>
-            </a:r>
-            <a:r>
-              <a:rPr lang="en-US" dirty="0" err="1"/>
-              <a:t>django.views.generic.list.ListView</a:t>
-            </a:r>
-            <a:endParaRPr lang="en-US" dirty="0"/>
-          </a:p>
-        </p:txBody>
-      </p:sp>
-      <p:sp>
-        <p:nvSpPr>
-          <p:cNvPr id="7" name="TextBox 6"/>
-          <p:cNvSpPr txBox="1"/>
-          <p:nvPr/>
-        </p:nvSpPr>
-        <p:spPr>
-          <a:xfrm>
-            <a:off x="609601" y="711197"/>
-            <a:ext cx="11192931" cy="4708981"/>
-          </a:xfrm>
-          <a:prstGeom prst="rect">
-            <a:avLst/>
-          </a:prstGeom>
-          <a:solidFill>
-            <a:schemeClr val="tx1"/>
-          </a:solidFill>
-        </p:spPr>
-        <p:txBody>
-          <a:bodyPr wrap="square" rtlCol="0">
-            <a:spAutoFit/>
-          </a:bodyPr>
-          <a:lstStyle/>
-          <a:p>
-            <a:r>
-              <a:rPr lang="en-US" sz="2000" b="1" dirty="0" smtClean="0">
-                <a:solidFill>
-                  <a:srgbClr val="0C4B33"/>
-                </a:solidFill>
-              </a:rPr>
-              <a:t>class </a:t>
-            </a:r>
-            <a:r>
-              <a:rPr lang="en-US" sz="2000" b="1" dirty="0" err="1" smtClean="0">
-                <a:solidFill>
-                  <a:srgbClr val="0C4B33"/>
-                </a:solidFill>
-              </a:rPr>
-              <a:t>django.views.generic.list.ListView</a:t>
-            </a:r>
-            <a:endParaRPr lang="en-US" sz="2000" b="1" dirty="0" smtClean="0">
-              <a:solidFill>
-                <a:srgbClr val="0C4B33"/>
-              </a:solidFill>
-            </a:endParaRPr>
-          </a:p>
-          <a:p>
-            <a:endParaRPr lang="en-US" sz="2000" b="1" dirty="0" smtClean="0">
-              <a:solidFill>
-                <a:srgbClr val="0C4B33"/>
-              </a:solidFill>
-            </a:endParaRPr>
-          </a:p>
-          <a:p>
-            <a:r>
-              <a:rPr lang="en-US" sz="2000" dirty="0" smtClean="0">
-                <a:solidFill>
-                  <a:srgbClr val="0C4B33"/>
-                </a:solidFill>
-              </a:rPr>
-              <a:t>A page representing a list of objects. While this view is executing, </a:t>
-            </a:r>
-            <a:r>
-              <a:rPr lang="en-US" sz="2000" dirty="0" err="1" smtClean="0">
-                <a:solidFill>
-                  <a:srgbClr val="0C4B33"/>
-                </a:solidFill>
-              </a:rPr>
-              <a:t>self.object_list</a:t>
-            </a:r>
-            <a:r>
-              <a:rPr lang="en-US" sz="2000" dirty="0" smtClean="0">
-                <a:solidFill>
-                  <a:srgbClr val="0C4B33"/>
-                </a:solidFill>
-              </a:rPr>
-              <a:t> will contain the list of objects (usually, but not necessarily a </a:t>
-            </a:r>
-            <a:r>
-              <a:rPr lang="en-US" sz="2000" dirty="0" err="1" smtClean="0">
-                <a:solidFill>
-                  <a:srgbClr val="0C4B33"/>
-                </a:solidFill>
-              </a:rPr>
-              <a:t>queryset</a:t>
-            </a:r>
-            <a:r>
-              <a:rPr lang="en-US" sz="2000" dirty="0" smtClean="0">
-                <a:solidFill>
-                  <a:srgbClr val="0C4B33"/>
-                </a:solidFill>
-              </a:rPr>
-              <a:t>) that the view is operating upon.</a:t>
-            </a:r>
-          </a:p>
-          <a:p>
-            <a:endParaRPr lang="en-US" sz="2000" dirty="0">
-              <a:solidFill>
-                <a:srgbClr val="0C4B33"/>
-              </a:solidFill>
-            </a:endParaRPr>
-          </a:p>
-          <a:p>
-            <a:r>
-              <a:rPr lang="en-US" sz="2000" b="1" dirty="0" smtClean="0">
-                <a:solidFill>
-                  <a:srgbClr val="0C4B33"/>
-                </a:solidFill>
-              </a:rPr>
-              <a:t>Method Flowchart</a:t>
-            </a:r>
-            <a:endParaRPr lang="en-US" sz="2000" b="1" dirty="0">
-              <a:solidFill>
-                <a:srgbClr val="0C4B33"/>
-              </a:solidFill>
-            </a:endParaRPr>
-          </a:p>
-          <a:p>
-            <a:pPr marL="457200" indent="-457200">
-              <a:buFont typeface="+mj-lt"/>
-              <a:buAutoNum type="arabicPeriod"/>
-            </a:pPr>
-            <a:r>
-              <a:rPr lang="en-US" sz="2000" dirty="0" smtClean="0">
-                <a:solidFill>
-                  <a:srgbClr val="0C4B33"/>
-                </a:solidFill>
-              </a:rPr>
-              <a:t>setup()</a:t>
-            </a:r>
-          </a:p>
-          <a:p>
-            <a:pPr marL="457200" indent="-457200">
-              <a:buFont typeface="+mj-lt"/>
-              <a:buAutoNum type="arabicPeriod"/>
-            </a:pPr>
-            <a:r>
-              <a:rPr lang="en-US" sz="2000" dirty="0" smtClean="0">
-                <a:solidFill>
-                  <a:srgbClr val="0C4B33"/>
-                </a:solidFill>
-              </a:rPr>
-              <a:t>dispatch()</a:t>
-            </a:r>
-          </a:p>
-          <a:p>
-            <a:pPr marL="457200" indent="-457200">
-              <a:buFont typeface="+mj-lt"/>
-              <a:buAutoNum type="arabicPeriod"/>
-            </a:pPr>
-            <a:r>
-              <a:rPr lang="en-US" sz="2000" dirty="0" err="1" smtClean="0">
-                <a:solidFill>
-                  <a:srgbClr val="0C4B33"/>
-                </a:solidFill>
-              </a:rPr>
-              <a:t>http_method_not_allowed</a:t>
-            </a:r>
-            <a:r>
-              <a:rPr lang="en-US" sz="2000" dirty="0" smtClean="0">
-                <a:solidFill>
-                  <a:srgbClr val="0C4B33"/>
-                </a:solidFill>
-              </a:rPr>
-              <a:t>()</a:t>
-            </a:r>
-            <a:endParaRPr lang="en-US" sz="2000" dirty="0">
-              <a:solidFill>
-                <a:srgbClr val="0C4B33"/>
-              </a:solidFill>
-            </a:endParaRPr>
-          </a:p>
-          <a:p>
-            <a:pPr marL="457200" indent="-457200">
-              <a:buFont typeface="+mj-lt"/>
-              <a:buAutoNum type="arabicPeriod"/>
-            </a:pPr>
-            <a:r>
-              <a:rPr lang="en-US" sz="2000" dirty="0" err="1" smtClean="0">
-                <a:solidFill>
-                  <a:srgbClr val="0C4B33"/>
-                </a:solidFill>
-              </a:rPr>
-              <a:t>get_template_names</a:t>
-            </a:r>
-            <a:r>
-              <a:rPr lang="en-US" sz="2000" dirty="0" smtClean="0">
-                <a:solidFill>
-                  <a:srgbClr val="0C4B33"/>
-                </a:solidFill>
-              </a:rPr>
-              <a:t>()</a:t>
-            </a:r>
-            <a:endParaRPr lang="en-US" sz="2000" dirty="0">
-              <a:solidFill>
-                <a:srgbClr val="0C4B33"/>
-              </a:solidFill>
-            </a:endParaRPr>
-          </a:p>
-          <a:p>
-            <a:pPr marL="457200" indent="-457200">
-              <a:buFont typeface="+mj-lt"/>
-              <a:buAutoNum type="arabicPeriod"/>
-            </a:pPr>
-            <a:r>
-              <a:rPr lang="en-US" sz="2000" dirty="0" err="1" smtClean="0">
-                <a:solidFill>
-                  <a:srgbClr val="0C4B33"/>
-                </a:solidFill>
-              </a:rPr>
-              <a:t>get_queryset</a:t>
-            </a:r>
-            <a:r>
-              <a:rPr lang="en-US" sz="2000" dirty="0" smtClean="0">
-                <a:solidFill>
-                  <a:srgbClr val="0C4B33"/>
-                </a:solidFill>
-              </a:rPr>
-              <a:t>()</a:t>
-            </a:r>
-            <a:endParaRPr lang="en-US" sz="2000" dirty="0">
-              <a:solidFill>
-                <a:srgbClr val="0C4B33"/>
-              </a:solidFill>
-            </a:endParaRPr>
-          </a:p>
-          <a:p>
-            <a:pPr marL="457200" indent="-457200">
-              <a:buFont typeface="+mj-lt"/>
-              <a:buAutoNum type="arabicPeriod"/>
-            </a:pPr>
-            <a:r>
-              <a:rPr lang="en-US" sz="2000" dirty="0" err="1" smtClean="0">
-                <a:solidFill>
-                  <a:srgbClr val="0C4B33"/>
-                </a:solidFill>
-              </a:rPr>
-              <a:t>get_context_object_name</a:t>
-            </a:r>
-            <a:r>
-              <a:rPr lang="en-US" sz="2000" dirty="0" smtClean="0">
-                <a:solidFill>
-                  <a:srgbClr val="0C4B33"/>
-                </a:solidFill>
-              </a:rPr>
-              <a:t>()</a:t>
-            </a:r>
-          </a:p>
-          <a:p>
-            <a:pPr marL="457200" indent="-457200">
-              <a:buFont typeface="+mj-lt"/>
-              <a:buAutoNum type="arabicPeriod"/>
-            </a:pPr>
-            <a:r>
-              <a:rPr lang="en-US" sz="2000" dirty="0" err="1" smtClean="0">
-                <a:solidFill>
-                  <a:srgbClr val="0C4B33"/>
-                </a:solidFill>
-              </a:rPr>
-              <a:t>get_context_data</a:t>
-            </a:r>
-            <a:r>
-              <a:rPr lang="en-US" sz="2000" dirty="0" smtClean="0">
-                <a:solidFill>
-                  <a:srgbClr val="0C4B33"/>
-                </a:solidFill>
-              </a:rPr>
-              <a:t>()	</a:t>
-            </a:r>
-          </a:p>
-          <a:p>
-            <a:pPr marL="457200" indent="-457200">
-              <a:buFont typeface="+mj-lt"/>
-              <a:buAutoNum type="arabicPeriod"/>
-            </a:pPr>
-            <a:r>
-              <a:rPr lang="en-US" sz="2000" dirty="0" smtClean="0">
-                <a:solidFill>
-                  <a:srgbClr val="0C4B33"/>
-                </a:solidFill>
-              </a:rPr>
-              <a:t>get()</a:t>
-            </a:r>
-          </a:p>
-          <a:p>
-            <a:pPr marL="457200" indent="-457200">
-              <a:buFont typeface="+mj-lt"/>
-              <a:buAutoNum type="arabicPeriod"/>
-            </a:pPr>
-            <a:r>
-              <a:rPr lang="en-US" sz="2000" dirty="0" err="1" smtClean="0">
-                <a:solidFill>
-                  <a:srgbClr val="0C4B33"/>
-                </a:solidFill>
-              </a:rPr>
-              <a:t>render_to_response</a:t>
-            </a:r>
-            <a:r>
-              <a:rPr lang="en-US" sz="2000" dirty="0" smtClean="0">
-                <a:solidFill>
-                  <a:srgbClr val="0C4B33"/>
-                </a:solidFill>
-              </a:rPr>
-              <a:t>()</a:t>
-            </a:r>
-            <a:endParaRPr lang="en-US" sz="2000" dirty="0">
-              <a:solidFill>
-                <a:srgbClr val="0C4B33"/>
-              </a:solidFill>
-            </a:endParaRPr>
-          </a:p>
-        </p:txBody>
-      </p:sp>
-    </p:spTree>
-    <p:extLst>
-      <p:ext uri="{BB962C8B-B14F-4D97-AF65-F5344CB8AC3E}">
-        <p14:creationId xmlns:p14="http://schemas.microsoft.com/office/powerpoint/2010/main" val="82595374"/>
       </p:ext>
     </p:extLst>
   </p:cSld>

--- a/lectures/DJ-12-Owned-Rows.pptx
+++ b/lectures/DJ-12-Owned-Rows.pptx
@@ -26400,14 +26400,14 @@
           </a:ln>
           <a:extLst>
             <a:ext uri="{909E8E84-426E-40dd-AFC4-6F175D3DCCD1}">
-              <a14:hiddenFill xmlns:a14="http://schemas.microsoft.com/office/drawing/2010/main" xmlns="">
+              <a14:hiddenFill xmlns="" xmlns:a14="http://schemas.microsoft.com/office/drawing/2010/main">
                 <a:solidFill>
                   <a:srgbClr val="FFFFFF"/>
                 </a:solidFill>
               </a14:hiddenFill>
             </a:ext>
             <a:ext uri="{91240B29-F687-4f45-9708-019B960494DF}">
-              <a14:hiddenLine xmlns:a14="http://schemas.microsoft.com/office/drawing/2010/main" xmlns="" w="9525">
+              <a14:hiddenLine xmlns="" xmlns:a14="http://schemas.microsoft.com/office/drawing/2010/main" w="9525">
                 <a:solidFill>
                   <a:srgbClr val="000000"/>
                 </a:solidFill>

--- a/lectures/DJ-12-Owned-Rows.pptx
+++ b/lectures/DJ-12-Owned-Rows.pptx
@@ -222,7 +222,7 @@
           <a:p>
             <a:fld id="{C97B56FC-7D2E-F343-9D09-0D14B00AA564}" type="datetimeFigureOut">
               <a:rPr lang="en-US" smtClean="0"/>
-              <a:t>3/11/22</a:t>
+              <a:t>9/16/22</a:t>
             </a:fld>
             <a:endParaRPr lang="en-US"/>
           </a:p>
@@ -839,7 +839,7 @@
           <a:p>
             <a:fld id="{EEE7C04C-7AF8-1445-A186-502B631B934F}" type="datetimeFigureOut">
               <a:rPr lang="en-US" smtClean="0"/>
-              <a:t>3/11/22</a:t>
+              <a:t>9/16/22</a:t>
             </a:fld>
             <a:endParaRPr lang="en-US"/>
           </a:p>
@@ -1004,7 +1004,7 @@
           <a:p>
             <a:fld id="{EEE7C04C-7AF8-1445-A186-502B631B934F}" type="datetimeFigureOut">
               <a:rPr lang="en-US" smtClean="0"/>
-              <a:t>3/11/22</a:t>
+              <a:t>9/16/22</a:t>
             </a:fld>
             <a:endParaRPr lang="en-US"/>
           </a:p>
@@ -1179,7 +1179,7 @@
           <a:p>
             <a:fld id="{EEE7C04C-7AF8-1445-A186-502B631B934F}" type="datetimeFigureOut">
               <a:rPr lang="en-US" smtClean="0"/>
-              <a:t>3/11/22</a:t>
+              <a:t>9/16/22</a:t>
             </a:fld>
             <a:endParaRPr lang="en-US"/>
           </a:p>
@@ -1487,7 +1487,7 @@
           <a:p>
             <a:fld id="{EEE7C04C-7AF8-1445-A186-502B631B934F}" type="datetimeFigureOut">
               <a:rPr lang="en-US" smtClean="0"/>
-              <a:t>3/11/22</a:t>
+              <a:t>9/16/22</a:t>
             </a:fld>
             <a:endParaRPr lang="en-US"/>
           </a:p>
@@ -1728,7 +1728,7 @@
           <a:p>
             <a:fld id="{EEE7C04C-7AF8-1445-A186-502B631B934F}" type="datetimeFigureOut">
               <a:rPr lang="en-US" smtClean="0"/>
-              <a:t>3/11/22</a:t>
+              <a:t>9/16/22</a:t>
             </a:fld>
             <a:endParaRPr lang="en-US"/>
           </a:p>
@@ -1955,7 +1955,7 @@
           <a:p>
             <a:fld id="{EEE7C04C-7AF8-1445-A186-502B631B934F}" type="datetimeFigureOut">
               <a:rPr lang="en-US" smtClean="0"/>
-              <a:t>3/11/22</a:t>
+              <a:t>9/16/22</a:t>
             </a:fld>
             <a:endParaRPr lang="en-US"/>
           </a:p>
@@ -2317,7 +2317,7 @@
           <a:p>
             <a:fld id="{EEE7C04C-7AF8-1445-A186-502B631B934F}" type="datetimeFigureOut">
               <a:rPr lang="en-US" smtClean="0"/>
-              <a:t>3/11/22</a:t>
+              <a:t>9/16/22</a:t>
             </a:fld>
             <a:endParaRPr lang="en-US"/>
           </a:p>
@@ -2430,7 +2430,7 @@
           <a:p>
             <a:fld id="{EEE7C04C-7AF8-1445-A186-502B631B934F}" type="datetimeFigureOut">
               <a:rPr lang="en-US" smtClean="0"/>
-              <a:t>3/11/22</a:t>
+              <a:t>9/16/22</a:t>
             </a:fld>
             <a:endParaRPr lang="en-US"/>
           </a:p>
@@ -2520,7 +2520,7 @@
           <a:p>
             <a:fld id="{EEE7C04C-7AF8-1445-A186-502B631B934F}" type="datetimeFigureOut">
               <a:rPr lang="en-US" smtClean="0"/>
-              <a:t>3/11/22</a:t>
+              <a:t>9/16/22</a:t>
             </a:fld>
             <a:endParaRPr lang="en-US"/>
           </a:p>
@@ -2792,7 +2792,7 @@
           <a:p>
             <a:fld id="{EEE7C04C-7AF8-1445-A186-502B631B934F}" type="datetimeFigureOut">
               <a:rPr lang="en-US" smtClean="0"/>
-              <a:t>3/11/22</a:t>
+              <a:t>9/16/22</a:t>
             </a:fld>
             <a:endParaRPr lang="en-US"/>
           </a:p>
@@ -3044,7 +3044,7 @@
           <a:p>
             <a:fld id="{EEE7C04C-7AF8-1445-A186-502B631B934F}" type="datetimeFigureOut">
               <a:rPr lang="en-US" smtClean="0"/>
-              <a:t>3/11/22</a:t>
+              <a:t>9/16/22</a:t>
             </a:fld>
             <a:endParaRPr lang="en-US"/>
           </a:p>
@@ -3251,7 +3251,7 @@
           <a:p>
             <a:fld id="{EEE7C04C-7AF8-1445-A186-502B631B934F}" type="datetimeFigureOut">
               <a:rPr lang="en-US" smtClean="0"/>
-              <a:t>3/11/22</a:t>
+              <a:t>9/16/22</a:t>
             </a:fld>
             <a:endParaRPr lang="en-US"/>
           </a:p>
@@ -4061,7 +4061,7 @@
             </a:r>
             <a:r>
               <a:rPr lang="en-US" dirty="0"/>
-              <a:t>/3.2/ref/class-based-views/generic-display/#</a:t>
+              <a:t>/4.0/ref/class-based-views/generic-display/#</a:t>
             </a:r>
             <a:r>
               <a:rPr lang="en-US" dirty="0" err="1"/>
@@ -13421,7 +13421,7 @@
             </a:r>
             <a:r>
               <a:rPr lang="en-US" dirty="0"/>
-              <a:t>/3.2/ref/class-based-views/</a:t>
+              <a:t>/4.0/ref/class-based-views/</a:t>
             </a:r>
             <a:r>
               <a:rPr lang="en-US" dirty="0" err="1"/>
@@ -26400,14 +26400,14 @@
           </a:ln>
           <a:extLst>
             <a:ext uri="{909E8E84-426E-40dd-AFC4-6F175D3DCCD1}">
-              <a14:hiddenFill xmlns="" xmlns:a14="http://schemas.microsoft.com/office/drawing/2010/main">
+              <a14:hiddenFill xmlns:a14="http://schemas.microsoft.com/office/drawing/2010/main" xmlns="">
                 <a:solidFill>
                   <a:srgbClr val="FFFFFF"/>
                 </a:solidFill>
               </a14:hiddenFill>
             </a:ext>
             <a:ext uri="{91240B29-F687-4f45-9708-019B960494DF}">
-              <a14:hiddenLine xmlns="" xmlns:a14="http://schemas.microsoft.com/office/drawing/2010/main" w="9525">
+              <a14:hiddenLine xmlns:a14="http://schemas.microsoft.com/office/drawing/2010/main" xmlns="" w="9525">
                 <a:solidFill>
                   <a:srgbClr val="000000"/>
                 </a:solidFill>

--- a/lectures/DJ-12-Owned-Rows.pptx
+++ b/lectures/DJ-12-Owned-Rows.pptx
@@ -222,7 +222,7 @@
           <a:p>
             <a:fld id="{C97B56FC-7D2E-F343-9D09-0D14B00AA564}" type="datetimeFigureOut">
               <a:rPr lang="en-US" smtClean="0"/>
-              <a:t>9/16/22</a:t>
+              <a:t>7/8/23</a:t>
             </a:fld>
             <a:endParaRPr lang="en-US"/>
           </a:p>
@@ -839,7 +839,7 @@
           <a:p>
             <a:fld id="{EEE7C04C-7AF8-1445-A186-502B631B934F}" type="datetimeFigureOut">
               <a:rPr lang="en-US" smtClean="0"/>
-              <a:t>9/16/22</a:t>
+              <a:t>7/8/23</a:t>
             </a:fld>
             <a:endParaRPr lang="en-US"/>
           </a:p>
@@ -1004,7 +1004,7 @@
           <a:p>
             <a:fld id="{EEE7C04C-7AF8-1445-A186-502B631B934F}" type="datetimeFigureOut">
               <a:rPr lang="en-US" smtClean="0"/>
-              <a:t>9/16/22</a:t>
+              <a:t>7/8/23</a:t>
             </a:fld>
             <a:endParaRPr lang="en-US"/>
           </a:p>
@@ -1179,7 +1179,7 @@
           <a:p>
             <a:fld id="{EEE7C04C-7AF8-1445-A186-502B631B934F}" type="datetimeFigureOut">
               <a:rPr lang="en-US" smtClean="0"/>
-              <a:t>9/16/22</a:t>
+              <a:t>7/8/23</a:t>
             </a:fld>
             <a:endParaRPr lang="en-US"/>
           </a:p>
@@ -1487,7 +1487,7 @@
           <a:p>
             <a:fld id="{EEE7C04C-7AF8-1445-A186-502B631B934F}" type="datetimeFigureOut">
               <a:rPr lang="en-US" smtClean="0"/>
-              <a:t>9/16/22</a:t>
+              <a:t>7/8/23</a:t>
             </a:fld>
             <a:endParaRPr lang="en-US"/>
           </a:p>
@@ -1728,7 +1728,7 @@
           <a:p>
             <a:fld id="{EEE7C04C-7AF8-1445-A186-502B631B934F}" type="datetimeFigureOut">
               <a:rPr lang="en-US" smtClean="0"/>
-              <a:t>9/16/22</a:t>
+              <a:t>7/8/23</a:t>
             </a:fld>
             <a:endParaRPr lang="en-US"/>
           </a:p>
@@ -1955,7 +1955,7 @@
           <a:p>
             <a:fld id="{EEE7C04C-7AF8-1445-A186-502B631B934F}" type="datetimeFigureOut">
               <a:rPr lang="en-US" smtClean="0"/>
-              <a:t>9/16/22</a:t>
+              <a:t>7/8/23</a:t>
             </a:fld>
             <a:endParaRPr lang="en-US"/>
           </a:p>
@@ -2317,7 +2317,7 @@
           <a:p>
             <a:fld id="{EEE7C04C-7AF8-1445-A186-502B631B934F}" type="datetimeFigureOut">
               <a:rPr lang="en-US" smtClean="0"/>
-              <a:t>9/16/22</a:t>
+              <a:t>7/8/23</a:t>
             </a:fld>
             <a:endParaRPr lang="en-US"/>
           </a:p>
@@ -2430,7 +2430,7 @@
           <a:p>
             <a:fld id="{EEE7C04C-7AF8-1445-A186-502B631B934F}" type="datetimeFigureOut">
               <a:rPr lang="en-US" smtClean="0"/>
-              <a:t>9/16/22</a:t>
+              <a:t>7/8/23</a:t>
             </a:fld>
             <a:endParaRPr lang="en-US"/>
           </a:p>
@@ -2520,7 +2520,7 @@
           <a:p>
             <a:fld id="{EEE7C04C-7AF8-1445-A186-502B631B934F}" type="datetimeFigureOut">
               <a:rPr lang="en-US" smtClean="0"/>
-              <a:t>9/16/22</a:t>
+              <a:t>7/8/23</a:t>
             </a:fld>
             <a:endParaRPr lang="en-US"/>
           </a:p>
@@ -2792,7 +2792,7 @@
           <a:p>
             <a:fld id="{EEE7C04C-7AF8-1445-A186-502B631B934F}" type="datetimeFigureOut">
               <a:rPr lang="en-US" smtClean="0"/>
-              <a:t>9/16/22</a:t>
+              <a:t>7/8/23</a:t>
             </a:fld>
             <a:endParaRPr lang="en-US"/>
           </a:p>
@@ -3044,7 +3044,7 @@
           <a:p>
             <a:fld id="{EEE7C04C-7AF8-1445-A186-502B631B934F}" type="datetimeFigureOut">
               <a:rPr lang="en-US" smtClean="0"/>
-              <a:t>9/16/22</a:t>
+              <a:t>7/8/23</a:t>
             </a:fld>
             <a:endParaRPr lang="en-US"/>
           </a:p>
@@ -3251,7 +3251,7 @@
           <a:p>
             <a:fld id="{EEE7C04C-7AF8-1445-A186-502B631B934F}" type="datetimeFigureOut">
               <a:rPr lang="en-US" smtClean="0"/>
-              <a:t>9/16/22</a:t>
+              <a:t>7/8/23</a:t>
             </a:fld>
             <a:endParaRPr lang="en-US"/>
           </a:p>
@@ -4061,7 +4061,7 @@
             </a:r>
             <a:r>
               <a:rPr lang="en-US" dirty="0"/>
-              <a:t>/4.0/ref/class-based-views/generic-display/#</a:t>
+              <a:t>/4.2/ref/class-based-views/generic-display/#</a:t>
             </a:r>
             <a:r>
               <a:rPr lang="en-US" dirty="0" err="1"/>
@@ -13421,7 +13421,7 @@
             </a:r>
             <a:r>
               <a:rPr lang="en-US" dirty="0"/>
-              <a:t>/4.0/ref/class-based-views/</a:t>
+              <a:t>/4.2/ref/class-based-views/</a:t>
             </a:r>
             <a:r>
               <a:rPr lang="en-US" dirty="0" err="1"/>
@@ -26400,14 +26400,14 @@
           </a:ln>
           <a:extLst>
             <a:ext uri="{909E8E84-426E-40dd-AFC4-6F175D3DCCD1}">
-              <a14:hiddenFill xmlns:a14="http://schemas.microsoft.com/office/drawing/2010/main" xmlns="">
+              <a14:hiddenFill xmlns="" xmlns:a14="http://schemas.microsoft.com/office/drawing/2010/main">
                 <a:solidFill>
                   <a:srgbClr val="FFFFFF"/>
                 </a:solidFill>
               </a14:hiddenFill>
             </a:ext>
             <a:ext uri="{91240B29-F687-4f45-9708-019B960494DF}">
-              <a14:hiddenLine xmlns:a14="http://schemas.microsoft.com/office/drawing/2010/main" xmlns="" w="9525">
+              <a14:hiddenLine xmlns="" xmlns:a14="http://schemas.microsoft.com/office/drawing/2010/main" w="9525">
                 <a:solidFill>
                   <a:srgbClr val="000000"/>
                 </a:solidFill>
